--- a/report_20.05/21930_Сыренный.pptx
+++ b/report_20.05/21930_Сыренный.pptx
@@ -14,11 +14,11 @@
     <p:sldId id="258" r:id="rId2"/>
     <p:sldId id="283" r:id="rId3"/>
     <p:sldId id="288" r:id="rId4"/>
-    <p:sldId id="292" r:id="rId5"/>
-    <p:sldId id="297" r:id="rId6"/>
-    <p:sldId id="295" r:id="rId7"/>
-    <p:sldId id="296" r:id="rId8"/>
-    <p:sldId id="300" r:id="rId9"/>
+    <p:sldId id="297" r:id="rId5"/>
+    <p:sldId id="295" r:id="rId6"/>
+    <p:sldId id="296" r:id="rId7"/>
+    <p:sldId id="300" r:id="rId8"/>
+    <p:sldId id="301" r:id="rId9"/>
     <p:sldId id="291" r:id="rId10"/>
     <p:sldId id="298" r:id="rId11"/>
     <p:sldId id="299" r:id="rId12"/>
@@ -128,11 +128,11 @@
             <p14:sldId id="258"/>
             <p14:sldId id="283"/>
             <p14:sldId id="288"/>
-            <p14:sldId id="292"/>
             <p14:sldId id="297"/>
             <p14:sldId id="295"/>
             <p14:sldId id="296"/>
             <p14:sldId id="300"/>
+            <p14:sldId id="301"/>
             <p14:sldId id="291"/>
             <p14:sldId id="298"/>
             <p14:sldId id="299"/>
@@ -1189,35 +1189,47 @@
           <a:p>
             <a:r>
               <a:rPr lang="ru-RU" dirty="0"/>
-              <a:t>На данной диаграмме изображена простейшая версия </a:t>
+              <a:t>Первым шагом в разработке прототипа системы стал дизайн интерфейса. Были продуманы сценарии взаимодействия пользователя и системы. Далее была спроектирована базовая версия, которая включала в себя следующие компоненты. Далее немного подробнее о каждом из них</a:t>
             </a:r>
             <a:r>
               <a:rPr lang="en-US" dirty="0"/>
-              <a:t>RAG-</a:t>
-            </a:r>
-            <a:r>
-              <a:rPr lang="ru-RU" dirty="0" err="1"/>
-              <a:t>пайплайна</a:t>
+              <a:t>: </a:t>
             </a:r>
             <a:r>
               <a:rPr lang="ru-RU" dirty="0"/>
-              <a:t>, которая сочетает в себе два основных модуля</a:t>
+              <a:t>этап </a:t>
             </a:r>
             <a:r>
               <a:rPr lang="en-US" dirty="0"/>
-              <a:t>: Retrieval </a:t>
+              <a:t>Chunking </a:t>
             </a:r>
             <a:r>
               <a:rPr lang="ru-RU" dirty="0"/>
-              <a:t>и </a:t>
+              <a:t>необходим для разделения исходного текста документов на фрагменты,</a:t>
             </a:r>
             <a:r>
               <a:rPr lang="en-US" dirty="0"/>
-              <a:t>Generation. </a:t>
+              <a:t> </a:t>
             </a:r>
             <a:r>
               <a:rPr lang="ru-RU" dirty="0"/>
-              <a:t>Этап </a:t>
+              <a:t>в разработке системы был использован алгоритм, который делит текст по предложениям. Следующий этап, </a:t>
+            </a:r>
+            <a:r>
+              <a:rPr lang="en-US" dirty="0"/>
+              <a:t>Rewriter</a:t>
+            </a:r>
+            <a:r>
+              <a:rPr lang="ru-RU" dirty="0"/>
+              <a:t>, служит для повышения эффективности этапа </a:t>
+            </a:r>
+            <a:r>
+              <a:rPr lang="en-US" dirty="0"/>
+              <a:t>Retrieval. </a:t>
+            </a:r>
+            <a:r>
+              <a:rPr lang="ru-RU" dirty="0"/>
+              <a:t>Достигается это путем генерации гипотетического ответа на вопрос пользователя. Этап </a:t>
             </a:r>
             <a:r>
               <a:rPr lang="en-US" dirty="0"/>
@@ -1225,7 +1237,43 @@
             </a:r>
             <a:r>
               <a:rPr lang="ru-RU" dirty="0"/>
-              <a:t>извлекает из базы данных релевантные фрагменты данных. Далее они замешиваются в оригинальный запрос пользователя, чтобы сформировать запрос в Большую Языковую Модель.</a:t>
+              <a:t>реализован на основе полнотекстового поиска. Этап </a:t>
+            </a:r>
+            <a:r>
+              <a:rPr lang="en-US" dirty="0"/>
+              <a:t>Reranking</a:t>
+            </a:r>
+            <a:r>
+              <a:rPr lang="ru-RU" dirty="0"/>
+              <a:t> служит для более точного отбора извлеченных фрагментов. </a:t>
+            </a:r>
+            <a:r>
+              <a:rPr lang="ru-RU" dirty="0" err="1"/>
+              <a:t>Пайплайн</a:t>
+            </a:r>
+            <a:r>
+              <a:rPr lang="ru-RU" dirty="0"/>
+              <a:t> использует функционал </a:t>
+            </a:r>
+            <a:r>
+              <a:rPr lang="en-US" dirty="0" err="1"/>
+              <a:t>YandexGPT</a:t>
+            </a:r>
+            <a:r>
+              <a:rPr lang="en-US" dirty="0"/>
+              <a:t> </a:t>
+            </a:r>
+            <a:r>
+              <a:rPr lang="ru-RU" dirty="0"/>
+              <a:t>через </a:t>
+            </a:r>
+            <a:r>
+              <a:rPr lang="en-US" dirty="0"/>
+              <a:t>API, </a:t>
+            </a:r>
+            <a:r>
+              <a:rPr lang="ru-RU" dirty="0"/>
+              <a:t>это позволяет снизить требования к вычислительным ресурсам</a:t>
             </a:r>
           </a:p>
         </p:txBody>
@@ -1266,197 +1314,7 @@
           <a:p>
             <a:fld id="{F723B9CB-6C5E-49E0-AC6F-FD96E7389E04}" type="slidenum">
               <a:rPr lang="ru-RU" smtClean="0"/>
-              <a:t>4</a:t>
-            </a:fld>
-            <a:endParaRPr lang="ru-RU"/>
-          </a:p>
-        </p:txBody>
-      </p:sp>
-    </p:spTree>
-    <p:extLst>
-      <p:ext uri="{BB962C8B-B14F-4D97-AF65-F5344CB8AC3E}">
-        <p14:creationId xmlns:p14="http://schemas.microsoft.com/office/powerpoint/2010/main" val="4290374936"/>
-      </p:ext>
-    </p:extLst>
-  </p:cSld>
-  <p:clrMapOvr>
-    <a:masterClrMapping/>
-  </p:clrMapOvr>
-</p:notes>
-</file>
-
-<file path=ppt/notesSlides/notesSlide5.xml><?xml version="1.0" encoding="utf-8"?>
-<p:notes xmlns:a="http://schemas.openxmlformats.org/drawingml/2006/main" xmlns:r="http://schemas.openxmlformats.org/officeDocument/2006/relationships" xmlns:p="http://schemas.openxmlformats.org/presentationml/2006/main">
-  <p:cSld>
-    <p:spTree>
-      <p:nvGrpSpPr>
-        <p:cNvPr id="1" name=""/>
-        <p:cNvGrpSpPr/>
-        <p:nvPr/>
-      </p:nvGrpSpPr>
-      <p:grpSpPr>
-        <a:xfrm>
-          <a:off x="0" y="0"/>
-          <a:ext cx="0" cy="0"/>
-          <a:chOff x="0" y="0"/>
-          <a:chExt cx="0" cy="0"/>
-        </a:xfrm>
-      </p:grpSpPr>
-      <p:sp>
-        <p:nvSpPr>
-          <p:cNvPr id="2" name="Образ слайда 1"/>
-          <p:cNvSpPr>
-            <a:spLocks noGrp="1" noRot="1" noChangeAspect="1"/>
-          </p:cNvSpPr>
-          <p:nvPr>
-            <p:ph type="sldImg"/>
-          </p:nvPr>
-        </p:nvSpPr>
-        <p:spPr/>
-      </p:sp>
-      <p:sp>
-        <p:nvSpPr>
-          <p:cNvPr id="3" name="Заметки 2"/>
-          <p:cNvSpPr>
-            <a:spLocks noGrp="1"/>
-          </p:cNvSpPr>
-          <p:nvPr>
-            <p:ph type="body" idx="1"/>
-          </p:nvPr>
-        </p:nvSpPr>
-        <p:spPr/>
-        <p:txBody>
-          <a:bodyPr/>
-          <a:lstStyle/>
-          <a:p>
-            <a:r>
-              <a:rPr lang="ru-RU" dirty="0"/>
-              <a:t>Первым шагом в разработке прототипа системы стал дизайн интерфейса. Были продуманы сценарии взаимодействия пользователя и системы. Далее была спроектирована базовая версия, которая включала в себя следующие компоненты. Далее немного подробнее о каждом из них</a:t>
-            </a:r>
-            <a:r>
-              <a:rPr lang="en-US" dirty="0"/>
-              <a:t>: </a:t>
-            </a:r>
-            <a:r>
-              <a:rPr lang="ru-RU" dirty="0"/>
-              <a:t>этап </a:t>
-            </a:r>
-            <a:r>
-              <a:rPr lang="en-US" dirty="0"/>
-              <a:t>Chunking </a:t>
-            </a:r>
-            <a:r>
-              <a:rPr lang="ru-RU" dirty="0"/>
-              <a:t>необходим для разделения исходного текста документов на фрагменты,</a:t>
-            </a:r>
-            <a:r>
-              <a:rPr lang="en-US" dirty="0"/>
-              <a:t> </a:t>
-            </a:r>
-            <a:r>
-              <a:rPr lang="ru-RU" dirty="0"/>
-              <a:t>в разработке системы был использован алгоритм, который делит текст по предложениям. Следующий этап, </a:t>
-            </a:r>
-            <a:r>
-              <a:rPr lang="en-US" dirty="0"/>
-              <a:t>Rewriter</a:t>
-            </a:r>
-            <a:r>
-              <a:rPr lang="ru-RU" dirty="0"/>
-              <a:t>, служит для повышения эффективности этапа </a:t>
-            </a:r>
-            <a:r>
-              <a:rPr lang="en-US" dirty="0"/>
-              <a:t>Retrieval. </a:t>
-            </a:r>
-            <a:r>
-              <a:rPr lang="ru-RU" dirty="0"/>
-              <a:t>Достигается это путем генерации гипотетического ответа на вопрос пользователя. Этап </a:t>
-            </a:r>
-            <a:r>
-              <a:rPr lang="en-US" dirty="0"/>
-              <a:t>Retrieval </a:t>
-            </a:r>
-            <a:r>
-              <a:rPr lang="ru-RU" dirty="0"/>
-              <a:t>реализован на основе полнотекстового поиска. Этап </a:t>
-            </a:r>
-            <a:r>
-              <a:rPr lang="en-US" dirty="0"/>
-              <a:t>Reranking</a:t>
-            </a:r>
-            <a:r>
-              <a:rPr lang="ru-RU" dirty="0"/>
-              <a:t> служит для более точного отбора извлеченных фрагментов. </a:t>
-            </a:r>
-            <a:r>
-              <a:rPr lang="ru-RU" dirty="0" err="1"/>
-              <a:t>Пайплайн</a:t>
-            </a:r>
-            <a:r>
-              <a:rPr lang="ru-RU" dirty="0"/>
-              <a:t> использует функционал </a:t>
-            </a:r>
-            <a:r>
-              <a:rPr lang="en-US" dirty="0" err="1"/>
-              <a:t>YandexGPT</a:t>
-            </a:r>
-            <a:r>
-              <a:rPr lang="en-US" dirty="0"/>
-              <a:t> </a:t>
-            </a:r>
-            <a:r>
-              <a:rPr lang="ru-RU" dirty="0"/>
-              <a:t>через </a:t>
-            </a:r>
-            <a:r>
-              <a:rPr lang="en-US" dirty="0"/>
-              <a:t>API, </a:t>
-            </a:r>
-            <a:r>
-              <a:rPr lang="ru-RU" dirty="0"/>
-              <a:t>это позволяет снизить требования к вычислительным ресурсам</a:t>
-            </a:r>
-          </a:p>
-        </p:txBody>
-      </p:sp>
-      <p:sp>
-        <p:nvSpPr>
-          <p:cNvPr id="4" name="Нижний колонтитул 3"/>
-          <p:cNvSpPr>
-            <a:spLocks noGrp="1"/>
-          </p:cNvSpPr>
-          <p:nvPr>
-            <p:ph type="ftr" sz="quarter" idx="4"/>
-          </p:nvPr>
-        </p:nvSpPr>
-        <p:spPr/>
-        <p:txBody>
-          <a:bodyPr/>
-          <a:lstStyle/>
-          <a:p>
-            <a:endParaRPr lang="ru-RU"/>
-          </a:p>
-        </p:txBody>
-      </p:sp>
-      <p:sp>
-        <p:nvSpPr>
-          <p:cNvPr id="5" name="Номер слайда 4"/>
-          <p:cNvSpPr>
-            <a:spLocks noGrp="1"/>
-          </p:cNvSpPr>
-          <p:nvPr>
-            <p:ph type="sldNum" sz="quarter" idx="5"/>
-          </p:nvPr>
-        </p:nvSpPr>
-        <p:spPr/>
-        <p:txBody>
-          <a:bodyPr/>
-          <a:lstStyle/>
-          <a:p>
-            <a:fld id="{F723B9CB-6C5E-49E0-AC6F-FD96E7389E04}" type="slidenum">
-              <a:rPr lang="ru-RU" smtClean="0"/>
-              <a:t>6</a:t>
+              <a:t>5</a:t>
             </a:fld>
             <a:endParaRPr lang="ru-RU"/>
           </a:p>
@@ -1475,7 +1333,7 @@
 </p:notes>
 </file>
 
-<file path=ppt/notesSlides/notesSlide6.xml><?xml version="1.0" encoding="utf-8"?>
+<file path=ppt/notesSlides/notesSlide5.xml><?xml version="1.0" encoding="utf-8"?>
 <p:notes xmlns:a="http://schemas.openxmlformats.org/drawingml/2006/main" xmlns:r="http://schemas.openxmlformats.org/officeDocument/2006/relationships" xmlns:p="http://schemas.openxmlformats.org/presentationml/2006/main">
   <p:cSld>
     <p:spTree>
@@ -1855,6 +1713,500 @@
 </file>
 
 <file path=ppt/slideLayouts/slideLayout10.xml><?xml version="1.0" encoding="utf-8"?>
+<p:sldLayout xmlns:a="http://schemas.openxmlformats.org/drawingml/2006/main" xmlns:r="http://schemas.openxmlformats.org/officeDocument/2006/relationships" xmlns:p="http://schemas.openxmlformats.org/presentationml/2006/main" preserve="1" userDrawn="1">
+  <p:cSld name="С таблицей">
+    <p:spTree>
+      <p:nvGrpSpPr>
+        <p:cNvPr id="1" name=""/>
+        <p:cNvGrpSpPr/>
+        <p:nvPr/>
+      </p:nvGrpSpPr>
+      <p:grpSpPr>
+        <a:xfrm>
+          <a:off x="0" y="0"/>
+          <a:ext cx="0" cy="0"/>
+          <a:chOff x="0" y="0"/>
+          <a:chExt cx="0" cy="0"/>
+        </a:xfrm>
+      </p:grpSpPr>
+      <p:sp>
+        <p:nvSpPr>
+          <p:cNvPr id="3" name="Нижний колонтитул 2">
+            <a:extLst>
+              <a:ext uri="{FF2B5EF4-FFF2-40B4-BE49-F238E27FC236}">
+                <a16:creationId xmlns:a16="http://schemas.microsoft.com/office/drawing/2014/main" id="{D6A0C8A1-7928-4113-8B3C-AD276F438A9E}"/>
+              </a:ext>
+            </a:extLst>
+          </p:cNvPr>
+          <p:cNvSpPr>
+            <a:spLocks noGrp="1"/>
+          </p:cNvSpPr>
+          <p:nvPr>
+            <p:ph type="ftr" sz="quarter" idx="11"/>
+          </p:nvPr>
+        </p:nvSpPr>
+        <p:spPr/>
+        <p:txBody>
+          <a:bodyPr/>
+          <a:lstStyle>
+            <a:lvl1pPr>
+              <a:defRPr>
+                <a:latin typeface="+mj-lt"/>
+              </a:defRPr>
+            </a:lvl1pPr>
+          </a:lstStyle>
+          <a:p>
+            <a:endParaRPr lang="ru-RU" dirty="0"/>
+          </a:p>
+        </p:txBody>
+      </p:sp>
+      <p:sp>
+        <p:nvSpPr>
+          <p:cNvPr id="4" name="Номер слайда 3">
+            <a:extLst>
+              <a:ext uri="{FF2B5EF4-FFF2-40B4-BE49-F238E27FC236}">
+                <a16:creationId xmlns:a16="http://schemas.microsoft.com/office/drawing/2014/main" id="{A659E81C-8F3C-4CBD-BFDE-2F278A95EC17}"/>
+              </a:ext>
+            </a:extLst>
+          </p:cNvPr>
+          <p:cNvSpPr>
+            <a:spLocks noGrp="1"/>
+          </p:cNvSpPr>
+          <p:nvPr>
+            <p:ph type="sldNum" sz="quarter" idx="12"/>
+          </p:nvPr>
+        </p:nvSpPr>
+        <p:spPr>
+          <a:xfrm>
+            <a:off x="131618" y="6356350"/>
+            <a:ext cx="459509" cy="365125"/>
+          </a:xfrm>
+        </p:spPr>
+        <p:txBody>
+          <a:bodyPr/>
+          <a:lstStyle>
+            <a:lvl1pPr>
+              <a:defRPr sz="1400">
+                <a:solidFill>
+                  <a:schemeClr val="tx1"/>
+                </a:solidFill>
+                <a:latin typeface="Times New Roman" panose="02020603050405020304" pitchFamily="18" charset="0"/>
+                <a:cs typeface="Times New Roman" panose="02020603050405020304" pitchFamily="18" charset="0"/>
+              </a:defRPr>
+            </a:lvl1pPr>
+          </a:lstStyle>
+          <a:p>
+            <a:fld id="{252DB28E-DCFC-49D3-A30D-8262F7022753}" type="slidenum">
+              <a:rPr lang="ru-RU" smtClean="0"/>
+              <a:pPr/>
+              <a:t>‹#›</a:t>
+            </a:fld>
+            <a:endParaRPr lang="ru-RU" dirty="0"/>
+          </a:p>
+        </p:txBody>
+      </p:sp>
+      <p:sp>
+        <p:nvSpPr>
+          <p:cNvPr id="9" name="Текст 8">
+            <a:extLst>
+              <a:ext uri="{FF2B5EF4-FFF2-40B4-BE49-F238E27FC236}">
+                <a16:creationId xmlns:a16="http://schemas.microsoft.com/office/drawing/2014/main" id="{F41E3613-C825-4AC4-AD6D-9E3EFB15A6F3}"/>
+              </a:ext>
+            </a:extLst>
+          </p:cNvPr>
+          <p:cNvSpPr>
+            <a:spLocks noGrp="1"/>
+          </p:cNvSpPr>
+          <p:nvPr>
+            <p:ph type="body" sz="quarter" idx="14"/>
+          </p:nvPr>
+        </p:nvSpPr>
+        <p:spPr>
+          <a:xfrm>
+            <a:off x="1860105" y="5597719"/>
+            <a:ext cx="8471790" cy="561603"/>
+          </a:xfrm>
+        </p:spPr>
+        <p:txBody>
+          <a:bodyPr>
+            <a:normAutofit/>
+          </a:bodyPr>
+          <a:lstStyle>
+            <a:lvl1pPr marL="0" indent="0" algn="ctr">
+              <a:lnSpc>
+                <a:spcPct val="150000"/>
+              </a:lnSpc>
+              <a:buFontTx/>
+              <a:buNone/>
+              <a:defRPr sz="1600">
+                <a:latin typeface="+mj-lt"/>
+              </a:defRPr>
+            </a:lvl1pPr>
+          </a:lstStyle>
+          <a:p>
+            <a:pPr lvl="0"/>
+            <a:r>
+              <a:rPr lang="ru-RU" dirty="0"/>
+              <a:t>Образец текста</a:t>
+            </a:r>
+          </a:p>
+        </p:txBody>
+      </p:sp>
+      <p:sp>
+        <p:nvSpPr>
+          <p:cNvPr id="5" name="Таблица 4">
+            <a:extLst>
+              <a:ext uri="{FF2B5EF4-FFF2-40B4-BE49-F238E27FC236}">
+                <a16:creationId xmlns:a16="http://schemas.microsoft.com/office/drawing/2014/main" id="{6671B43A-5A9E-4DC7-9A36-0A24D95C9B75}"/>
+              </a:ext>
+            </a:extLst>
+          </p:cNvPr>
+          <p:cNvSpPr>
+            <a:spLocks noGrp="1"/>
+          </p:cNvSpPr>
+          <p:nvPr>
+            <p:ph type="tbl" sz="quarter" idx="15"/>
+          </p:nvPr>
+        </p:nvSpPr>
+        <p:spPr>
+          <a:xfrm>
+            <a:off x="1860105" y="512379"/>
+            <a:ext cx="8471790" cy="5085340"/>
+          </a:xfrm>
+        </p:spPr>
+        <p:txBody>
+          <a:bodyPr/>
+          <a:lstStyle/>
+          <a:p>
+            <a:endParaRPr lang="ru-RU"/>
+          </a:p>
+        </p:txBody>
+      </p:sp>
+    </p:spTree>
+    <p:extLst>
+      <p:ext uri="{BB962C8B-B14F-4D97-AF65-F5344CB8AC3E}">
+        <p14:creationId xmlns:p14="http://schemas.microsoft.com/office/powerpoint/2010/main" val="833242592"/>
+      </p:ext>
+    </p:extLst>
+  </p:cSld>
+  <p:clrMapOvr>
+    <a:masterClrMapping/>
+  </p:clrMapOvr>
+</p:sldLayout>
+</file>
+
+<file path=ppt/slideLayouts/slideLayout11.xml><?xml version="1.0" encoding="utf-8"?>
+<p:sldLayout xmlns:a="http://schemas.openxmlformats.org/drawingml/2006/main" xmlns:r="http://schemas.openxmlformats.org/officeDocument/2006/relationships" xmlns:p="http://schemas.openxmlformats.org/presentationml/2006/main" type="objTx" preserve="1">
+  <p:cSld name="Объект с подписью">
+    <p:spTree>
+      <p:nvGrpSpPr>
+        <p:cNvPr id="1" name=""/>
+        <p:cNvGrpSpPr/>
+        <p:nvPr/>
+      </p:nvGrpSpPr>
+      <p:grpSpPr>
+        <a:xfrm>
+          <a:off x="0" y="0"/>
+          <a:ext cx="0" cy="0"/>
+          <a:chOff x="0" y="0"/>
+          <a:chExt cx="0" cy="0"/>
+        </a:xfrm>
+      </p:grpSpPr>
+      <p:sp>
+        <p:nvSpPr>
+          <p:cNvPr id="2" name="Заголовок 1">
+            <a:extLst>
+              <a:ext uri="{FF2B5EF4-FFF2-40B4-BE49-F238E27FC236}">
+                <a16:creationId xmlns:a16="http://schemas.microsoft.com/office/drawing/2014/main" id="{959E82B1-F43C-4FA6-9FE0-95ADB0ED60DD}"/>
+              </a:ext>
+            </a:extLst>
+          </p:cNvPr>
+          <p:cNvSpPr>
+            <a:spLocks noGrp="1"/>
+          </p:cNvSpPr>
+          <p:nvPr>
+            <p:ph type="title"/>
+          </p:nvPr>
+        </p:nvSpPr>
+        <p:spPr>
+          <a:xfrm>
+            <a:off x="839788" y="457200"/>
+            <a:ext cx="3932237" cy="1600200"/>
+          </a:xfrm>
+        </p:spPr>
+        <p:txBody>
+          <a:bodyPr anchor="b"/>
+          <a:lstStyle>
+            <a:lvl1pPr>
+              <a:defRPr sz="3200"/>
+            </a:lvl1pPr>
+          </a:lstStyle>
+          <a:p>
+            <a:r>
+              <a:rPr lang="ru-RU"/>
+              <a:t>Образец заголовка</a:t>
+            </a:r>
+          </a:p>
+        </p:txBody>
+      </p:sp>
+      <p:sp>
+        <p:nvSpPr>
+          <p:cNvPr id="3" name="Объект 2">
+            <a:extLst>
+              <a:ext uri="{FF2B5EF4-FFF2-40B4-BE49-F238E27FC236}">
+                <a16:creationId xmlns:a16="http://schemas.microsoft.com/office/drawing/2014/main" id="{843F065C-F6F1-40E9-8B38-6BEC78849913}"/>
+              </a:ext>
+            </a:extLst>
+          </p:cNvPr>
+          <p:cNvSpPr>
+            <a:spLocks noGrp="1"/>
+          </p:cNvSpPr>
+          <p:nvPr>
+            <p:ph idx="1"/>
+          </p:nvPr>
+        </p:nvSpPr>
+        <p:spPr>
+          <a:xfrm>
+            <a:off x="5183188" y="987425"/>
+            <a:ext cx="6172200" cy="4873625"/>
+          </a:xfrm>
+        </p:spPr>
+        <p:txBody>
+          <a:bodyPr/>
+          <a:lstStyle>
+            <a:lvl1pPr>
+              <a:defRPr sz="3200"/>
+            </a:lvl1pPr>
+            <a:lvl2pPr>
+              <a:defRPr sz="2800"/>
+            </a:lvl2pPr>
+            <a:lvl3pPr>
+              <a:defRPr sz="2400"/>
+            </a:lvl3pPr>
+            <a:lvl4pPr>
+              <a:defRPr sz="2000"/>
+            </a:lvl4pPr>
+            <a:lvl5pPr>
+              <a:defRPr sz="2000"/>
+            </a:lvl5pPr>
+            <a:lvl6pPr>
+              <a:defRPr sz="2000"/>
+            </a:lvl6pPr>
+            <a:lvl7pPr>
+              <a:defRPr sz="2000"/>
+            </a:lvl7pPr>
+            <a:lvl8pPr>
+              <a:defRPr sz="2000"/>
+            </a:lvl8pPr>
+            <a:lvl9pPr>
+              <a:defRPr sz="2000"/>
+            </a:lvl9pPr>
+          </a:lstStyle>
+          <a:p>
+            <a:pPr lvl="0"/>
+            <a:r>
+              <a:rPr lang="ru-RU"/>
+              <a:t>Образец текста</a:t>
+            </a:r>
+          </a:p>
+          <a:p>
+            <a:pPr lvl="1"/>
+            <a:r>
+              <a:rPr lang="ru-RU"/>
+              <a:t>Второй уровень</a:t>
+            </a:r>
+          </a:p>
+          <a:p>
+            <a:pPr lvl="2"/>
+            <a:r>
+              <a:rPr lang="ru-RU"/>
+              <a:t>Третий уровень</a:t>
+            </a:r>
+          </a:p>
+          <a:p>
+            <a:pPr lvl="3"/>
+            <a:r>
+              <a:rPr lang="ru-RU"/>
+              <a:t>Четвертый уровень</a:t>
+            </a:r>
+          </a:p>
+          <a:p>
+            <a:pPr lvl="4"/>
+            <a:r>
+              <a:rPr lang="ru-RU"/>
+              <a:t>Пятый уровень</a:t>
+            </a:r>
+          </a:p>
+        </p:txBody>
+      </p:sp>
+      <p:sp>
+        <p:nvSpPr>
+          <p:cNvPr id="4" name="Текст 3">
+            <a:extLst>
+              <a:ext uri="{FF2B5EF4-FFF2-40B4-BE49-F238E27FC236}">
+                <a16:creationId xmlns:a16="http://schemas.microsoft.com/office/drawing/2014/main" id="{1A5BF20B-C440-495D-BEF3-0EC34132DBE7}"/>
+              </a:ext>
+            </a:extLst>
+          </p:cNvPr>
+          <p:cNvSpPr>
+            <a:spLocks noGrp="1"/>
+          </p:cNvSpPr>
+          <p:nvPr>
+            <p:ph type="body" sz="half" idx="2"/>
+          </p:nvPr>
+        </p:nvSpPr>
+        <p:spPr>
+          <a:xfrm>
+            <a:off x="839788" y="2057400"/>
+            <a:ext cx="3932237" cy="3811588"/>
+          </a:xfrm>
+        </p:spPr>
+        <p:txBody>
+          <a:bodyPr/>
+          <a:lstStyle>
+            <a:lvl1pPr marL="0" indent="0">
+              <a:buNone/>
+              <a:defRPr sz="1600"/>
+            </a:lvl1pPr>
+            <a:lvl2pPr marL="457200" indent="0">
+              <a:buNone/>
+              <a:defRPr sz="1400"/>
+            </a:lvl2pPr>
+            <a:lvl3pPr marL="914400" indent="0">
+              <a:buNone/>
+              <a:defRPr sz="1200"/>
+            </a:lvl3pPr>
+            <a:lvl4pPr marL="1371600" indent="0">
+              <a:buNone/>
+              <a:defRPr sz="1000"/>
+            </a:lvl4pPr>
+            <a:lvl5pPr marL="1828800" indent="0">
+              <a:buNone/>
+              <a:defRPr sz="1000"/>
+            </a:lvl5pPr>
+            <a:lvl6pPr marL="2286000" indent="0">
+              <a:buNone/>
+              <a:defRPr sz="1000"/>
+            </a:lvl6pPr>
+            <a:lvl7pPr marL="2743200" indent="0">
+              <a:buNone/>
+              <a:defRPr sz="1000"/>
+            </a:lvl7pPr>
+            <a:lvl8pPr marL="3200400" indent="0">
+              <a:buNone/>
+              <a:defRPr sz="1000"/>
+            </a:lvl8pPr>
+            <a:lvl9pPr marL="3657600" indent="0">
+              <a:buNone/>
+              <a:defRPr sz="1000"/>
+            </a:lvl9pPr>
+          </a:lstStyle>
+          <a:p>
+            <a:pPr lvl="0"/>
+            <a:r>
+              <a:rPr lang="ru-RU"/>
+              <a:t>Образец текста</a:t>
+            </a:r>
+          </a:p>
+        </p:txBody>
+      </p:sp>
+      <p:sp>
+        <p:nvSpPr>
+          <p:cNvPr id="5" name="Дата 4">
+            <a:extLst>
+              <a:ext uri="{FF2B5EF4-FFF2-40B4-BE49-F238E27FC236}">
+                <a16:creationId xmlns:a16="http://schemas.microsoft.com/office/drawing/2014/main" id="{BEFDBD15-ED49-49D6-B57E-FD6B5C6E1A8E}"/>
+              </a:ext>
+            </a:extLst>
+          </p:cNvPr>
+          <p:cNvSpPr>
+            <a:spLocks noGrp="1"/>
+          </p:cNvSpPr>
+          <p:nvPr>
+            <p:ph type="dt" sz="half" idx="10"/>
+          </p:nvPr>
+        </p:nvSpPr>
+        <p:spPr/>
+        <p:txBody>
+          <a:bodyPr/>
+          <a:lstStyle/>
+          <a:p>
+            <a:fld id="{D65C84CD-6F1E-4B5C-AF82-9F8C33F7B67A}" type="datetime1">
+              <a:rPr lang="ru-RU" smtClean="0"/>
+              <a:t>19.05.2025</a:t>
+            </a:fld>
+            <a:endParaRPr lang="ru-RU"/>
+          </a:p>
+        </p:txBody>
+      </p:sp>
+      <p:sp>
+        <p:nvSpPr>
+          <p:cNvPr id="6" name="Нижний колонтитул 5">
+            <a:extLst>
+              <a:ext uri="{FF2B5EF4-FFF2-40B4-BE49-F238E27FC236}">
+                <a16:creationId xmlns:a16="http://schemas.microsoft.com/office/drawing/2014/main" id="{37B4759C-4777-49B6-B652-708669582B58}"/>
+              </a:ext>
+            </a:extLst>
+          </p:cNvPr>
+          <p:cNvSpPr>
+            <a:spLocks noGrp="1"/>
+          </p:cNvSpPr>
+          <p:nvPr>
+            <p:ph type="ftr" sz="quarter" idx="11"/>
+          </p:nvPr>
+        </p:nvSpPr>
+        <p:spPr/>
+        <p:txBody>
+          <a:bodyPr/>
+          <a:lstStyle/>
+          <a:p>
+            <a:endParaRPr lang="ru-RU"/>
+          </a:p>
+        </p:txBody>
+      </p:sp>
+      <p:sp>
+        <p:nvSpPr>
+          <p:cNvPr id="7" name="Номер слайда 6">
+            <a:extLst>
+              <a:ext uri="{FF2B5EF4-FFF2-40B4-BE49-F238E27FC236}">
+                <a16:creationId xmlns:a16="http://schemas.microsoft.com/office/drawing/2014/main" id="{A7E47314-5D68-4402-8652-335E73B0E891}"/>
+              </a:ext>
+            </a:extLst>
+          </p:cNvPr>
+          <p:cNvSpPr>
+            <a:spLocks noGrp="1"/>
+          </p:cNvSpPr>
+          <p:nvPr>
+            <p:ph type="sldNum" sz="quarter" idx="12"/>
+          </p:nvPr>
+        </p:nvSpPr>
+        <p:spPr/>
+        <p:txBody>
+          <a:bodyPr/>
+          <a:lstStyle/>
+          <a:p>
+            <a:fld id="{252DB28E-DCFC-49D3-A30D-8262F7022753}" type="slidenum">
+              <a:rPr lang="ru-RU" smtClean="0"/>
+              <a:t>‹#›</a:t>
+            </a:fld>
+            <a:endParaRPr lang="ru-RU"/>
+          </a:p>
+        </p:txBody>
+      </p:sp>
+    </p:spTree>
+    <p:extLst>
+      <p:ext uri="{BB962C8B-B14F-4D97-AF65-F5344CB8AC3E}">
+        <p14:creationId xmlns:p14="http://schemas.microsoft.com/office/powerpoint/2010/main" val="3971101517"/>
+      </p:ext>
+    </p:extLst>
+  </p:cSld>
+  <p:clrMapOvr>
+    <a:masterClrMapping/>
+  </p:clrMapOvr>
+</p:sldLayout>
+</file>
+
+<file path=ppt/slideLayouts/slideLayout12.xml><?xml version="1.0" encoding="utf-8"?>
 <p:sldLayout xmlns:a="http://schemas.openxmlformats.org/drawingml/2006/main" xmlns:r="http://schemas.openxmlformats.org/officeDocument/2006/relationships" xmlns:p="http://schemas.openxmlformats.org/presentationml/2006/main" type="picTx" preserve="1">
   <p:cSld name="Рисунок с подписью">
     <p:spTree>
@@ -2142,7 +2494,7 @@
 </p:sldLayout>
 </file>
 
-<file path=ppt/slideLayouts/slideLayout11.xml><?xml version="1.0" encoding="utf-8"?>
+<file path=ppt/slideLayouts/slideLayout13.xml><?xml version="1.0" encoding="utf-8"?>
 <p:sldLayout xmlns:a="http://schemas.openxmlformats.org/drawingml/2006/main" xmlns:r="http://schemas.openxmlformats.org/officeDocument/2006/relationships" xmlns:p="http://schemas.openxmlformats.org/presentationml/2006/main" type="vertTx" preserve="1">
   <p:cSld name="Заголовок и вертикальный текст">
     <p:spTree>
@@ -2340,7 +2692,7 @@
 </p:sldLayout>
 </file>
 
-<file path=ppt/slideLayouts/slideLayout12.xml><?xml version="1.0" encoding="utf-8"?>
+<file path=ppt/slideLayouts/slideLayout14.xml><?xml version="1.0" encoding="utf-8"?>
 <p:sldLayout xmlns:a="http://schemas.openxmlformats.org/drawingml/2006/main" xmlns:r="http://schemas.openxmlformats.org/officeDocument/2006/relationships" xmlns:p="http://schemas.openxmlformats.org/presentationml/2006/main" type="vertTitleAndTx" preserve="1">
   <p:cSld name="Вертикальный заголовок и текст">
     <p:spTree>
@@ -3841,7 +4193,196 @@
 
 <file path=ppt/slideLayouts/slideLayout7.xml><?xml version="1.0" encoding="utf-8"?>
 <p:sldLayout xmlns:a="http://schemas.openxmlformats.org/drawingml/2006/main" xmlns:r="http://schemas.openxmlformats.org/officeDocument/2006/relationships" xmlns:p="http://schemas.openxmlformats.org/presentationml/2006/main" preserve="1" userDrawn="1">
-  <p:cSld name="Без рисунка">
+  <p:cSld name="С таблицей и заголовком">
+    <p:spTree>
+      <p:nvGrpSpPr>
+        <p:cNvPr id="1" name=""/>
+        <p:cNvGrpSpPr/>
+        <p:nvPr/>
+      </p:nvGrpSpPr>
+      <p:grpSpPr>
+        <a:xfrm>
+          <a:off x="0" y="0"/>
+          <a:ext cx="0" cy="0"/>
+          <a:chOff x="0" y="0"/>
+          <a:chExt cx="0" cy="0"/>
+        </a:xfrm>
+      </p:grpSpPr>
+      <p:sp>
+        <p:nvSpPr>
+          <p:cNvPr id="3" name="Нижний колонтитул 2">
+            <a:extLst>
+              <a:ext uri="{FF2B5EF4-FFF2-40B4-BE49-F238E27FC236}">
+                <a16:creationId xmlns:a16="http://schemas.microsoft.com/office/drawing/2014/main" id="{D6A0C8A1-7928-4113-8B3C-AD276F438A9E}"/>
+              </a:ext>
+            </a:extLst>
+          </p:cNvPr>
+          <p:cNvSpPr>
+            <a:spLocks noGrp="1"/>
+          </p:cNvSpPr>
+          <p:nvPr>
+            <p:ph type="ftr" sz="quarter" idx="11"/>
+          </p:nvPr>
+        </p:nvSpPr>
+        <p:spPr/>
+        <p:txBody>
+          <a:bodyPr/>
+          <a:lstStyle>
+            <a:lvl1pPr>
+              <a:defRPr>
+                <a:latin typeface="+mj-lt"/>
+              </a:defRPr>
+            </a:lvl1pPr>
+          </a:lstStyle>
+          <a:p>
+            <a:endParaRPr lang="ru-RU" dirty="0"/>
+          </a:p>
+        </p:txBody>
+      </p:sp>
+      <p:sp>
+        <p:nvSpPr>
+          <p:cNvPr id="4" name="Номер слайда 3">
+            <a:extLst>
+              <a:ext uri="{FF2B5EF4-FFF2-40B4-BE49-F238E27FC236}">
+                <a16:creationId xmlns:a16="http://schemas.microsoft.com/office/drawing/2014/main" id="{A659E81C-8F3C-4CBD-BFDE-2F278A95EC17}"/>
+              </a:ext>
+            </a:extLst>
+          </p:cNvPr>
+          <p:cNvSpPr>
+            <a:spLocks noGrp="1"/>
+          </p:cNvSpPr>
+          <p:nvPr>
+            <p:ph type="sldNum" sz="quarter" idx="12"/>
+          </p:nvPr>
+        </p:nvSpPr>
+        <p:spPr>
+          <a:xfrm>
+            <a:off x="131618" y="6356350"/>
+            <a:ext cx="459509" cy="365125"/>
+          </a:xfrm>
+        </p:spPr>
+        <p:txBody>
+          <a:bodyPr/>
+          <a:lstStyle>
+            <a:lvl1pPr>
+              <a:defRPr sz="1400">
+                <a:solidFill>
+                  <a:schemeClr val="tx1"/>
+                </a:solidFill>
+                <a:latin typeface="Times New Roman" panose="02020603050405020304" pitchFamily="18" charset="0"/>
+                <a:cs typeface="Times New Roman" panose="02020603050405020304" pitchFamily="18" charset="0"/>
+              </a:defRPr>
+            </a:lvl1pPr>
+          </a:lstStyle>
+          <a:p>
+            <a:fld id="{252DB28E-DCFC-49D3-A30D-8262F7022753}" type="slidenum">
+              <a:rPr lang="ru-RU" smtClean="0"/>
+              <a:pPr/>
+              <a:t>‹#›</a:t>
+            </a:fld>
+            <a:endParaRPr lang="ru-RU" dirty="0"/>
+          </a:p>
+        </p:txBody>
+      </p:sp>
+      <p:sp>
+        <p:nvSpPr>
+          <p:cNvPr id="2" name="Заголовок 1">
+            <a:extLst>
+              <a:ext uri="{FF2B5EF4-FFF2-40B4-BE49-F238E27FC236}">
+                <a16:creationId xmlns:a16="http://schemas.microsoft.com/office/drawing/2014/main" id="{5243E274-CE30-44F5-8112-17F8C12E7DBD}"/>
+              </a:ext>
+            </a:extLst>
+          </p:cNvPr>
+          <p:cNvSpPr>
+            <a:spLocks noGrp="1"/>
+          </p:cNvSpPr>
+          <p:nvPr>
+            <p:ph type="title"/>
+          </p:nvPr>
+        </p:nvSpPr>
+        <p:spPr>
+          <a:xfrm>
+            <a:off x="718457" y="0"/>
+            <a:ext cx="10755088" cy="1520890"/>
+          </a:xfrm>
+        </p:spPr>
+        <p:txBody>
+          <a:bodyPr>
+            <a:normAutofit/>
+          </a:bodyPr>
+          <a:lstStyle>
+            <a:lvl1pPr>
+              <a:lnSpc>
+                <a:spcPct val="130000"/>
+              </a:lnSpc>
+              <a:defRPr sz="3600"/>
+            </a:lvl1pPr>
+          </a:lstStyle>
+          <a:p>
+            <a:r>
+              <a:rPr lang="ru-RU" dirty="0"/>
+              <a:t>Образец заголовка</a:t>
+            </a:r>
+          </a:p>
+        </p:txBody>
+      </p:sp>
+      <p:sp>
+        <p:nvSpPr>
+          <p:cNvPr id="6" name="Таблица 5">
+            <a:extLst>
+              <a:ext uri="{FF2B5EF4-FFF2-40B4-BE49-F238E27FC236}">
+                <a16:creationId xmlns:a16="http://schemas.microsoft.com/office/drawing/2014/main" id="{1BDF0A4B-9C9C-4D7A-BD86-602886E63D20}"/>
+              </a:ext>
+            </a:extLst>
+          </p:cNvPr>
+          <p:cNvSpPr>
+            <a:spLocks noGrp="1"/>
+          </p:cNvSpPr>
+          <p:nvPr>
+            <p:ph type="tbl" sz="quarter" idx="13"/>
+          </p:nvPr>
+        </p:nvSpPr>
+        <p:spPr>
+          <a:xfrm>
+            <a:off x="718455" y="1520890"/>
+            <a:ext cx="10755088" cy="4835460"/>
+          </a:xfrm>
+          <a:ln>
+            <a:solidFill>
+              <a:schemeClr val="bg1"/>
+            </a:solidFill>
+          </a:ln>
+        </p:spPr>
+        <p:txBody>
+          <a:bodyPr/>
+          <a:lstStyle>
+            <a:lvl1pPr>
+              <a:defRPr>
+                <a:latin typeface="+mj-lt"/>
+              </a:defRPr>
+            </a:lvl1pPr>
+          </a:lstStyle>
+          <a:p>
+            <a:endParaRPr lang="ru-RU" dirty="0"/>
+          </a:p>
+        </p:txBody>
+      </p:sp>
+    </p:spTree>
+    <p:extLst>
+      <p:ext uri="{BB962C8B-B14F-4D97-AF65-F5344CB8AC3E}">
+        <p14:creationId xmlns:p14="http://schemas.microsoft.com/office/powerpoint/2010/main" val="21218119"/>
+      </p:ext>
+    </p:extLst>
+  </p:cSld>
+  <p:clrMapOvr>
+    <a:masterClrMapping/>
+  </p:clrMapOvr>
+</p:sldLayout>
+</file>
+
+<file path=ppt/slideLayouts/slideLayout8.xml><?xml version="1.0" encoding="utf-8"?>
+<p:sldLayout xmlns:a="http://schemas.openxmlformats.org/drawingml/2006/main" xmlns:r="http://schemas.openxmlformats.org/officeDocument/2006/relationships" xmlns:p="http://schemas.openxmlformats.org/presentationml/2006/main" preserve="1" userDrawn="1">
+  <p:cSld name="Стандартный">
     <p:spTree>
       <p:nvGrpSpPr>
         <p:cNvPr id="1" name=""/>
@@ -4057,7 +4598,7 @@
     </p:spTree>
     <p:extLst>
       <p:ext uri="{BB962C8B-B14F-4D97-AF65-F5344CB8AC3E}">
-        <p14:creationId xmlns:p14="http://schemas.microsoft.com/office/powerpoint/2010/main" val="21218119"/>
+        <p14:creationId xmlns:p14="http://schemas.microsoft.com/office/powerpoint/2010/main" val="2041449686"/>
       </p:ext>
     </p:extLst>
   </p:cSld>
@@ -4067,7 +4608,7 @@
 </p:sldLayout>
 </file>
 
-<file path=ppt/slideLayouts/slideLayout8.xml><?xml version="1.0" encoding="utf-8"?>
+<file path=ppt/slideLayouts/slideLayout9.xml><?xml version="1.0" encoding="utf-8"?>
 <p:sldLayout xmlns:a="http://schemas.openxmlformats.org/drawingml/2006/main" xmlns:r="http://schemas.openxmlformats.org/officeDocument/2006/relationships" xmlns:p="http://schemas.openxmlformats.org/presentationml/2006/main" preserve="1" userDrawn="1">
   <p:cSld name="С рисунком">
     <p:spTree>
@@ -4247,317 +4788,6 @@
     <p:extLst>
       <p:ext uri="{BB962C8B-B14F-4D97-AF65-F5344CB8AC3E}">
         <p14:creationId xmlns:p14="http://schemas.microsoft.com/office/powerpoint/2010/main" val="2467583477"/>
-      </p:ext>
-    </p:extLst>
-  </p:cSld>
-  <p:clrMapOvr>
-    <a:masterClrMapping/>
-  </p:clrMapOvr>
-</p:sldLayout>
-</file>
-
-<file path=ppt/slideLayouts/slideLayout9.xml><?xml version="1.0" encoding="utf-8"?>
-<p:sldLayout xmlns:a="http://schemas.openxmlformats.org/drawingml/2006/main" xmlns:r="http://schemas.openxmlformats.org/officeDocument/2006/relationships" xmlns:p="http://schemas.openxmlformats.org/presentationml/2006/main" type="objTx" preserve="1">
-  <p:cSld name="Объект с подписью">
-    <p:spTree>
-      <p:nvGrpSpPr>
-        <p:cNvPr id="1" name=""/>
-        <p:cNvGrpSpPr/>
-        <p:nvPr/>
-      </p:nvGrpSpPr>
-      <p:grpSpPr>
-        <a:xfrm>
-          <a:off x="0" y="0"/>
-          <a:ext cx="0" cy="0"/>
-          <a:chOff x="0" y="0"/>
-          <a:chExt cx="0" cy="0"/>
-        </a:xfrm>
-      </p:grpSpPr>
-      <p:sp>
-        <p:nvSpPr>
-          <p:cNvPr id="2" name="Заголовок 1">
-            <a:extLst>
-              <a:ext uri="{FF2B5EF4-FFF2-40B4-BE49-F238E27FC236}">
-                <a16:creationId xmlns:a16="http://schemas.microsoft.com/office/drawing/2014/main" id="{959E82B1-F43C-4FA6-9FE0-95ADB0ED60DD}"/>
-              </a:ext>
-            </a:extLst>
-          </p:cNvPr>
-          <p:cNvSpPr>
-            <a:spLocks noGrp="1"/>
-          </p:cNvSpPr>
-          <p:nvPr>
-            <p:ph type="title"/>
-          </p:nvPr>
-        </p:nvSpPr>
-        <p:spPr>
-          <a:xfrm>
-            <a:off x="839788" y="457200"/>
-            <a:ext cx="3932237" cy="1600200"/>
-          </a:xfrm>
-        </p:spPr>
-        <p:txBody>
-          <a:bodyPr anchor="b"/>
-          <a:lstStyle>
-            <a:lvl1pPr>
-              <a:defRPr sz="3200"/>
-            </a:lvl1pPr>
-          </a:lstStyle>
-          <a:p>
-            <a:r>
-              <a:rPr lang="ru-RU"/>
-              <a:t>Образец заголовка</a:t>
-            </a:r>
-          </a:p>
-        </p:txBody>
-      </p:sp>
-      <p:sp>
-        <p:nvSpPr>
-          <p:cNvPr id="3" name="Объект 2">
-            <a:extLst>
-              <a:ext uri="{FF2B5EF4-FFF2-40B4-BE49-F238E27FC236}">
-                <a16:creationId xmlns:a16="http://schemas.microsoft.com/office/drawing/2014/main" id="{843F065C-F6F1-40E9-8B38-6BEC78849913}"/>
-              </a:ext>
-            </a:extLst>
-          </p:cNvPr>
-          <p:cNvSpPr>
-            <a:spLocks noGrp="1"/>
-          </p:cNvSpPr>
-          <p:nvPr>
-            <p:ph idx="1"/>
-          </p:nvPr>
-        </p:nvSpPr>
-        <p:spPr>
-          <a:xfrm>
-            <a:off x="5183188" y="987425"/>
-            <a:ext cx="6172200" cy="4873625"/>
-          </a:xfrm>
-        </p:spPr>
-        <p:txBody>
-          <a:bodyPr/>
-          <a:lstStyle>
-            <a:lvl1pPr>
-              <a:defRPr sz="3200"/>
-            </a:lvl1pPr>
-            <a:lvl2pPr>
-              <a:defRPr sz="2800"/>
-            </a:lvl2pPr>
-            <a:lvl3pPr>
-              <a:defRPr sz="2400"/>
-            </a:lvl3pPr>
-            <a:lvl4pPr>
-              <a:defRPr sz="2000"/>
-            </a:lvl4pPr>
-            <a:lvl5pPr>
-              <a:defRPr sz="2000"/>
-            </a:lvl5pPr>
-            <a:lvl6pPr>
-              <a:defRPr sz="2000"/>
-            </a:lvl6pPr>
-            <a:lvl7pPr>
-              <a:defRPr sz="2000"/>
-            </a:lvl7pPr>
-            <a:lvl8pPr>
-              <a:defRPr sz="2000"/>
-            </a:lvl8pPr>
-            <a:lvl9pPr>
-              <a:defRPr sz="2000"/>
-            </a:lvl9pPr>
-          </a:lstStyle>
-          <a:p>
-            <a:pPr lvl="0"/>
-            <a:r>
-              <a:rPr lang="ru-RU"/>
-              <a:t>Образец текста</a:t>
-            </a:r>
-          </a:p>
-          <a:p>
-            <a:pPr lvl="1"/>
-            <a:r>
-              <a:rPr lang="ru-RU"/>
-              <a:t>Второй уровень</a:t>
-            </a:r>
-          </a:p>
-          <a:p>
-            <a:pPr lvl="2"/>
-            <a:r>
-              <a:rPr lang="ru-RU"/>
-              <a:t>Третий уровень</a:t>
-            </a:r>
-          </a:p>
-          <a:p>
-            <a:pPr lvl="3"/>
-            <a:r>
-              <a:rPr lang="ru-RU"/>
-              <a:t>Четвертый уровень</a:t>
-            </a:r>
-          </a:p>
-          <a:p>
-            <a:pPr lvl="4"/>
-            <a:r>
-              <a:rPr lang="ru-RU"/>
-              <a:t>Пятый уровень</a:t>
-            </a:r>
-          </a:p>
-        </p:txBody>
-      </p:sp>
-      <p:sp>
-        <p:nvSpPr>
-          <p:cNvPr id="4" name="Текст 3">
-            <a:extLst>
-              <a:ext uri="{FF2B5EF4-FFF2-40B4-BE49-F238E27FC236}">
-                <a16:creationId xmlns:a16="http://schemas.microsoft.com/office/drawing/2014/main" id="{1A5BF20B-C440-495D-BEF3-0EC34132DBE7}"/>
-              </a:ext>
-            </a:extLst>
-          </p:cNvPr>
-          <p:cNvSpPr>
-            <a:spLocks noGrp="1"/>
-          </p:cNvSpPr>
-          <p:nvPr>
-            <p:ph type="body" sz="half" idx="2"/>
-          </p:nvPr>
-        </p:nvSpPr>
-        <p:spPr>
-          <a:xfrm>
-            <a:off x="839788" y="2057400"/>
-            <a:ext cx="3932237" cy="3811588"/>
-          </a:xfrm>
-        </p:spPr>
-        <p:txBody>
-          <a:bodyPr/>
-          <a:lstStyle>
-            <a:lvl1pPr marL="0" indent="0">
-              <a:buNone/>
-              <a:defRPr sz="1600"/>
-            </a:lvl1pPr>
-            <a:lvl2pPr marL="457200" indent="0">
-              <a:buNone/>
-              <a:defRPr sz="1400"/>
-            </a:lvl2pPr>
-            <a:lvl3pPr marL="914400" indent="0">
-              <a:buNone/>
-              <a:defRPr sz="1200"/>
-            </a:lvl3pPr>
-            <a:lvl4pPr marL="1371600" indent="0">
-              <a:buNone/>
-              <a:defRPr sz="1000"/>
-            </a:lvl4pPr>
-            <a:lvl5pPr marL="1828800" indent="0">
-              <a:buNone/>
-              <a:defRPr sz="1000"/>
-            </a:lvl5pPr>
-            <a:lvl6pPr marL="2286000" indent="0">
-              <a:buNone/>
-              <a:defRPr sz="1000"/>
-            </a:lvl6pPr>
-            <a:lvl7pPr marL="2743200" indent="0">
-              <a:buNone/>
-              <a:defRPr sz="1000"/>
-            </a:lvl7pPr>
-            <a:lvl8pPr marL="3200400" indent="0">
-              <a:buNone/>
-              <a:defRPr sz="1000"/>
-            </a:lvl8pPr>
-            <a:lvl9pPr marL="3657600" indent="0">
-              <a:buNone/>
-              <a:defRPr sz="1000"/>
-            </a:lvl9pPr>
-          </a:lstStyle>
-          <a:p>
-            <a:pPr lvl="0"/>
-            <a:r>
-              <a:rPr lang="ru-RU"/>
-              <a:t>Образец текста</a:t>
-            </a:r>
-          </a:p>
-        </p:txBody>
-      </p:sp>
-      <p:sp>
-        <p:nvSpPr>
-          <p:cNvPr id="5" name="Дата 4">
-            <a:extLst>
-              <a:ext uri="{FF2B5EF4-FFF2-40B4-BE49-F238E27FC236}">
-                <a16:creationId xmlns:a16="http://schemas.microsoft.com/office/drawing/2014/main" id="{BEFDBD15-ED49-49D6-B57E-FD6B5C6E1A8E}"/>
-              </a:ext>
-            </a:extLst>
-          </p:cNvPr>
-          <p:cNvSpPr>
-            <a:spLocks noGrp="1"/>
-          </p:cNvSpPr>
-          <p:nvPr>
-            <p:ph type="dt" sz="half" idx="10"/>
-          </p:nvPr>
-        </p:nvSpPr>
-        <p:spPr/>
-        <p:txBody>
-          <a:bodyPr/>
-          <a:lstStyle/>
-          <a:p>
-            <a:fld id="{D65C84CD-6F1E-4B5C-AF82-9F8C33F7B67A}" type="datetime1">
-              <a:rPr lang="ru-RU" smtClean="0"/>
-              <a:t>19.05.2025</a:t>
-            </a:fld>
-            <a:endParaRPr lang="ru-RU"/>
-          </a:p>
-        </p:txBody>
-      </p:sp>
-      <p:sp>
-        <p:nvSpPr>
-          <p:cNvPr id="6" name="Нижний колонтитул 5">
-            <a:extLst>
-              <a:ext uri="{FF2B5EF4-FFF2-40B4-BE49-F238E27FC236}">
-                <a16:creationId xmlns:a16="http://schemas.microsoft.com/office/drawing/2014/main" id="{37B4759C-4777-49B6-B652-708669582B58}"/>
-              </a:ext>
-            </a:extLst>
-          </p:cNvPr>
-          <p:cNvSpPr>
-            <a:spLocks noGrp="1"/>
-          </p:cNvSpPr>
-          <p:nvPr>
-            <p:ph type="ftr" sz="quarter" idx="11"/>
-          </p:nvPr>
-        </p:nvSpPr>
-        <p:spPr/>
-        <p:txBody>
-          <a:bodyPr/>
-          <a:lstStyle/>
-          <a:p>
-            <a:endParaRPr lang="ru-RU"/>
-          </a:p>
-        </p:txBody>
-      </p:sp>
-      <p:sp>
-        <p:nvSpPr>
-          <p:cNvPr id="7" name="Номер слайда 6">
-            <a:extLst>
-              <a:ext uri="{FF2B5EF4-FFF2-40B4-BE49-F238E27FC236}">
-                <a16:creationId xmlns:a16="http://schemas.microsoft.com/office/drawing/2014/main" id="{A7E47314-5D68-4402-8652-335E73B0E891}"/>
-              </a:ext>
-            </a:extLst>
-          </p:cNvPr>
-          <p:cNvSpPr>
-            <a:spLocks noGrp="1"/>
-          </p:cNvSpPr>
-          <p:nvPr>
-            <p:ph type="sldNum" sz="quarter" idx="12"/>
-          </p:nvPr>
-        </p:nvSpPr>
-        <p:spPr/>
-        <p:txBody>
-          <a:bodyPr/>
-          <a:lstStyle/>
-          <a:p>
-            <a:fld id="{252DB28E-DCFC-49D3-A30D-8262F7022753}" type="slidenum">
-              <a:rPr lang="ru-RU" smtClean="0"/>
-              <a:t>‹#›</a:t>
-            </a:fld>
-            <a:endParaRPr lang="ru-RU"/>
-          </a:p>
-        </p:txBody>
-      </p:sp>
-    </p:spTree>
-    <p:extLst>
-      <p:ext uri="{BB962C8B-B14F-4D97-AF65-F5344CB8AC3E}">
-        <p14:creationId xmlns:p14="http://schemas.microsoft.com/office/powerpoint/2010/main" val="3971101517"/>
       </p:ext>
     </p:extLst>
   </p:cSld>
@@ -4847,11 +5077,13 @@
     <p:sldLayoutId id="2147483653" r:id="rId5"/>
     <p:sldLayoutId id="2147483654" r:id="rId6"/>
     <p:sldLayoutId id="2147483655" r:id="rId7"/>
-    <p:sldLayoutId id="2147483660" r:id="rId8"/>
-    <p:sldLayoutId id="2147483656" r:id="rId9"/>
-    <p:sldLayoutId id="2147483657" r:id="rId10"/>
-    <p:sldLayoutId id="2147483658" r:id="rId11"/>
-    <p:sldLayoutId id="2147483659" r:id="rId12"/>
+    <p:sldLayoutId id="2147483662" r:id="rId8"/>
+    <p:sldLayoutId id="2147483660" r:id="rId9"/>
+    <p:sldLayoutId id="2147483661" r:id="rId10"/>
+    <p:sldLayoutId id="2147483656" r:id="rId11"/>
+    <p:sldLayoutId id="2147483657" r:id="rId12"/>
+    <p:sldLayoutId id="2147483658" r:id="rId13"/>
+    <p:sldLayoutId id="2147483659" r:id="rId14"/>
   </p:sldLayoutIdLst>
   <p:hf hdr="0" ftr="0" dt="0"/>
   <p:txStyles>
@@ -5677,12 +5909,7 @@
             <p:ph type="sldNum" sz="quarter" idx="12"/>
           </p:nvPr>
         </p:nvSpPr>
-        <p:spPr>
-          <a:xfrm>
-            <a:off x="131618" y="6356350"/>
-            <a:ext cx="459509" cy="365125"/>
-          </a:xfrm>
-        </p:spPr>
+        <p:spPr/>
         <p:txBody>
           <a:bodyPr/>
           <a:lstStyle/>
@@ -5698,10 +5925,10 @@
       </p:sp>
       <p:sp>
         <p:nvSpPr>
-          <p:cNvPr id="24" name="Заголовок 23">
-            <a:extLst>
-              <a:ext uri="{FF2B5EF4-FFF2-40B4-BE49-F238E27FC236}">
-                <a16:creationId xmlns:a16="http://schemas.microsoft.com/office/drawing/2014/main" id="{8C15DCCE-DC96-41D0-AC1B-0B213E6D2389}"/>
+          <p:cNvPr id="5" name="Заголовок 4">
+            <a:extLst>
+              <a:ext uri="{FF2B5EF4-FFF2-40B4-BE49-F238E27FC236}">
+                <a16:creationId xmlns:a16="http://schemas.microsoft.com/office/drawing/2014/main" id="{BFBC558F-F3AC-4A6D-9351-A1461229AF85}"/>
               </a:ext>
             </a:extLst>
           </p:cNvPr>
@@ -5718,43 +5945,19 @@
           <a:lstStyle/>
           <a:p>
             <a:r>
-              <a:rPr lang="ru-RU" dirty="0"/>
-              <a:t>Метрики</a:t>
-            </a:r>
-          </a:p>
-        </p:txBody>
-      </p:sp>
-      <p:sp>
-        <p:nvSpPr>
-          <p:cNvPr id="25" name="Текст 24">
-            <a:extLst>
-              <a:ext uri="{FF2B5EF4-FFF2-40B4-BE49-F238E27FC236}">
-                <a16:creationId xmlns:a16="http://schemas.microsoft.com/office/drawing/2014/main" id="{CCF00E6F-3F26-44B4-A770-58E91B4A6E46}"/>
-              </a:ext>
-            </a:extLst>
-          </p:cNvPr>
-          <p:cNvSpPr>
-            <a:spLocks noGrp="1"/>
-          </p:cNvSpPr>
-          <p:nvPr>
-            <p:ph type="body" sz="quarter" idx="13"/>
-          </p:nvPr>
-        </p:nvSpPr>
-        <p:spPr/>
-        <p:txBody>
-          <a:bodyPr/>
-          <a:lstStyle/>
-          <a:p>
+              <a:rPr lang="ru-RU"/>
+              <a:t>Метрики разных конфигураций</a:t>
+            </a:r>
             <a:endParaRPr lang="ru-RU" dirty="0"/>
           </a:p>
         </p:txBody>
       </p:sp>
       <p:graphicFrame>
         <p:nvGraphicFramePr>
-          <p:cNvPr id="7" name="Таблица 7">
-            <a:extLst>
-              <a:ext uri="{FF2B5EF4-FFF2-40B4-BE49-F238E27FC236}">
-                <a16:creationId xmlns:a16="http://schemas.microsoft.com/office/drawing/2014/main" id="{E5BD47B0-7951-4D15-A5AE-FD21171EB5BA}"/>
+          <p:cNvPr id="8" name="Таблица 8">
+            <a:extLst>
+              <a:ext uri="{FF2B5EF4-FFF2-40B4-BE49-F238E27FC236}">
+                <a16:creationId xmlns:a16="http://schemas.microsoft.com/office/drawing/2014/main" id="{479C1396-CB99-4759-9B8A-8F7DAE51E635}"/>
               </a:ext>
             </a:extLst>
           </p:cNvPr>
@@ -5762,49 +5965,50 @@
             <a:graphicFrameLocks noGrp="1"/>
           </p:cNvGraphicFramePr>
           <p:nvPr>
+            <p:ph type="tbl" sz="quarter" idx="13"/>
             <p:extLst>
               <p:ext uri="{D42A27DB-BD31-4B8C-83A1-F6EECF244321}">
-                <p14:modId xmlns:p14="http://schemas.microsoft.com/office/powerpoint/2010/main" val="3606882559"/>
+                <p14:modId xmlns:p14="http://schemas.microsoft.com/office/powerpoint/2010/main" val="2217195361"/>
               </p:ext>
             </p:extLst>
           </p:nvPr>
         </p:nvGraphicFramePr>
         <p:xfrm>
-          <a:off x="2032000" y="4210116"/>
-          <a:ext cx="8128000" cy="1854200"/>
+          <a:off x="719138" y="1520825"/>
+          <a:ext cx="10753724" cy="3040700"/>
         </p:xfrm>
         <a:graphic>
           <a:graphicData uri="http://schemas.openxmlformats.org/drawingml/2006/table">
             <a:tbl>
               <a:tblPr firstRow="1" bandRow="1">
-                <a:tableStyleId>{5C22544A-7EE6-4342-B048-85BDC9FD1C3A}</a:tableStyleId>
+                <a:tableStyleId>{2D5ABB26-0587-4C30-8999-92F81FD0307C}</a:tableStyleId>
               </a:tblPr>
               <a:tblGrid>
-                <a:gridCol w="2032000">
+                <a:gridCol w="3745858">
                   <a:extLst>
                     <a:ext uri="{9D8B030D-6E8A-4147-A177-3AD203B41FA5}">
-                      <a16:colId xmlns:a16="http://schemas.microsoft.com/office/drawing/2014/main" val="789645454"/>
+                      <a16:colId xmlns:a16="http://schemas.microsoft.com/office/drawing/2014/main" val="883720315"/>
                     </a:ext>
                   </a:extLst>
                 </a:gridCol>
-                <a:gridCol w="2032000">
+                <a:gridCol w="2266544">
                   <a:extLst>
                     <a:ext uri="{9D8B030D-6E8A-4147-A177-3AD203B41FA5}">
-                      <a16:colId xmlns:a16="http://schemas.microsoft.com/office/drawing/2014/main" val="1200515169"/>
+                      <a16:colId xmlns:a16="http://schemas.microsoft.com/office/drawing/2014/main" val="3877980195"/>
                     </a:ext>
                   </a:extLst>
                 </a:gridCol>
-                <a:gridCol w="2032000">
+                <a:gridCol w="2324911">
                   <a:extLst>
                     <a:ext uri="{9D8B030D-6E8A-4147-A177-3AD203B41FA5}">
-                      <a16:colId xmlns:a16="http://schemas.microsoft.com/office/drawing/2014/main" val="878370442"/>
+                      <a16:colId xmlns:a16="http://schemas.microsoft.com/office/drawing/2014/main" val="3462202399"/>
                     </a:ext>
                   </a:extLst>
                 </a:gridCol>
-                <a:gridCol w="2032000">
+                <a:gridCol w="2416411">
                   <a:extLst>
                     <a:ext uri="{9D8B030D-6E8A-4147-A177-3AD203B41FA5}">
-                      <a16:colId xmlns:a16="http://schemas.microsoft.com/office/drawing/2014/main" val="1378538484"/>
+                      <a16:colId xmlns:a16="http://schemas.microsoft.com/office/drawing/2014/main" val="3355044313"/>
                     </a:ext>
                   </a:extLst>
                 </a:gridCol>
@@ -5815,44 +6019,241 @@
                     <a:bodyPr/>
                     <a:lstStyle/>
                     <a:p>
-                      <a:endParaRPr lang="ru-RU" dirty="0"/>
+                      <a:pPr>
+                        <a:lnSpc>
+                          <a:spcPct val="200000"/>
+                        </a:lnSpc>
+                      </a:pPr>
+                      <a:r>
+                        <a:rPr lang="ru-RU" sz="2000" dirty="0">
+                          <a:latin typeface="+mj-lt"/>
+                        </a:rPr>
+                        <a:t>Наименование метрики</a:t>
+                      </a:r>
                     </a:p>
                   </a:txBody>
-                  <a:tcPr/>
+                  <a:tcPr>
+                    <a:lnL w="12700" cap="flat" cmpd="sng" algn="ctr">
+                      <a:solidFill>
+                        <a:schemeClr val="tx1"/>
+                      </a:solidFill>
+                      <a:prstDash val="solid"/>
+                      <a:round/>
+                      <a:headEnd type="none" w="med" len="med"/>
+                      <a:tailEnd type="none" w="med" len="med"/>
+                    </a:lnL>
+                    <a:lnR w="12700" cap="flat" cmpd="sng" algn="ctr">
+                      <a:solidFill>
+                        <a:schemeClr val="tx1"/>
+                      </a:solidFill>
+                      <a:prstDash val="solid"/>
+                      <a:round/>
+                      <a:headEnd type="none" w="med" len="med"/>
+                      <a:tailEnd type="none" w="med" len="med"/>
+                    </a:lnR>
+                    <a:lnT w="12700" cap="flat" cmpd="sng" algn="ctr">
+                      <a:solidFill>
+                        <a:schemeClr val="tx1"/>
+                      </a:solidFill>
+                      <a:prstDash val="solid"/>
+                      <a:round/>
+                      <a:headEnd type="none" w="med" len="med"/>
+                      <a:tailEnd type="none" w="med" len="med"/>
+                    </a:lnT>
+                    <a:lnB w="12700" cap="flat" cmpd="sng" algn="ctr">
+                      <a:solidFill>
+                        <a:schemeClr val="tx1"/>
+                      </a:solidFill>
+                      <a:prstDash val="solid"/>
+                      <a:round/>
+                      <a:headEnd type="none" w="med" len="med"/>
+                      <a:tailEnd type="none" w="med" len="med"/>
+                    </a:lnB>
+                  </a:tcPr>
                 </a:tc>
                 <a:tc>
                   <a:txBody>
                     <a:bodyPr/>
                     <a:lstStyle/>
                     <a:p>
-                      <a:endParaRPr lang="ru-RU" dirty="0"/>
+                      <a:pPr>
+                        <a:lnSpc>
+                          <a:spcPct val="200000"/>
+                        </a:lnSpc>
+                      </a:pPr>
+                      <a:r>
+                        <a:rPr lang="en-US" sz="2000" dirty="0">
+                          <a:latin typeface="+mj-lt"/>
+                        </a:rPr>
+                        <a:t>Agentic-RAG</a:t>
+                      </a:r>
+                      <a:endParaRPr lang="ru-RU" sz="2000" dirty="0">
+                        <a:latin typeface="+mj-lt"/>
+                      </a:endParaRPr>
                     </a:p>
                   </a:txBody>
-                  <a:tcPr/>
+                  <a:tcPr>
+                    <a:lnL w="12700" cap="flat" cmpd="sng" algn="ctr">
+                      <a:solidFill>
+                        <a:schemeClr val="tx1"/>
+                      </a:solidFill>
+                      <a:prstDash val="solid"/>
+                      <a:round/>
+                      <a:headEnd type="none" w="med" len="med"/>
+                      <a:tailEnd type="none" w="med" len="med"/>
+                    </a:lnL>
+                    <a:lnR w="12700" cap="flat" cmpd="sng" algn="ctr">
+                      <a:solidFill>
+                        <a:schemeClr val="tx1"/>
+                      </a:solidFill>
+                      <a:prstDash val="solid"/>
+                      <a:round/>
+                      <a:headEnd type="none" w="med" len="med"/>
+                      <a:tailEnd type="none" w="med" len="med"/>
+                    </a:lnR>
+                    <a:lnT w="12700" cap="flat" cmpd="sng" algn="ctr">
+                      <a:solidFill>
+                        <a:schemeClr val="tx1"/>
+                      </a:solidFill>
+                      <a:prstDash val="solid"/>
+                      <a:round/>
+                      <a:headEnd type="none" w="med" len="med"/>
+                      <a:tailEnd type="none" w="med" len="med"/>
+                    </a:lnT>
+                    <a:lnB w="12700" cap="flat" cmpd="sng" algn="ctr">
+                      <a:solidFill>
+                        <a:schemeClr val="tx1"/>
+                      </a:solidFill>
+                      <a:prstDash val="solid"/>
+                      <a:round/>
+                      <a:headEnd type="none" w="med" len="med"/>
+                      <a:tailEnd type="none" w="med" len="med"/>
+                    </a:lnB>
+                  </a:tcPr>
                 </a:tc>
                 <a:tc>
                   <a:txBody>
                     <a:bodyPr/>
                     <a:lstStyle/>
                     <a:p>
-                      <a:endParaRPr lang="ru-RU"/>
+                      <a:pPr>
+                        <a:lnSpc>
+                          <a:spcPct val="200000"/>
+                        </a:lnSpc>
+                      </a:pPr>
+                      <a:r>
+                        <a:rPr lang="en-US" sz="2000" dirty="0">
+                          <a:latin typeface="+mj-lt"/>
+                        </a:rPr>
+                        <a:t>RAG</a:t>
+                      </a:r>
+                      <a:endParaRPr lang="ru-RU" sz="2000" dirty="0">
+                        <a:latin typeface="+mj-lt"/>
+                      </a:endParaRPr>
                     </a:p>
                   </a:txBody>
-                  <a:tcPr/>
+                  <a:tcPr>
+                    <a:lnL w="12700" cap="flat" cmpd="sng" algn="ctr">
+                      <a:solidFill>
+                        <a:schemeClr val="tx1"/>
+                      </a:solidFill>
+                      <a:prstDash val="solid"/>
+                      <a:round/>
+                      <a:headEnd type="none" w="med" len="med"/>
+                      <a:tailEnd type="none" w="med" len="med"/>
+                    </a:lnL>
+                    <a:lnR w="12700" cap="flat" cmpd="sng" algn="ctr">
+                      <a:solidFill>
+                        <a:schemeClr val="tx1"/>
+                      </a:solidFill>
+                      <a:prstDash val="solid"/>
+                      <a:round/>
+                      <a:headEnd type="none" w="med" len="med"/>
+                      <a:tailEnd type="none" w="med" len="med"/>
+                    </a:lnR>
+                    <a:lnT w="12700" cap="flat" cmpd="sng" algn="ctr">
+                      <a:solidFill>
+                        <a:schemeClr val="tx1"/>
+                      </a:solidFill>
+                      <a:prstDash val="solid"/>
+                      <a:round/>
+                      <a:headEnd type="none" w="med" len="med"/>
+                      <a:tailEnd type="none" w="med" len="med"/>
+                    </a:lnT>
+                    <a:lnB w="12700" cap="flat" cmpd="sng" algn="ctr">
+                      <a:solidFill>
+                        <a:schemeClr val="tx1"/>
+                      </a:solidFill>
+                      <a:prstDash val="solid"/>
+                      <a:round/>
+                      <a:headEnd type="none" w="med" len="med"/>
+                      <a:tailEnd type="none" w="med" len="med"/>
+                    </a:lnB>
+                  </a:tcPr>
                 </a:tc>
                 <a:tc>
                   <a:txBody>
                     <a:bodyPr/>
                     <a:lstStyle/>
                     <a:p>
-                      <a:endParaRPr lang="ru-RU"/>
+                      <a:pPr>
+                        <a:lnSpc>
+                          <a:spcPct val="200000"/>
+                        </a:lnSpc>
+                      </a:pPr>
+                      <a:r>
+                        <a:rPr lang="en-US" sz="2000" dirty="0">
+                          <a:latin typeface="+mj-lt"/>
+                        </a:rPr>
+                        <a:t>LLM</a:t>
+                      </a:r>
+                      <a:endParaRPr lang="ru-RU" sz="2000" dirty="0">
+                        <a:latin typeface="+mj-lt"/>
+                      </a:endParaRPr>
                     </a:p>
                   </a:txBody>
-                  <a:tcPr/>
+                  <a:tcPr>
+                    <a:lnL w="12700" cap="flat" cmpd="sng" algn="ctr">
+                      <a:solidFill>
+                        <a:schemeClr val="tx1"/>
+                      </a:solidFill>
+                      <a:prstDash val="solid"/>
+                      <a:round/>
+                      <a:headEnd type="none" w="med" len="med"/>
+                      <a:tailEnd type="none" w="med" len="med"/>
+                    </a:lnL>
+                    <a:lnR w="12700" cap="flat" cmpd="sng" algn="ctr">
+                      <a:solidFill>
+                        <a:schemeClr val="tx1"/>
+                      </a:solidFill>
+                      <a:prstDash val="solid"/>
+                      <a:round/>
+                      <a:headEnd type="none" w="med" len="med"/>
+                      <a:tailEnd type="none" w="med" len="med"/>
+                    </a:lnR>
+                    <a:lnT w="12700" cap="flat" cmpd="sng" algn="ctr">
+                      <a:solidFill>
+                        <a:schemeClr val="tx1"/>
+                      </a:solidFill>
+                      <a:prstDash val="solid"/>
+                      <a:round/>
+                      <a:headEnd type="none" w="med" len="med"/>
+                      <a:tailEnd type="none" w="med" len="med"/>
+                    </a:lnT>
+                    <a:lnB w="12700" cap="flat" cmpd="sng" algn="ctr">
+                      <a:solidFill>
+                        <a:schemeClr val="tx1"/>
+                      </a:solidFill>
+                      <a:prstDash val="solid"/>
+                      <a:round/>
+                      <a:headEnd type="none" w="med" len="med"/>
+                      <a:tailEnd type="none" w="med" len="med"/>
+                    </a:lnB>
+                  </a:tcPr>
                 </a:tc>
                 <a:extLst>
                   <a:ext uri="{0D108BD9-81ED-4DB2-BD59-A6C34878D82A}">
-                    <a16:rowId xmlns:a16="http://schemas.microsoft.com/office/drawing/2014/main" val="2227536109"/>
+                    <a16:rowId xmlns:a16="http://schemas.microsoft.com/office/drawing/2014/main" val="1394443449"/>
                   </a:ext>
                 </a:extLst>
               </a:tr>
@@ -5862,44 +6263,241 @@
                     <a:bodyPr/>
                     <a:lstStyle/>
                     <a:p>
-                      <a:endParaRPr lang="ru-RU" dirty="0"/>
+                      <a:pPr>
+                        <a:lnSpc>
+                          <a:spcPct val="200000"/>
+                        </a:lnSpc>
+                      </a:pPr>
+                      <a:r>
+                        <a:rPr lang="ru-RU" sz="2000" dirty="0">
+                          <a:latin typeface="+mj-lt"/>
+                        </a:rPr>
+                        <a:t>Релевантность поиска</a:t>
+                      </a:r>
                     </a:p>
                   </a:txBody>
-                  <a:tcPr/>
+                  <a:tcPr>
+                    <a:lnL w="12700" cap="flat" cmpd="sng" algn="ctr">
+                      <a:solidFill>
+                        <a:schemeClr val="tx1"/>
+                      </a:solidFill>
+                      <a:prstDash val="solid"/>
+                      <a:round/>
+                      <a:headEnd type="none" w="med" len="med"/>
+                      <a:tailEnd type="none" w="med" len="med"/>
+                    </a:lnL>
+                    <a:lnR w="12700" cap="flat" cmpd="sng" algn="ctr">
+                      <a:solidFill>
+                        <a:schemeClr val="tx1"/>
+                      </a:solidFill>
+                      <a:prstDash val="solid"/>
+                      <a:round/>
+                      <a:headEnd type="none" w="med" len="med"/>
+                      <a:tailEnd type="none" w="med" len="med"/>
+                    </a:lnR>
+                    <a:lnT w="12700" cap="flat" cmpd="sng" algn="ctr">
+                      <a:solidFill>
+                        <a:schemeClr val="tx1"/>
+                      </a:solidFill>
+                      <a:prstDash val="solid"/>
+                      <a:round/>
+                      <a:headEnd type="none" w="med" len="med"/>
+                      <a:tailEnd type="none" w="med" len="med"/>
+                    </a:lnT>
+                    <a:lnB w="12700" cap="flat" cmpd="sng" algn="ctr">
+                      <a:solidFill>
+                        <a:schemeClr val="tx1"/>
+                      </a:solidFill>
+                      <a:prstDash val="solid"/>
+                      <a:round/>
+                      <a:headEnd type="none" w="med" len="med"/>
+                      <a:tailEnd type="none" w="med" len="med"/>
+                    </a:lnB>
+                  </a:tcPr>
                 </a:tc>
                 <a:tc>
                   <a:txBody>
                     <a:bodyPr/>
                     <a:lstStyle/>
                     <a:p>
-                      <a:endParaRPr lang="ru-RU" dirty="0"/>
+                      <a:pPr>
+                        <a:lnSpc>
+                          <a:spcPct val="200000"/>
+                        </a:lnSpc>
+                      </a:pPr>
+                      <a:r>
+                        <a:rPr lang="en-US" sz="2000" dirty="0">
+                          <a:latin typeface="+mj-lt"/>
+                        </a:rPr>
+                        <a:t>0.51</a:t>
+                      </a:r>
+                      <a:endParaRPr lang="ru-RU" sz="2000" dirty="0">
+                        <a:latin typeface="+mj-lt"/>
+                      </a:endParaRPr>
                     </a:p>
                   </a:txBody>
-                  <a:tcPr/>
+                  <a:tcPr>
+                    <a:lnL w="12700" cap="flat" cmpd="sng" algn="ctr">
+                      <a:solidFill>
+                        <a:schemeClr val="tx1"/>
+                      </a:solidFill>
+                      <a:prstDash val="solid"/>
+                      <a:round/>
+                      <a:headEnd type="none" w="med" len="med"/>
+                      <a:tailEnd type="none" w="med" len="med"/>
+                    </a:lnL>
+                    <a:lnR w="12700" cap="flat" cmpd="sng" algn="ctr">
+                      <a:solidFill>
+                        <a:schemeClr val="tx1"/>
+                      </a:solidFill>
+                      <a:prstDash val="solid"/>
+                      <a:round/>
+                      <a:headEnd type="none" w="med" len="med"/>
+                      <a:tailEnd type="none" w="med" len="med"/>
+                    </a:lnR>
+                    <a:lnT w="12700" cap="flat" cmpd="sng" algn="ctr">
+                      <a:solidFill>
+                        <a:schemeClr val="tx1"/>
+                      </a:solidFill>
+                      <a:prstDash val="solid"/>
+                      <a:round/>
+                      <a:headEnd type="none" w="med" len="med"/>
+                      <a:tailEnd type="none" w="med" len="med"/>
+                    </a:lnT>
+                    <a:lnB w="12700" cap="flat" cmpd="sng" algn="ctr">
+                      <a:solidFill>
+                        <a:schemeClr val="tx1"/>
+                      </a:solidFill>
+                      <a:prstDash val="solid"/>
+                      <a:round/>
+                      <a:headEnd type="none" w="med" len="med"/>
+                      <a:tailEnd type="none" w="med" len="med"/>
+                    </a:lnB>
+                  </a:tcPr>
                 </a:tc>
                 <a:tc>
                   <a:txBody>
                     <a:bodyPr/>
                     <a:lstStyle/>
                     <a:p>
-                      <a:endParaRPr lang="ru-RU"/>
+                      <a:pPr>
+                        <a:lnSpc>
+                          <a:spcPct val="200000"/>
+                        </a:lnSpc>
+                      </a:pPr>
+                      <a:r>
+                        <a:rPr lang="en-US" sz="2000" dirty="0">
+                          <a:latin typeface="+mj-lt"/>
+                        </a:rPr>
+                        <a:t>0.36</a:t>
+                      </a:r>
+                      <a:endParaRPr lang="ru-RU" sz="2000" dirty="0">
+                        <a:latin typeface="+mj-lt"/>
+                      </a:endParaRPr>
                     </a:p>
                   </a:txBody>
-                  <a:tcPr/>
+                  <a:tcPr>
+                    <a:lnL w="12700" cap="flat" cmpd="sng" algn="ctr">
+                      <a:solidFill>
+                        <a:schemeClr val="tx1"/>
+                      </a:solidFill>
+                      <a:prstDash val="solid"/>
+                      <a:round/>
+                      <a:headEnd type="none" w="med" len="med"/>
+                      <a:tailEnd type="none" w="med" len="med"/>
+                    </a:lnL>
+                    <a:lnR w="12700" cap="flat" cmpd="sng" algn="ctr">
+                      <a:solidFill>
+                        <a:schemeClr val="tx1"/>
+                      </a:solidFill>
+                      <a:prstDash val="solid"/>
+                      <a:round/>
+                      <a:headEnd type="none" w="med" len="med"/>
+                      <a:tailEnd type="none" w="med" len="med"/>
+                    </a:lnR>
+                    <a:lnT w="12700" cap="flat" cmpd="sng" algn="ctr">
+                      <a:solidFill>
+                        <a:schemeClr val="tx1"/>
+                      </a:solidFill>
+                      <a:prstDash val="solid"/>
+                      <a:round/>
+                      <a:headEnd type="none" w="med" len="med"/>
+                      <a:tailEnd type="none" w="med" len="med"/>
+                    </a:lnT>
+                    <a:lnB w="12700" cap="flat" cmpd="sng" algn="ctr">
+                      <a:solidFill>
+                        <a:schemeClr val="tx1"/>
+                      </a:solidFill>
+                      <a:prstDash val="solid"/>
+                      <a:round/>
+                      <a:headEnd type="none" w="med" len="med"/>
+                      <a:tailEnd type="none" w="med" len="med"/>
+                    </a:lnB>
+                  </a:tcPr>
                 </a:tc>
                 <a:tc>
                   <a:txBody>
                     <a:bodyPr/>
                     <a:lstStyle/>
                     <a:p>
-                      <a:endParaRPr lang="ru-RU"/>
+                      <a:pPr>
+                        <a:lnSpc>
+                          <a:spcPct val="200000"/>
+                        </a:lnSpc>
+                      </a:pPr>
+                      <a:r>
+                        <a:rPr lang="en-US" sz="2000" dirty="0">
+                          <a:latin typeface="+mj-lt"/>
+                        </a:rPr>
+                        <a:t>-</a:t>
+                      </a:r>
+                      <a:endParaRPr lang="ru-RU" sz="2000" dirty="0">
+                        <a:latin typeface="+mj-lt"/>
+                      </a:endParaRPr>
                     </a:p>
                   </a:txBody>
-                  <a:tcPr/>
+                  <a:tcPr>
+                    <a:lnL w="12700" cap="flat" cmpd="sng" algn="ctr">
+                      <a:solidFill>
+                        <a:schemeClr val="tx1"/>
+                      </a:solidFill>
+                      <a:prstDash val="solid"/>
+                      <a:round/>
+                      <a:headEnd type="none" w="med" len="med"/>
+                      <a:tailEnd type="none" w="med" len="med"/>
+                    </a:lnL>
+                    <a:lnR w="12700" cap="flat" cmpd="sng" algn="ctr">
+                      <a:solidFill>
+                        <a:schemeClr val="tx1"/>
+                      </a:solidFill>
+                      <a:prstDash val="solid"/>
+                      <a:round/>
+                      <a:headEnd type="none" w="med" len="med"/>
+                      <a:tailEnd type="none" w="med" len="med"/>
+                    </a:lnR>
+                    <a:lnT w="12700" cap="flat" cmpd="sng" algn="ctr">
+                      <a:solidFill>
+                        <a:schemeClr val="tx1"/>
+                      </a:solidFill>
+                      <a:prstDash val="solid"/>
+                      <a:round/>
+                      <a:headEnd type="none" w="med" len="med"/>
+                      <a:tailEnd type="none" w="med" len="med"/>
+                    </a:lnT>
+                    <a:lnB w="12700" cap="flat" cmpd="sng" algn="ctr">
+                      <a:solidFill>
+                        <a:schemeClr val="tx1"/>
+                      </a:solidFill>
+                      <a:prstDash val="solid"/>
+                      <a:round/>
+                      <a:headEnd type="none" w="med" len="med"/>
+                      <a:tailEnd type="none" w="med" len="med"/>
+                    </a:lnB>
+                  </a:tcPr>
                 </a:tc>
                 <a:extLst>
                   <a:ext uri="{0D108BD9-81ED-4DB2-BD59-A6C34878D82A}">
-                    <a16:rowId xmlns:a16="http://schemas.microsoft.com/office/drawing/2014/main" val="3934186689"/>
+                    <a16:rowId xmlns:a16="http://schemas.microsoft.com/office/drawing/2014/main" val="2044234131"/>
                   </a:ext>
                 </a:extLst>
               </a:tr>
@@ -5909,44 +6507,241 @@
                     <a:bodyPr/>
                     <a:lstStyle/>
                     <a:p>
-                      <a:endParaRPr lang="ru-RU"/>
+                      <a:pPr>
+                        <a:lnSpc>
+                          <a:spcPct val="200000"/>
+                        </a:lnSpc>
+                      </a:pPr>
+                      <a:r>
+                        <a:rPr lang="ru-RU" sz="2000" dirty="0">
+                          <a:latin typeface="+mj-lt"/>
+                        </a:rPr>
+                        <a:t>Достоверность генерации</a:t>
+                      </a:r>
                     </a:p>
                   </a:txBody>
-                  <a:tcPr/>
+                  <a:tcPr>
+                    <a:lnL w="12700" cap="flat" cmpd="sng" algn="ctr">
+                      <a:solidFill>
+                        <a:schemeClr val="tx1"/>
+                      </a:solidFill>
+                      <a:prstDash val="solid"/>
+                      <a:round/>
+                      <a:headEnd type="none" w="med" len="med"/>
+                      <a:tailEnd type="none" w="med" len="med"/>
+                    </a:lnL>
+                    <a:lnR w="12700" cap="flat" cmpd="sng" algn="ctr">
+                      <a:solidFill>
+                        <a:schemeClr val="tx1"/>
+                      </a:solidFill>
+                      <a:prstDash val="solid"/>
+                      <a:round/>
+                      <a:headEnd type="none" w="med" len="med"/>
+                      <a:tailEnd type="none" w="med" len="med"/>
+                    </a:lnR>
+                    <a:lnT w="12700" cap="flat" cmpd="sng" algn="ctr">
+                      <a:solidFill>
+                        <a:schemeClr val="tx1"/>
+                      </a:solidFill>
+                      <a:prstDash val="solid"/>
+                      <a:round/>
+                      <a:headEnd type="none" w="med" len="med"/>
+                      <a:tailEnd type="none" w="med" len="med"/>
+                    </a:lnT>
+                    <a:lnB w="12700" cap="flat" cmpd="sng" algn="ctr">
+                      <a:solidFill>
+                        <a:schemeClr val="tx1"/>
+                      </a:solidFill>
+                      <a:prstDash val="solid"/>
+                      <a:round/>
+                      <a:headEnd type="none" w="med" len="med"/>
+                      <a:tailEnd type="none" w="med" len="med"/>
+                    </a:lnB>
+                  </a:tcPr>
                 </a:tc>
                 <a:tc>
                   <a:txBody>
                     <a:bodyPr/>
                     <a:lstStyle/>
                     <a:p>
-                      <a:endParaRPr lang="ru-RU" dirty="0"/>
+                      <a:pPr>
+                        <a:lnSpc>
+                          <a:spcPct val="200000"/>
+                        </a:lnSpc>
+                      </a:pPr>
+                      <a:r>
+                        <a:rPr lang="en-US" sz="2000" dirty="0">
+                          <a:latin typeface="+mj-lt"/>
+                        </a:rPr>
+                        <a:t>0.68</a:t>
+                      </a:r>
+                      <a:endParaRPr lang="ru-RU" sz="2000" dirty="0">
+                        <a:latin typeface="+mj-lt"/>
+                      </a:endParaRPr>
                     </a:p>
                   </a:txBody>
-                  <a:tcPr/>
+                  <a:tcPr>
+                    <a:lnL w="12700" cap="flat" cmpd="sng" algn="ctr">
+                      <a:solidFill>
+                        <a:schemeClr val="tx1"/>
+                      </a:solidFill>
+                      <a:prstDash val="solid"/>
+                      <a:round/>
+                      <a:headEnd type="none" w="med" len="med"/>
+                      <a:tailEnd type="none" w="med" len="med"/>
+                    </a:lnL>
+                    <a:lnR w="12700" cap="flat" cmpd="sng" algn="ctr">
+                      <a:solidFill>
+                        <a:schemeClr val="tx1"/>
+                      </a:solidFill>
+                      <a:prstDash val="solid"/>
+                      <a:round/>
+                      <a:headEnd type="none" w="med" len="med"/>
+                      <a:tailEnd type="none" w="med" len="med"/>
+                    </a:lnR>
+                    <a:lnT w="12700" cap="flat" cmpd="sng" algn="ctr">
+                      <a:solidFill>
+                        <a:schemeClr val="tx1"/>
+                      </a:solidFill>
+                      <a:prstDash val="solid"/>
+                      <a:round/>
+                      <a:headEnd type="none" w="med" len="med"/>
+                      <a:tailEnd type="none" w="med" len="med"/>
+                    </a:lnT>
+                    <a:lnB w="12700" cap="flat" cmpd="sng" algn="ctr">
+                      <a:solidFill>
+                        <a:schemeClr val="tx1"/>
+                      </a:solidFill>
+                      <a:prstDash val="solid"/>
+                      <a:round/>
+                      <a:headEnd type="none" w="med" len="med"/>
+                      <a:tailEnd type="none" w="med" len="med"/>
+                    </a:lnB>
+                  </a:tcPr>
                 </a:tc>
                 <a:tc>
                   <a:txBody>
                     <a:bodyPr/>
                     <a:lstStyle/>
                     <a:p>
-                      <a:endParaRPr lang="ru-RU" dirty="0"/>
+                      <a:pPr>
+                        <a:lnSpc>
+                          <a:spcPct val="200000"/>
+                        </a:lnSpc>
+                      </a:pPr>
+                      <a:r>
+                        <a:rPr lang="en-US" sz="2000" dirty="0">
+                          <a:latin typeface="+mj-lt"/>
+                        </a:rPr>
+                        <a:t>0.54</a:t>
+                      </a:r>
+                      <a:endParaRPr lang="ru-RU" sz="2000" dirty="0">
+                        <a:latin typeface="+mj-lt"/>
+                      </a:endParaRPr>
                     </a:p>
                   </a:txBody>
-                  <a:tcPr/>
+                  <a:tcPr>
+                    <a:lnL w="12700" cap="flat" cmpd="sng" algn="ctr">
+                      <a:solidFill>
+                        <a:schemeClr val="tx1"/>
+                      </a:solidFill>
+                      <a:prstDash val="solid"/>
+                      <a:round/>
+                      <a:headEnd type="none" w="med" len="med"/>
+                      <a:tailEnd type="none" w="med" len="med"/>
+                    </a:lnL>
+                    <a:lnR w="12700" cap="flat" cmpd="sng" algn="ctr">
+                      <a:solidFill>
+                        <a:schemeClr val="tx1"/>
+                      </a:solidFill>
+                      <a:prstDash val="solid"/>
+                      <a:round/>
+                      <a:headEnd type="none" w="med" len="med"/>
+                      <a:tailEnd type="none" w="med" len="med"/>
+                    </a:lnR>
+                    <a:lnT w="12700" cap="flat" cmpd="sng" algn="ctr">
+                      <a:solidFill>
+                        <a:schemeClr val="tx1"/>
+                      </a:solidFill>
+                      <a:prstDash val="solid"/>
+                      <a:round/>
+                      <a:headEnd type="none" w="med" len="med"/>
+                      <a:tailEnd type="none" w="med" len="med"/>
+                    </a:lnT>
+                    <a:lnB w="12700" cap="flat" cmpd="sng" algn="ctr">
+                      <a:solidFill>
+                        <a:schemeClr val="tx1"/>
+                      </a:solidFill>
+                      <a:prstDash val="solid"/>
+                      <a:round/>
+                      <a:headEnd type="none" w="med" len="med"/>
+                      <a:tailEnd type="none" w="med" len="med"/>
+                    </a:lnB>
+                  </a:tcPr>
                 </a:tc>
                 <a:tc>
                   <a:txBody>
                     <a:bodyPr/>
                     <a:lstStyle/>
                     <a:p>
-                      <a:endParaRPr lang="ru-RU"/>
+                      <a:pPr>
+                        <a:lnSpc>
+                          <a:spcPct val="200000"/>
+                        </a:lnSpc>
+                      </a:pPr>
+                      <a:r>
+                        <a:rPr lang="en-US" sz="2000" dirty="0">
+                          <a:latin typeface="+mj-lt"/>
+                        </a:rPr>
+                        <a:t>-</a:t>
+                      </a:r>
+                      <a:endParaRPr lang="ru-RU" sz="2000" dirty="0">
+                        <a:latin typeface="+mj-lt"/>
+                      </a:endParaRPr>
                     </a:p>
                   </a:txBody>
-                  <a:tcPr/>
+                  <a:tcPr>
+                    <a:lnL w="12700" cap="flat" cmpd="sng" algn="ctr">
+                      <a:solidFill>
+                        <a:schemeClr val="tx1"/>
+                      </a:solidFill>
+                      <a:prstDash val="solid"/>
+                      <a:round/>
+                      <a:headEnd type="none" w="med" len="med"/>
+                      <a:tailEnd type="none" w="med" len="med"/>
+                    </a:lnL>
+                    <a:lnR w="12700" cap="flat" cmpd="sng" algn="ctr">
+                      <a:solidFill>
+                        <a:schemeClr val="tx1"/>
+                      </a:solidFill>
+                      <a:prstDash val="solid"/>
+                      <a:round/>
+                      <a:headEnd type="none" w="med" len="med"/>
+                      <a:tailEnd type="none" w="med" len="med"/>
+                    </a:lnR>
+                    <a:lnT w="12700" cap="flat" cmpd="sng" algn="ctr">
+                      <a:solidFill>
+                        <a:schemeClr val="tx1"/>
+                      </a:solidFill>
+                      <a:prstDash val="solid"/>
+                      <a:round/>
+                      <a:headEnd type="none" w="med" len="med"/>
+                      <a:tailEnd type="none" w="med" len="med"/>
+                    </a:lnT>
+                    <a:lnB w="12700" cap="flat" cmpd="sng" algn="ctr">
+                      <a:solidFill>
+                        <a:schemeClr val="tx1"/>
+                      </a:solidFill>
+                      <a:prstDash val="solid"/>
+                      <a:round/>
+                      <a:headEnd type="none" w="med" len="med"/>
+                      <a:tailEnd type="none" w="med" len="med"/>
+                    </a:lnB>
+                  </a:tcPr>
                 </a:tc>
                 <a:extLst>
                   <a:ext uri="{0D108BD9-81ED-4DB2-BD59-A6C34878D82A}">
-                    <a16:rowId xmlns:a16="http://schemas.microsoft.com/office/drawing/2014/main" val="1953501242"/>
+                    <a16:rowId xmlns:a16="http://schemas.microsoft.com/office/drawing/2014/main" val="4030784382"/>
                   </a:ext>
                 </a:extLst>
               </a:tr>
@@ -5956,44 +6751,241 @@
                     <a:bodyPr/>
                     <a:lstStyle/>
                     <a:p>
-                      <a:endParaRPr lang="ru-RU"/>
+                      <a:pPr>
+                        <a:lnSpc>
+                          <a:spcPct val="200000"/>
+                        </a:lnSpc>
+                      </a:pPr>
+                      <a:r>
+                        <a:rPr lang="ru-RU" sz="2000" dirty="0">
+                          <a:latin typeface="+mj-lt"/>
+                        </a:rPr>
+                        <a:t>Правильность генерации</a:t>
+                      </a:r>
                     </a:p>
                   </a:txBody>
-                  <a:tcPr/>
+                  <a:tcPr>
+                    <a:lnL w="12700" cap="flat" cmpd="sng" algn="ctr">
+                      <a:solidFill>
+                        <a:schemeClr val="tx1"/>
+                      </a:solidFill>
+                      <a:prstDash val="solid"/>
+                      <a:round/>
+                      <a:headEnd type="none" w="med" len="med"/>
+                      <a:tailEnd type="none" w="med" len="med"/>
+                    </a:lnL>
+                    <a:lnR w="12700" cap="flat" cmpd="sng" algn="ctr">
+                      <a:solidFill>
+                        <a:schemeClr val="tx1"/>
+                      </a:solidFill>
+                      <a:prstDash val="solid"/>
+                      <a:round/>
+                      <a:headEnd type="none" w="med" len="med"/>
+                      <a:tailEnd type="none" w="med" len="med"/>
+                    </a:lnR>
+                    <a:lnT w="12700" cap="flat" cmpd="sng" algn="ctr">
+                      <a:solidFill>
+                        <a:schemeClr val="tx1"/>
+                      </a:solidFill>
+                      <a:prstDash val="solid"/>
+                      <a:round/>
+                      <a:headEnd type="none" w="med" len="med"/>
+                      <a:tailEnd type="none" w="med" len="med"/>
+                    </a:lnT>
+                    <a:lnB w="12700" cap="flat" cmpd="sng" algn="ctr">
+                      <a:solidFill>
+                        <a:schemeClr val="tx1"/>
+                      </a:solidFill>
+                      <a:prstDash val="solid"/>
+                      <a:round/>
+                      <a:headEnd type="none" w="med" len="med"/>
+                      <a:tailEnd type="none" w="med" len="med"/>
+                    </a:lnB>
+                  </a:tcPr>
                 </a:tc>
                 <a:tc>
                   <a:txBody>
                     <a:bodyPr/>
                     <a:lstStyle/>
                     <a:p>
-                      <a:endParaRPr lang="ru-RU" dirty="0"/>
+                      <a:pPr>
+                        <a:lnSpc>
+                          <a:spcPct val="200000"/>
+                        </a:lnSpc>
+                      </a:pPr>
+                      <a:r>
+                        <a:rPr lang="en-US" sz="2000" dirty="0">
+                          <a:latin typeface="+mj-lt"/>
+                        </a:rPr>
+                        <a:t>0.62</a:t>
+                      </a:r>
+                      <a:endParaRPr lang="ru-RU" sz="2000" dirty="0">
+                        <a:latin typeface="+mj-lt"/>
+                      </a:endParaRPr>
                     </a:p>
                   </a:txBody>
-                  <a:tcPr/>
+                  <a:tcPr>
+                    <a:lnL w="12700" cap="flat" cmpd="sng" algn="ctr">
+                      <a:solidFill>
+                        <a:schemeClr val="tx1"/>
+                      </a:solidFill>
+                      <a:prstDash val="solid"/>
+                      <a:round/>
+                      <a:headEnd type="none" w="med" len="med"/>
+                      <a:tailEnd type="none" w="med" len="med"/>
+                    </a:lnL>
+                    <a:lnR w="12700" cap="flat" cmpd="sng" algn="ctr">
+                      <a:solidFill>
+                        <a:schemeClr val="tx1"/>
+                      </a:solidFill>
+                      <a:prstDash val="solid"/>
+                      <a:round/>
+                      <a:headEnd type="none" w="med" len="med"/>
+                      <a:tailEnd type="none" w="med" len="med"/>
+                    </a:lnR>
+                    <a:lnT w="12700" cap="flat" cmpd="sng" algn="ctr">
+                      <a:solidFill>
+                        <a:schemeClr val="tx1"/>
+                      </a:solidFill>
+                      <a:prstDash val="solid"/>
+                      <a:round/>
+                      <a:headEnd type="none" w="med" len="med"/>
+                      <a:tailEnd type="none" w="med" len="med"/>
+                    </a:lnT>
+                    <a:lnB w="12700" cap="flat" cmpd="sng" algn="ctr">
+                      <a:solidFill>
+                        <a:schemeClr val="tx1"/>
+                      </a:solidFill>
+                      <a:prstDash val="solid"/>
+                      <a:round/>
+                      <a:headEnd type="none" w="med" len="med"/>
+                      <a:tailEnd type="none" w="med" len="med"/>
+                    </a:lnB>
+                  </a:tcPr>
                 </a:tc>
                 <a:tc>
                   <a:txBody>
                     <a:bodyPr/>
                     <a:lstStyle/>
                     <a:p>
-                      <a:endParaRPr lang="ru-RU" dirty="0"/>
+                      <a:pPr>
+                        <a:lnSpc>
+                          <a:spcPct val="200000"/>
+                        </a:lnSpc>
+                      </a:pPr>
+                      <a:r>
+                        <a:rPr lang="en-US" sz="2000" dirty="0">
+                          <a:latin typeface="+mj-lt"/>
+                        </a:rPr>
+                        <a:t>0.48</a:t>
+                      </a:r>
+                      <a:endParaRPr lang="ru-RU" sz="2000" dirty="0">
+                        <a:latin typeface="+mj-lt"/>
+                      </a:endParaRPr>
                     </a:p>
                   </a:txBody>
-                  <a:tcPr/>
+                  <a:tcPr>
+                    <a:lnL w="12700" cap="flat" cmpd="sng" algn="ctr">
+                      <a:solidFill>
+                        <a:schemeClr val="tx1"/>
+                      </a:solidFill>
+                      <a:prstDash val="solid"/>
+                      <a:round/>
+                      <a:headEnd type="none" w="med" len="med"/>
+                      <a:tailEnd type="none" w="med" len="med"/>
+                    </a:lnL>
+                    <a:lnR w="12700" cap="flat" cmpd="sng" algn="ctr">
+                      <a:solidFill>
+                        <a:schemeClr val="tx1"/>
+                      </a:solidFill>
+                      <a:prstDash val="solid"/>
+                      <a:round/>
+                      <a:headEnd type="none" w="med" len="med"/>
+                      <a:tailEnd type="none" w="med" len="med"/>
+                    </a:lnR>
+                    <a:lnT w="12700" cap="flat" cmpd="sng" algn="ctr">
+                      <a:solidFill>
+                        <a:schemeClr val="tx1"/>
+                      </a:solidFill>
+                      <a:prstDash val="solid"/>
+                      <a:round/>
+                      <a:headEnd type="none" w="med" len="med"/>
+                      <a:tailEnd type="none" w="med" len="med"/>
+                    </a:lnT>
+                    <a:lnB w="12700" cap="flat" cmpd="sng" algn="ctr">
+                      <a:solidFill>
+                        <a:schemeClr val="tx1"/>
+                      </a:solidFill>
+                      <a:prstDash val="solid"/>
+                      <a:round/>
+                      <a:headEnd type="none" w="med" len="med"/>
+                      <a:tailEnd type="none" w="med" len="med"/>
+                    </a:lnB>
+                  </a:tcPr>
                 </a:tc>
                 <a:tc>
                   <a:txBody>
                     <a:bodyPr/>
                     <a:lstStyle/>
                     <a:p>
-                      <a:endParaRPr lang="ru-RU"/>
+                      <a:pPr>
+                        <a:lnSpc>
+                          <a:spcPct val="200000"/>
+                        </a:lnSpc>
+                      </a:pPr>
+                      <a:r>
+                        <a:rPr lang="en-US" sz="2000" dirty="0">
+                          <a:latin typeface="+mj-lt"/>
+                        </a:rPr>
+                        <a:t>0.26</a:t>
+                      </a:r>
+                      <a:endParaRPr lang="ru-RU" sz="2000" dirty="0">
+                        <a:latin typeface="+mj-lt"/>
+                      </a:endParaRPr>
                     </a:p>
                   </a:txBody>
-                  <a:tcPr/>
+                  <a:tcPr>
+                    <a:lnL w="12700" cap="flat" cmpd="sng" algn="ctr">
+                      <a:solidFill>
+                        <a:schemeClr val="tx1"/>
+                      </a:solidFill>
+                      <a:prstDash val="solid"/>
+                      <a:round/>
+                      <a:headEnd type="none" w="med" len="med"/>
+                      <a:tailEnd type="none" w="med" len="med"/>
+                    </a:lnL>
+                    <a:lnR w="12700" cap="flat" cmpd="sng" algn="ctr">
+                      <a:solidFill>
+                        <a:schemeClr val="tx1"/>
+                      </a:solidFill>
+                      <a:prstDash val="solid"/>
+                      <a:round/>
+                      <a:headEnd type="none" w="med" len="med"/>
+                      <a:tailEnd type="none" w="med" len="med"/>
+                    </a:lnR>
+                    <a:lnT w="12700" cap="flat" cmpd="sng" algn="ctr">
+                      <a:solidFill>
+                        <a:schemeClr val="tx1"/>
+                      </a:solidFill>
+                      <a:prstDash val="solid"/>
+                      <a:round/>
+                      <a:headEnd type="none" w="med" len="med"/>
+                      <a:tailEnd type="none" w="med" len="med"/>
+                    </a:lnT>
+                    <a:lnB w="12700" cap="flat" cmpd="sng" algn="ctr">
+                      <a:solidFill>
+                        <a:schemeClr val="tx1"/>
+                      </a:solidFill>
+                      <a:prstDash val="solid"/>
+                      <a:round/>
+                      <a:headEnd type="none" w="med" len="med"/>
+                      <a:tailEnd type="none" w="med" len="med"/>
+                    </a:lnB>
+                  </a:tcPr>
                 </a:tc>
                 <a:extLst>
                   <a:ext uri="{0D108BD9-81ED-4DB2-BD59-A6C34878D82A}">
-                    <a16:rowId xmlns:a16="http://schemas.microsoft.com/office/drawing/2014/main" val="3757273455"/>
+                    <a16:rowId xmlns:a16="http://schemas.microsoft.com/office/drawing/2014/main" val="3890980654"/>
                   </a:ext>
                 </a:extLst>
               </a:tr>
@@ -6003,44 +6995,241 @@
                     <a:bodyPr/>
                     <a:lstStyle/>
                     <a:p>
-                      <a:endParaRPr lang="ru-RU"/>
+                      <a:pPr>
+                        <a:lnSpc>
+                          <a:spcPct val="200000"/>
+                        </a:lnSpc>
+                      </a:pPr>
+                      <a:r>
+                        <a:rPr lang="ru-RU" sz="2000" dirty="0">
+                          <a:latin typeface="+mj-lt"/>
+                        </a:rPr>
+                        <a:t>Среднее время работы (с)</a:t>
+                      </a:r>
                     </a:p>
                   </a:txBody>
-                  <a:tcPr/>
+                  <a:tcPr>
+                    <a:lnL w="12700" cap="flat" cmpd="sng" algn="ctr">
+                      <a:solidFill>
+                        <a:schemeClr val="tx1"/>
+                      </a:solidFill>
+                      <a:prstDash val="solid"/>
+                      <a:round/>
+                      <a:headEnd type="none" w="med" len="med"/>
+                      <a:tailEnd type="none" w="med" len="med"/>
+                    </a:lnL>
+                    <a:lnR w="12700" cap="flat" cmpd="sng" algn="ctr">
+                      <a:solidFill>
+                        <a:schemeClr val="tx1"/>
+                      </a:solidFill>
+                      <a:prstDash val="solid"/>
+                      <a:round/>
+                      <a:headEnd type="none" w="med" len="med"/>
+                      <a:tailEnd type="none" w="med" len="med"/>
+                    </a:lnR>
+                    <a:lnT w="12700" cap="flat" cmpd="sng" algn="ctr">
+                      <a:solidFill>
+                        <a:schemeClr val="tx1"/>
+                      </a:solidFill>
+                      <a:prstDash val="solid"/>
+                      <a:round/>
+                      <a:headEnd type="none" w="med" len="med"/>
+                      <a:tailEnd type="none" w="med" len="med"/>
+                    </a:lnT>
+                    <a:lnB w="12700" cap="flat" cmpd="sng" algn="ctr">
+                      <a:solidFill>
+                        <a:schemeClr val="tx1"/>
+                      </a:solidFill>
+                      <a:prstDash val="solid"/>
+                      <a:round/>
+                      <a:headEnd type="none" w="med" len="med"/>
+                      <a:tailEnd type="none" w="med" len="med"/>
+                    </a:lnB>
+                  </a:tcPr>
                 </a:tc>
                 <a:tc>
                   <a:txBody>
                     <a:bodyPr/>
                     <a:lstStyle/>
                     <a:p>
-                      <a:endParaRPr lang="ru-RU"/>
+                      <a:pPr>
+                        <a:lnSpc>
+                          <a:spcPct val="200000"/>
+                        </a:lnSpc>
+                      </a:pPr>
+                      <a:r>
+                        <a:rPr lang="en-US" sz="2000" dirty="0">
+                          <a:latin typeface="+mj-lt"/>
+                        </a:rPr>
+                        <a:t>29</a:t>
+                      </a:r>
+                      <a:endParaRPr lang="ru-RU" sz="2000" dirty="0">
+                        <a:latin typeface="+mj-lt"/>
+                      </a:endParaRPr>
                     </a:p>
                   </a:txBody>
-                  <a:tcPr/>
+                  <a:tcPr>
+                    <a:lnL w="12700" cap="flat" cmpd="sng" algn="ctr">
+                      <a:solidFill>
+                        <a:schemeClr val="tx1"/>
+                      </a:solidFill>
+                      <a:prstDash val="solid"/>
+                      <a:round/>
+                      <a:headEnd type="none" w="med" len="med"/>
+                      <a:tailEnd type="none" w="med" len="med"/>
+                    </a:lnL>
+                    <a:lnR w="12700" cap="flat" cmpd="sng" algn="ctr">
+                      <a:solidFill>
+                        <a:schemeClr val="tx1"/>
+                      </a:solidFill>
+                      <a:prstDash val="solid"/>
+                      <a:round/>
+                      <a:headEnd type="none" w="med" len="med"/>
+                      <a:tailEnd type="none" w="med" len="med"/>
+                    </a:lnR>
+                    <a:lnT w="12700" cap="flat" cmpd="sng" algn="ctr">
+                      <a:solidFill>
+                        <a:schemeClr val="tx1"/>
+                      </a:solidFill>
+                      <a:prstDash val="solid"/>
+                      <a:round/>
+                      <a:headEnd type="none" w="med" len="med"/>
+                      <a:tailEnd type="none" w="med" len="med"/>
+                    </a:lnT>
+                    <a:lnB w="12700" cap="flat" cmpd="sng" algn="ctr">
+                      <a:solidFill>
+                        <a:schemeClr val="tx1"/>
+                      </a:solidFill>
+                      <a:prstDash val="solid"/>
+                      <a:round/>
+                      <a:headEnd type="none" w="med" len="med"/>
+                      <a:tailEnd type="none" w="med" len="med"/>
+                    </a:lnB>
+                  </a:tcPr>
                 </a:tc>
                 <a:tc>
                   <a:txBody>
                     <a:bodyPr/>
                     <a:lstStyle/>
                     <a:p>
-                      <a:endParaRPr lang="ru-RU" dirty="0"/>
+                      <a:pPr>
+                        <a:lnSpc>
+                          <a:spcPct val="200000"/>
+                        </a:lnSpc>
+                      </a:pPr>
+                      <a:r>
+                        <a:rPr lang="en-US" sz="2000" dirty="0">
+                          <a:latin typeface="+mj-lt"/>
+                        </a:rPr>
+                        <a:t>6.5</a:t>
+                      </a:r>
+                      <a:endParaRPr lang="ru-RU" sz="2000" dirty="0">
+                        <a:latin typeface="+mj-lt"/>
+                      </a:endParaRPr>
                     </a:p>
                   </a:txBody>
-                  <a:tcPr/>
+                  <a:tcPr>
+                    <a:lnL w="12700" cap="flat" cmpd="sng" algn="ctr">
+                      <a:solidFill>
+                        <a:schemeClr val="tx1"/>
+                      </a:solidFill>
+                      <a:prstDash val="solid"/>
+                      <a:round/>
+                      <a:headEnd type="none" w="med" len="med"/>
+                      <a:tailEnd type="none" w="med" len="med"/>
+                    </a:lnL>
+                    <a:lnR w="12700" cap="flat" cmpd="sng" algn="ctr">
+                      <a:solidFill>
+                        <a:schemeClr val="tx1"/>
+                      </a:solidFill>
+                      <a:prstDash val="solid"/>
+                      <a:round/>
+                      <a:headEnd type="none" w="med" len="med"/>
+                      <a:tailEnd type="none" w="med" len="med"/>
+                    </a:lnR>
+                    <a:lnT w="12700" cap="flat" cmpd="sng" algn="ctr">
+                      <a:solidFill>
+                        <a:schemeClr val="tx1"/>
+                      </a:solidFill>
+                      <a:prstDash val="solid"/>
+                      <a:round/>
+                      <a:headEnd type="none" w="med" len="med"/>
+                      <a:tailEnd type="none" w="med" len="med"/>
+                    </a:lnT>
+                    <a:lnB w="12700" cap="flat" cmpd="sng" algn="ctr">
+                      <a:solidFill>
+                        <a:schemeClr val="tx1"/>
+                      </a:solidFill>
+                      <a:prstDash val="solid"/>
+                      <a:round/>
+                      <a:headEnd type="none" w="med" len="med"/>
+                      <a:tailEnd type="none" w="med" len="med"/>
+                    </a:lnB>
+                  </a:tcPr>
                 </a:tc>
                 <a:tc>
                   <a:txBody>
                     <a:bodyPr/>
                     <a:lstStyle/>
                     <a:p>
-                      <a:endParaRPr lang="ru-RU" dirty="0"/>
+                      <a:pPr>
+                        <a:lnSpc>
+                          <a:spcPct val="200000"/>
+                        </a:lnSpc>
+                      </a:pPr>
+                      <a:r>
+                        <a:rPr lang="en-US" sz="2000" dirty="0">
+                          <a:latin typeface="+mj-lt"/>
+                        </a:rPr>
+                        <a:t>3</a:t>
+                      </a:r>
+                      <a:endParaRPr lang="ru-RU" sz="2000" dirty="0">
+                        <a:latin typeface="+mj-lt"/>
+                      </a:endParaRPr>
                     </a:p>
                   </a:txBody>
-                  <a:tcPr/>
+                  <a:tcPr>
+                    <a:lnL w="12700" cap="flat" cmpd="sng" algn="ctr">
+                      <a:solidFill>
+                        <a:schemeClr val="tx1"/>
+                      </a:solidFill>
+                      <a:prstDash val="solid"/>
+                      <a:round/>
+                      <a:headEnd type="none" w="med" len="med"/>
+                      <a:tailEnd type="none" w="med" len="med"/>
+                    </a:lnL>
+                    <a:lnR w="12700" cap="flat" cmpd="sng" algn="ctr">
+                      <a:solidFill>
+                        <a:schemeClr val="tx1"/>
+                      </a:solidFill>
+                      <a:prstDash val="solid"/>
+                      <a:round/>
+                      <a:headEnd type="none" w="med" len="med"/>
+                      <a:tailEnd type="none" w="med" len="med"/>
+                    </a:lnR>
+                    <a:lnT w="12700" cap="flat" cmpd="sng" algn="ctr">
+                      <a:solidFill>
+                        <a:schemeClr val="tx1"/>
+                      </a:solidFill>
+                      <a:prstDash val="solid"/>
+                      <a:round/>
+                      <a:headEnd type="none" w="med" len="med"/>
+                      <a:tailEnd type="none" w="med" len="med"/>
+                    </a:lnT>
+                    <a:lnB w="12700" cap="flat" cmpd="sng" algn="ctr">
+                      <a:solidFill>
+                        <a:schemeClr val="tx1"/>
+                      </a:solidFill>
+                      <a:prstDash val="solid"/>
+                      <a:round/>
+                      <a:headEnd type="none" w="med" len="med"/>
+                      <a:tailEnd type="none" w="med" len="med"/>
+                    </a:lnB>
+                  </a:tcPr>
                 </a:tc>
                 <a:extLst>
                   <a:ext uri="{0D108BD9-81ED-4DB2-BD59-A6C34878D82A}">
-                    <a16:rowId xmlns:a16="http://schemas.microsoft.com/office/drawing/2014/main" val="1304184672"/>
+                    <a16:rowId xmlns:a16="http://schemas.microsoft.com/office/drawing/2014/main" val="1782063609"/>
                   </a:ext>
                 </a:extLst>
               </a:tr>
@@ -6129,7 +7318,7 @@
           <a:p>
             <a:r>
               <a:rPr lang="ru-RU" dirty="0"/>
-              <a:t>В итоге получилась система, которая эффективно работает с большими PDF-документами и позволяет в реальном времени находить и формировать релевантные ответы на вопросы.</a:t>
+              <a:t>В итоге получилась система, которая эффективно работает с большими PDF-документами и позволяет в реальном времени находить и формировать релевантные ответы на вопросы</a:t>
             </a:r>
           </a:p>
         </p:txBody>
@@ -6180,12 +7369,7 @@
             <p:ph type="sldNum" sz="quarter" idx="12"/>
           </p:nvPr>
         </p:nvSpPr>
-        <p:spPr>
-          <a:xfrm>
-            <a:off x="131618" y="6356350"/>
-            <a:ext cx="459509" cy="365125"/>
-          </a:xfrm>
-        </p:spPr>
+        <p:spPr/>
         <p:txBody>
           <a:bodyPr/>
           <a:lstStyle/>
@@ -6215,12 +7399,7 @@
             <p:ph type="title"/>
           </p:nvPr>
         </p:nvSpPr>
-        <p:spPr>
-          <a:xfrm>
-            <a:off x="718457" y="0"/>
-            <a:ext cx="10755088" cy="1520890"/>
-          </a:xfrm>
-        </p:spPr>
+        <p:spPr/>
         <p:txBody>
           <a:bodyPr/>
           <a:lstStyle/>
@@ -6248,12 +7427,7 @@
             <p:ph type="body" sz="quarter" idx="13"/>
           </p:nvPr>
         </p:nvSpPr>
-        <p:spPr>
-          <a:xfrm>
-            <a:off x="718456" y="1520890"/>
-            <a:ext cx="10755088" cy="4835460"/>
-          </a:xfrm>
-        </p:spPr>
+        <p:spPr/>
         <p:txBody>
           <a:bodyPr>
             <a:normAutofit/>
@@ -6269,15 +7443,31 @@
             <a:pPr lvl="1"/>
             <a:r>
               <a:rPr lang="ru-RU" dirty="0"/>
-              <a:t>Разработка системы, использующей методы </a:t>
+              <a:t>Разработать систему, использующую подход </a:t>
             </a:r>
             <a:r>
               <a:rPr lang="ru-RU" dirty="0" err="1"/>
-              <a:t>Retrieval-Augmented</a:t>
+              <a:t>Retrieval</a:t>
             </a:r>
             <a:r>
               <a:rPr lang="ru-RU" dirty="0"/>
-              <a:t> Generation (RAG) для облегчения процесса изучения научных статей, обеспечивая поиск и объяснение терминов, а также предоставление ссылок на оригинальные источники.</a:t>
+              <a:t> </a:t>
+            </a:r>
+            <a:r>
+              <a:rPr lang="ru-RU" dirty="0" err="1"/>
+              <a:t>Augmented</a:t>
+            </a:r>
+            <a:r>
+              <a:rPr lang="ru-RU" dirty="0"/>
+              <a:t> Generation (RAG) для помощи пользователям в изучении научных статей в формате </a:t>
+            </a:r>
+            <a:r>
+              <a:rPr lang="en-US" dirty="0"/>
+              <a:t>PDF</a:t>
+            </a:r>
+            <a:r>
+              <a:rPr lang="ru-RU" dirty="0"/>
+              <a:t>. Система должна отвечать на вопросы пользователя по загруженному документу, а также предоставлять релевантные фрагменты</a:t>
             </a:r>
           </a:p>
           <a:p>
@@ -6290,29 +7480,21 @@
             <a:pPr lvl="1"/>
             <a:r>
               <a:rPr lang="ru-RU" dirty="0"/>
-              <a:t>Поиск и анализ литературы в рамках изучения предметной области.</a:t>
+              <a:t>Поиск и анализ литературы в рамках изучения предметной области</a:t>
             </a:r>
           </a:p>
           <a:p>
             <a:pPr lvl="1"/>
             <a:r>
               <a:rPr lang="ru-RU" dirty="0"/>
-              <a:t>Проектирование и разработка системы.</a:t>
+              <a:t>Проектирование и разработка системы</a:t>
             </a:r>
           </a:p>
           <a:p>
             <a:pPr lvl="1"/>
             <a:r>
               <a:rPr lang="ru-RU" dirty="0"/>
-              <a:t>Индексация </a:t>
-            </a:r>
-            <a:r>
-              <a:rPr lang="en-US" dirty="0"/>
-              <a:t>PDF-</a:t>
-            </a:r>
-            <a:r>
-              <a:rPr lang="ru-RU" dirty="0"/>
-              <a:t>файлов в реальном времени.</a:t>
+              <a:t>Разработка способов оценки системы</a:t>
             </a:r>
           </a:p>
           <a:p>
@@ -6369,12 +7551,7 @@
             <p:ph type="sldNum" sz="quarter" idx="12"/>
           </p:nvPr>
         </p:nvSpPr>
-        <p:spPr>
-          <a:xfrm>
-            <a:off x="131618" y="6356350"/>
-            <a:ext cx="459509" cy="365125"/>
-          </a:xfrm>
-        </p:spPr>
+        <p:spPr/>
         <p:txBody>
           <a:bodyPr/>
           <a:lstStyle/>
@@ -6404,12 +7581,7 @@
             <p:ph type="title"/>
           </p:nvPr>
         </p:nvSpPr>
-        <p:spPr>
-          <a:xfrm>
-            <a:off x="718457" y="0"/>
-            <a:ext cx="10755088" cy="1520890"/>
-          </a:xfrm>
-        </p:spPr>
+        <p:spPr/>
         <p:txBody>
           <a:bodyPr/>
           <a:lstStyle/>
@@ -6438,12 +7610,7 @@
             <p:ph type="body" sz="quarter" idx="13"/>
           </p:nvPr>
         </p:nvSpPr>
-        <p:spPr>
-          <a:xfrm>
-            <a:off x="718456" y="1520890"/>
-            <a:ext cx="10755088" cy="4835460"/>
-          </a:xfrm>
-        </p:spPr>
+        <p:spPr/>
         <p:txBody>
           <a:bodyPr>
             <a:normAutofit/>
@@ -6459,7 +7626,7 @@
             <a:pPr lvl="1"/>
             <a:r>
               <a:rPr lang="ru-RU" dirty="0"/>
-              <a:t>Большие текстовые массивы сложно использовать напрямую из-за ограниченного контекста моделей. Это затрудняет извлечение точной и актуальной информации.</a:t>
+              <a:t>Большие текстовые массивы сложно использовать напрямую из-за ограниченного контекста моделей. Это затрудняет извлечение точной и актуальной информации</a:t>
             </a:r>
           </a:p>
           <a:p>
@@ -6500,7 +7667,7 @@
             </a:r>
             <a:r>
               <a:rPr lang="ru-RU" dirty="0"/>
-              <a:t>) находит релевантные фрагменты текста из базы данных. Генерация (Generation) создает ответ, основываясь на найденных данных.</a:t>
+              <a:t>) находит релевантные фрагменты текста из базы данных. Генерация (Generation) создает ответ, основываясь на найденных данных</a:t>
             </a:r>
           </a:p>
           <a:p>
@@ -6546,7 +7713,7 @@
           <p:cNvPr id="2" name="Номер слайда 1">
             <a:extLst>
               <a:ext uri="{FF2B5EF4-FFF2-40B4-BE49-F238E27FC236}">
-                <a16:creationId xmlns:a16="http://schemas.microsoft.com/office/drawing/2014/main" id="{EF76274E-5E56-4E15-9D41-787C0E22A2F8}"/>
+                <a16:creationId xmlns:a16="http://schemas.microsoft.com/office/drawing/2014/main" id="{2FE185EA-BBB7-49C8-8A0B-56306614BA67}"/>
               </a:ext>
             </a:extLst>
           </p:cNvPr>
@@ -6571,179 +7738,6 @@
               <a:rPr lang="ru-RU" smtClean="0"/>
               <a:pPr/>
               <a:t>4</a:t>
-            </a:fld>
-            <a:endParaRPr lang="ru-RU" dirty="0"/>
-          </a:p>
-        </p:txBody>
-      </p:sp>
-      <p:sp>
-        <p:nvSpPr>
-          <p:cNvPr id="5" name="Заголовок 4">
-            <a:extLst>
-              <a:ext uri="{FF2B5EF4-FFF2-40B4-BE49-F238E27FC236}">
-                <a16:creationId xmlns:a16="http://schemas.microsoft.com/office/drawing/2014/main" id="{C2014388-FB57-4DC3-8E2C-D04B51E29D19}"/>
-              </a:ext>
-            </a:extLst>
-          </p:cNvPr>
-          <p:cNvSpPr>
-            <a:spLocks noGrp="1"/>
-          </p:cNvSpPr>
-          <p:nvPr>
-            <p:ph type="title"/>
-          </p:nvPr>
-        </p:nvSpPr>
-        <p:spPr>
-          <a:xfrm>
-            <a:off x="718457" y="0"/>
-            <a:ext cx="10755088" cy="1520890"/>
-          </a:xfrm>
-        </p:spPr>
-        <p:txBody>
-          <a:bodyPr/>
-          <a:lstStyle/>
-          <a:p>
-            <a:r>
-              <a:rPr lang="ru-RU" dirty="0"/>
-              <a:t>Архитектура </a:t>
-            </a:r>
-            <a:r>
-              <a:rPr lang="en-US" dirty="0"/>
-              <a:t>Retrieval Augmented Generation</a:t>
-            </a:r>
-            <a:endParaRPr lang="ru-RU" dirty="0"/>
-          </a:p>
-        </p:txBody>
-      </p:sp>
-      <p:sp>
-        <p:nvSpPr>
-          <p:cNvPr id="6" name="Текст 5">
-            <a:extLst>
-              <a:ext uri="{FF2B5EF4-FFF2-40B4-BE49-F238E27FC236}">
-                <a16:creationId xmlns:a16="http://schemas.microsoft.com/office/drawing/2014/main" id="{CA86B080-A74B-42EC-AB17-F9D9155E2F53}"/>
-              </a:ext>
-            </a:extLst>
-          </p:cNvPr>
-          <p:cNvSpPr>
-            <a:spLocks noGrp="1"/>
-          </p:cNvSpPr>
-          <p:nvPr>
-            <p:ph type="body" sz="quarter" idx="13"/>
-          </p:nvPr>
-        </p:nvSpPr>
-        <p:spPr>
-          <a:xfrm>
-            <a:off x="718456" y="1520890"/>
-            <a:ext cx="10755088" cy="4835460"/>
-          </a:xfrm>
-        </p:spPr>
-        <p:txBody>
-          <a:bodyPr/>
-          <a:lstStyle/>
-          <a:p>
-            <a:r>
-              <a:rPr lang="en-US" dirty="0"/>
-              <a:t>Chunking</a:t>
-            </a:r>
-            <a:endParaRPr lang="ru-RU" dirty="0"/>
-          </a:p>
-          <a:p>
-            <a:pPr lvl="1"/>
-            <a:r>
-              <a:rPr lang="ru-RU" dirty="0"/>
-              <a:t>Этап индексации корпуса текста</a:t>
-            </a:r>
-            <a:endParaRPr lang="en-US" dirty="0"/>
-          </a:p>
-          <a:p>
-            <a:r>
-              <a:rPr lang="en-US" dirty="0"/>
-              <a:t>Retrieval</a:t>
-            </a:r>
-          </a:p>
-          <a:p>
-            <a:pPr lvl="1"/>
-            <a:r>
-              <a:rPr lang="ru-RU" dirty="0"/>
-              <a:t>Поисковой механизм для дополнения запроса в модель контекстом</a:t>
-            </a:r>
-            <a:endParaRPr lang="en-US" dirty="0"/>
-          </a:p>
-          <a:p>
-            <a:r>
-              <a:rPr lang="en-US" dirty="0"/>
-              <a:t>Generate</a:t>
-            </a:r>
-            <a:endParaRPr lang="ru-RU" dirty="0"/>
-          </a:p>
-          <a:p>
-            <a:pPr lvl="1"/>
-            <a:r>
-              <a:rPr lang="ru-RU" dirty="0"/>
-              <a:t>Этап генерации ответа</a:t>
-            </a:r>
-          </a:p>
-        </p:txBody>
-      </p:sp>
-    </p:spTree>
-    <p:extLst>
-      <p:ext uri="{BB962C8B-B14F-4D97-AF65-F5344CB8AC3E}">
-        <p14:creationId xmlns:p14="http://schemas.microsoft.com/office/powerpoint/2010/main" val="1202943051"/>
-      </p:ext>
-    </p:extLst>
-  </p:cSld>
-  <p:clrMapOvr>
-    <a:masterClrMapping/>
-  </p:clrMapOvr>
-</p:sld>
-</file>
-
-<file path=ppt/slides/slide5.xml><?xml version="1.0" encoding="utf-8"?>
-<p:sld xmlns:a="http://schemas.openxmlformats.org/drawingml/2006/main" xmlns:r="http://schemas.openxmlformats.org/officeDocument/2006/relationships" xmlns:p="http://schemas.openxmlformats.org/presentationml/2006/main">
-  <p:cSld>
-    <p:spTree>
-      <p:nvGrpSpPr>
-        <p:cNvPr id="1" name=""/>
-        <p:cNvGrpSpPr/>
-        <p:nvPr/>
-      </p:nvGrpSpPr>
-      <p:grpSpPr>
-        <a:xfrm>
-          <a:off x="0" y="0"/>
-          <a:ext cx="0" cy="0"/>
-          <a:chOff x="0" y="0"/>
-          <a:chExt cx="0" cy="0"/>
-        </a:xfrm>
-      </p:grpSpPr>
-      <p:sp>
-        <p:nvSpPr>
-          <p:cNvPr id="2" name="Номер слайда 1">
-            <a:extLst>
-              <a:ext uri="{FF2B5EF4-FFF2-40B4-BE49-F238E27FC236}">
-                <a16:creationId xmlns:a16="http://schemas.microsoft.com/office/drawing/2014/main" id="{2FE185EA-BBB7-49C8-8A0B-56306614BA67}"/>
-              </a:ext>
-            </a:extLst>
-          </p:cNvPr>
-          <p:cNvSpPr>
-            <a:spLocks noGrp="1"/>
-          </p:cNvSpPr>
-          <p:nvPr>
-            <p:ph type="sldNum" sz="quarter" idx="12"/>
-          </p:nvPr>
-        </p:nvSpPr>
-        <p:spPr>
-          <a:xfrm>
-            <a:off x="131618" y="6356350"/>
-            <a:ext cx="459509" cy="365125"/>
-          </a:xfrm>
-        </p:spPr>
-        <p:txBody>
-          <a:bodyPr/>
-          <a:lstStyle/>
-          <a:p>
-            <a:fld id="{252DB28E-DCFC-49D3-A30D-8262F7022753}" type="slidenum">
-              <a:rPr lang="ru-RU" smtClean="0"/>
-              <a:pPr/>
-              <a:t>5</a:t>
             </a:fld>
             <a:endParaRPr lang="ru-RU" dirty="0"/>
           </a:p>
@@ -6833,6 +7827,161 @@
 </p:sld>
 </file>
 
+<file path=ppt/slides/slide5.xml><?xml version="1.0" encoding="utf-8"?>
+<p:sld xmlns:a="http://schemas.openxmlformats.org/drawingml/2006/main" xmlns:r="http://schemas.openxmlformats.org/officeDocument/2006/relationships" xmlns:p="http://schemas.openxmlformats.org/presentationml/2006/main">
+  <p:cSld>
+    <p:spTree>
+      <p:nvGrpSpPr>
+        <p:cNvPr id="1" name=""/>
+        <p:cNvGrpSpPr/>
+        <p:nvPr/>
+      </p:nvGrpSpPr>
+      <p:grpSpPr>
+        <a:xfrm>
+          <a:off x="0" y="0"/>
+          <a:ext cx="0" cy="0"/>
+          <a:chOff x="0" y="0"/>
+          <a:chExt cx="0" cy="0"/>
+        </a:xfrm>
+      </p:grpSpPr>
+      <p:sp>
+        <p:nvSpPr>
+          <p:cNvPr id="2" name="Номер слайда 1">
+            <a:extLst>
+              <a:ext uri="{FF2B5EF4-FFF2-40B4-BE49-F238E27FC236}">
+                <a16:creationId xmlns:a16="http://schemas.microsoft.com/office/drawing/2014/main" id="{5CDF5721-12BA-4B8D-ACD4-F2B130880888}"/>
+              </a:ext>
+            </a:extLst>
+          </p:cNvPr>
+          <p:cNvSpPr>
+            <a:spLocks noGrp="1"/>
+          </p:cNvSpPr>
+          <p:nvPr>
+            <p:ph type="sldNum" sz="quarter" idx="12"/>
+          </p:nvPr>
+        </p:nvSpPr>
+        <p:spPr/>
+        <p:txBody>
+          <a:bodyPr/>
+          <a:lstStyle/>
+          <a:p>
+            <a:fld id="{252DB28E-DCFC-49D3-A30D-8262F7022753}" type="slidenum">
+              <a:rPr lang="ru-RU" smtClean="0"/>
+              <a:pPr/>
+              <a:t>5</a:t>
+            </a:fld>
+            <a:endParaRPr lang="ru-RU" dirty="0"/>
+          </a:p>
+        </p:txBody>
+      </p:sp>
+      <p:sp>
+        <p:nvSpPr>
+          <p:cNvPr id="9" name="Заголовок 8">
+            <a:extLst>
+              <a:ext uri="{FF2B5EF4-FFF2-40B4-BE49-F238E27FC236}">
+                <a16:creationId xmlns:a16="http://schemas.microsoft.com/office/drawing/2014/main" id="{D0A5F95D-CE22-4BD3-AF4C-4D85CEC1DC37}"/>
+              </a:ext>
+            </a:extLst>
+          </p:cNvPr>
+          <p:cNvSpPr>
+            <a:spLocks noGrp="1"/>
+          </p:cNvSpPr>
+          <p:nvPr>
+            <p:ph type="title"/>
+          </p:nvPr>
+        </p:nvSpPr>
+        <p:spPr/>
+        <p:txBody>
+          <a:bodyPr/>
+          <a:lstStyle/>
+          <a:p>
+            <a:r>
+              <a:rPr lang="ru-RU" dirty="0"/>
+              <a:t>Разработка системы</a:t>
+            </a:r>
+          </a:p>
+        </p:txBody>
+      </p:sp>
+      <p:sp>
+        <p:nvSpPr>
+          <p:cNvPr id="10" name="Текст 9">
+            <a:extLst>
+              <a:ext uri="{FF2B5EF4-FFF2-40B4-BE49-F238E27FC236}">
+                <a16:creationId xmlns:a16="http://schemas.microsoft.com/office/drawing/2014/main" id="{4A3BC88F-8D4A-456B-A7D9-8F239E58CD1C}"/>
+              </a:ext>
+            </a:extLst>
+          </p:cNvPr>
+          <p:cNvSpPr>
+            <a:spLocks noGrp="1"/>
+          </p:cNvSpPr>
+          <p:nvPr>
+            <p:ph type="body" sz="quarter" idx="13"/>
+          </p:nvPr>
+        </p:nvSpPr>
+        <p:spPr/>
+        <p:txBody>
+          <a:bodyPr>
+            <a:normAutofit/>
+          </a:bodyPr>
+          <a:lstStyle/>
+          <a:p>
+            <a:r>
+              <a:rPr lang="ru-RU" dirty="0"/>
+              <a:t>Проектирование: </a:t>
+            </a:r>
+          </a:p>
+          <a:p>
+            <a:pPr lvl="1"/>
+            <a:r>
+              <a:rPr lang="ru-RU" dirty="0"/>
+              <a:t>Для проектирования системы были использованы UML-диаграммы, которые позволили структурировать требования, визуализировать архитектуру и глубже понять функциональность системы</a:t>
+            </a:r>
+          </a:p>
+          <a:p>
+            <a:r>
+              <a:rPr lang="ru-RU" dirty="0"/>
+              <a:t>Архитектура</a:t>
+            </a:r>
+          </a:p>
+          <a:p>
+            <a:pPr lvl="1"/>
+            <a:r>
+              <a:rPr lang="ru-RU" dirty="0"/>
+              <a:t>Разработано веб-приложение в виде чата для общения с пользователем, пользователь может загружать документы, задавать вопросы, получать ответы в потоковом режиме</a:t>
+            </a:r>
+          </a:p>
+          <a:p>
+            <a:r>
+              <a:rPr lang="ru-RU" dirty="0"/>
+              <a:t>Поисковая система</a:t>
+            </a:r>
+          </a:p>
+          <a:p>
+            <a:pPr lvl="1"/>
+            <a:r>
+              <a:rPr lang="ru-RU" dirty="0"/>
+              <a:t>Для поддержки мультиязычного поиска реализован векторный поиск, учитывающий семантические особенности текста</a:t>
+            </a:r>
+            <a:endParaRPr lang="en-US" dirty="0"/>
+          </a:p>
+          <a:p>
+            <a:endParaRPr lang="ru-RU" dirty="0"/>
+          </a:p>
+        </p:txBody>
+      </p:sp>
+    </p:spTree>
+    <p:extLst>
+      <p:ext uri="{BB962C8B-B14F-4D97-AF65-F5344CB8AC3E}">
+        <p14:creationId xmlns:p14="http://schemas.microsoft.com/office/powerpoint/2010/main" val="1926217586"/>
+      </p:ext>
+    </p:extLst>
+  </p:cSld>
+  <p:clrMapOvr>
+    <a:masterClrMapping/>
+  </p:clrMapOvr>
+</p:sld>
+</file>
+
 <file path=ppt/slides/slide6.xml><?xml version="1.0" encoding="utf-8"?>
 <p:sld xmlns:a="http://schemas.openxmlformats.org/drawingml/2006/main" xmlns:r="http://schemas.openxmlformats.org/officeDocument/2006/relationships" xmlns:p="http://schemas.openxmlformats.org/presentationml/2006/main">
   <p:cSld>
@@ -6855,7 +8004,7 @@
           <p:cNvPr id="2" name="Номер слайда 1">
             <a:extLst>
               <a:ext uri="{FF2B5EF4-FFF2-40B4-BE49-F238E27FC236}">
-                <a16:creationId xmlns:a16="http://schemas.microsoft.com/office/drawing/2014/main" id="{5CDF5721-12BA-4B8D-ACD4-F2B130880888}"/>
+                <a16:creationId xmlns:a16="http://schemas.microsoft.com/office/drawing/2014/main" id="{2FE185EA-BBB7-49C8-8A0B-56306614BA67}"/>
               </a:ext>
             </a:extLst>
           </p:cNvPr>
@@ -6880,242 +8029,6 @@
               <a:rPr lang="ru-RU" smtClean="0"/>
               <a:pPr/>
               <a:t>6</a:t>
-            </a:fld>
-            <a:endParaRPr lang="ru-RU" dirty="0"/>
-          </a:p>
-        </p:txBody>
-      </p:sp>
-      <p:sp>
-        <p:nvSpPr>
-          <p:cNvPr id="9" name="Заголовок 8">
-            <a:extLst>
-              <a:ext uri="{FF2B5EF4-FFF2-40B4-BE49-F238E27FC236}">
-                <a16:creationId xmlns:a16="http://schemas.microsoft.com/office/drawing/2014/main" id="{D0A5F95D-CE22-4BD3-AF4C-4D85CEC1DC37}"/>
-              </a:ext>
-            </a:extLst>
-          </p:cNvPr>
-          <p:cNvSpPr>
-            <a:spLocks noGrp="1"/>
-          </p:cNvSpPr>
-          <p:nvPr>
-            <p:ph type="title"/>
-          </p:nvPr>
-        </p:nvSpPr>
-        <p:spPr>
-          <a:xfrm>
-            <a:off x="718457" y="0"/>
-            <a:ext cx="10755088" cy="1520890"/>
-          </a:xfrm>
-        </p:spPr>
-        <p:txBody>
-          <a:bodyPr/>
-          <a:lstStyle/>
-          <a:p>
-            <a:r>
-              <a:rPr lang="ru-RU" dirty="0"/>
-              <a:t>Разработка системы</a:t>
-            </a:r>
-          </a:p>
-        </p:txBody>
-      </p:sp>
-      <p:sp>
-        <p:nvSpPr>
-          <p:cNvPr id="10" name="Текст 9">
-            <a:extLst>
-              <a:ext uri="{FF2B5EF4-FFF2-40B4-BE49-F238E27FC236}">
-                <a16:creationId xmlns:a16="http://schemas.microsoft.com/office/drawing/2014/main" id="{4A3BC88F-8D4A-456B-A7D9-8F239E58CD1C}"/>
-              </a:ext>
-            </a:extLst>
-          </p:cNvPr>
-          <p:cNvSpPr>
-            <a:spLocks noGrp="1"/>
-          </p:cNvSpPr>
-          <p:nvPr>
-            <p:ph type="body" sz="quarter" idx="13"/>
-          </p:nvPr>
-        </p:nvSpPr>
-        <p:spPr>
-          <a:xfrm>
-            <a:off x="718456" y="1520890"/>
-            <a:ext cx="10755088" cy="4835460"/>
-          </a:xfrm>
-        </p:spPr>
-        <p:txBody>
-          <a:bodyPr>
-            <a:normAutofit/>
-          </a:bodyPr>
-          <a:lstStyle/>
-          <a:p>
-            <a:r>
-              <a:rPr lang="ru-RU" dirty="0"/>
-              <a:t>Проектирование: </a:t>
-            </a:r>
-          </a:p>
-          <a:p>
-            <a:pPr lvl="1"/>
-            <a:r>
-              <a:rPr lang="ru-RU" dirty="0"/>
-              <a:t>Для проектирования системы были использованы UML-диаграммы, которые позволили структурировать требования, визуализировать архитектуру и глубже понять функциональность системы.</a:t>
-            </a:r>
-          </a:p>
-          <a:p>
-            <a:r>
-              <a:rPr lang="ru-RU" dirty="0"/>
-              <a:t>Компоненты</a:t>
-            </a:r>
-            <a:r>
-              <a:rPr lang="en-US" dirty="0"/>
-              <a:t>:</a:t>
-            </a:r>
-            <a:endParaRPr lang="ru-RU" dirty="0"/>
-          </a:p>
-          <a:p>
-            <a:pPr lvl="1"/>
-            <a:r>
-              <a:rPr lang="ru-RU" dirty="0" err="1"/>
-              <a:t>Chunking</a:t>
-            </a:r>
-            <a:r>
-              <a:rPr lang="ru-RU" dirty="0"/>
-              <a:t>: использован эвристический метод разделения документов на фрагменты. </a:t>
-            </a:r>
-          </a:p>
-          <a:p>
-            <a:pPr lvl="1"/>
-            <a:r>
-              <a:rPr lang="en-US" dirty="0"/>
-              <a:t>Rewriting</a:t>
-            </a:r>
-            <a:r>
-              <a:rPr lang="ru-RU" dirty="0"/>
-              <a:t>: запрос пользователя переписывается с использованием метода </a:t>
-            </a:r>
-            <a:r>
-              <a:rPr lang="ru-RU" dirty="0" err="1"/>
-              <a:t>HyDE</a:t>
-            </a:r>
-            <a:r>
-              <a:rPr lang="ru-RU" dirty="0"/>
-              <a:t>.</a:t>
-            </a:r>
-          </a:p>
-          <a:p>
-            <a:pPr lvl="1"/>
-            <a:r>
-              <a:rPr lang="en-US" dirty="0"/>
-              <a:t>Retrieval</a:t>
-            </a:r>
-            <a:r>
-              <a:rPr lang="ru-RU" dirty="0"/>
-              <a:t>: реализация на основе алгоритма BM25.</a:t>
-            </a:r>
-          </a:p>
-          <a:p>
-            <a:pPr lvl="1"/>
-            <a:r>
-              <a:rPr lang="ru-RU" dirty="0" err="1"/>
-              <a:t>Reranker</a:t>
-            </a:r>
-            <a:r>
-              <a:rPr lang="ru-RU" dirty="0"/>
-              <a:t>: реализован с применением подхода Cross-</a:t>
-            </a:r>
-            <a:r>
-              <a:rPr lang="ru-RU" dirty="0" err="1"/>
-              <a:t>Encoder</a:t>
-            </a:r>
-            <a:r>
-              <a:rPr lang="ru-RU" dirty="0"/>
-              <a:t> и модели ru-bert2. </a:t>
-            </a:r>
-          </a:p>
-          <a:p>
-            <a:pPr lvl="1"/>
-            <a:r>
-              <a:rPr lang="ru-RU" dirty="0" err="1"/>
-              <a:t>Generator</a:t>
-            </a:r>
-            <a:r>
-              <a:rPr lang="ru-RU" dirty="0"/>
-              <a:t>: на финальном этапе ответ генерируется с помощью API </a:t>
-            </a:r>
-            <a:r>
-              <a:rPr lang="ru-RU" dirty="0" err="1"/>
-              <a:t>YandexGPT</a:t>
-            </a:r>
-            <a:r>
-              <a:rPr lang="ru-RU" dirty="0"/>
-              <a:t>. </a:t>
-            </a:r>
-          </a:p>
-          <a:p>
-            <a:endParaRPr lang="en-US" dirty="0"/>
-          </a:p>
-          <a:p>
-            <a:endParaRPr lang="ru-RU" dirty="0"/>
-          </a:p>
-        </p:txBody>
-      </p:sp>
-    </p:spTree>
-    <p:extLst>
-      <p:ext uri="{BB962C8B-B14F-4D97-AF65-F5344CB8AC3E}">
-        <p14:creationId xmlns:p14="http://schemas.microsoft.com/office/powerpoint/2010/main" val="1926217586"/>
-      </p:ext>
-    </p:extLst>
-  </p:cSld>
-  <p:clrMapOvr>
-    <a:masterClrMapping/>
-  </p:clrMapOvr>
-</p:sld>
-</file>
-
-<file path=ppt/slides/slide7.xml><?xml version="1.0" encoding="utf-8"?>
-<p:sld xmlns:a="http://schemas.openxmlformats.org/drawingml/2006/main" xmlns:r="http://schemas.openxmlformats.org/officeDocument/2006/relationships" xmlns:p="http://schemas.openxmlformats.org/presentationml/2006/main">
-  <p:cSld>
-    <p:spTree>
-      <p:nvGrpSpPr>
-        <p:cNvPr id="1" name=""/>
-        <p:cNvGrpSpPr/>
-        <p:nvPr/>
-      </p:nvGrpSpPr>
-      <p:grpSpPr>
-        <a:xfrm>
-          <a:off x="0" y="0"/>
-          <a:ext cx="0" cy="0"/>
-          <a:chOff x="0" y="0"/>
-          <a:chExt cx="0" cy="0"/>
-        </a:xfrm>
-      </p:grpSpPr>
-      <p:sp>
-        <p:nvSpPr>
-          <p:cNvPr id="2" name="Номер слайда 1">
-            <a:extLst>
-              <a:ext uri="{FF2B5EF4-FFF2-40B4-BE49-F238E27FC236}">
-                <a16:creationId xmlns:a16="http://schemas.microsoft.com/office/drawing/2014/main" id="{2FE185EA-BBB7-49C8-8A0B-56306614BA67}"/>
-              </a:ext>
-            </a:extLst>
-          </p:cNvPr>
-          <p:cNvSpPr>
-            <a:spLocks noGrp="1"/>
-          </p:cNvSpPr>
-          <p:nvPr>
-            <p:ph type="sldNum" sz="quarter" idx="12"/>
-          </p:nvPr>
-        </p:nvSpPr>
-        <p:spPr>
-          <a:xfrm>
-            <a:off x="131618" y="6356350"/>
-            <a:ext cx="459509" cy="365125"/>
-          </a:xfrm>
-        </p:spPr>
-        <p:txBody>
-          <a:bodyPr/>
-          <a:lstStyle/>
-          <a:p>
-            <a:fld id="{252DB28E-DCFC-49D3-A30D-8262F7022753}" type="slidenum">
-              <a:rPr lang="ru-RU" smtClean="0"/>
-              <a:pPr/>
-              <a:t>7</a:t>
             </a:fld>
             <a:endParaRPr lang="ru-RU" dirty="0"/>
           </a:p>
@@ -7209,6 +8122,182 @@
 </p:sld>
 </file>
 
+<file path=ppt/slides/slide7.xml><?xml version="1.0" encoding="utf-8"?>
+<p:sld xmlns:a="http://schemas.openxmlformats.org/drawingml/2006/main" xmlns:r="http://schemas.openxmlformats.org/officeDocument/2006/relationships" xmlns:p="http://schemas.openxmlformats.org/presentationml/2006/main">
+  <p:cSld>
+    <p:spTree>
+      <p:nvGrpSpPr>
+        <p:cNvPr id="1" name=""/>
+        <p:cNvGrpSpPr/>
+        <p:nvPr/>
+      </p:nvGrpSpPr>
+      <p:grpSpPr>
+        <a:xfrm>
+          <a:off x="0" y="0"/>
+          <a:ext cx="0" cy="0"/>
+          <a:chOff x="0" y="0"/>
+          <a:chExt cx="0" cy="0"/>
+        </a:xfrm>
+      </p:grpSpPr>
+      <p:sp>
+        <p:nvSpPr>
+          <p:cNvPr id="6" name="Заголовок 5">
+            <a:extLst>
+              <a:ext uri="{FF2B5EF4-FFF2-40B4-BE49-F238E27FC236}">
+                <a16:creationId xmlns:a16="http://schemas.microsoft.com/office/drawing/2014/main" id="{C2161C10-9AF8-4DE9-8D02-8CBACFB694D7}"/>
+              </a:ext>
+            </a:extLst>
+          </p:cNvPr>
+          <p:cNvSpPr>
+            <a:spLocks noGrp="1"/>
+          </p:cNvSpPr>
+          <p:nvPr>
+            <p:ph type="title"/>
+          </p:nvPr>
+        </p:nvSpPr>
+        <p:spPr/>
+        <p:txBody>
+          <a:bodyPr/>
+          <a:lstStyle/>
+          <a:p>
+            <a:r>
+              <a:rPr lang="ru-RU" dirty="0"/>
+              <a:t>Работа с </a:t>
+            </a:r>
+            <a:r>
+              <a:rPr lang="en-US" dirty="0"/>
+              <a:t>PDF-</a:t>
+            </a:r>
+            <a:r>
+              <a:rPr lang="ru-RU" dirty="0"/>
+              <a:t>файлами</a:t>
+            </a:r>
+          </a:p>
+        </p:txBody>
+      </p:sp>
+      <p:sp>
+        <p:nvSpPr>
+          <p:cNvPr id="7" name="Текст 6">
+            <a:extLst>
+              <a:ext uri="{FF2B5EF4-FFF2-40B4-BE49-F238E27FC236}">
+                <a16:creationId xmlns:a16="http://schemas.microsoft.com/office/drawing/2014/main" id="{30365AA0-D7D8-44C6-97ED-296E9E340B56}"/>
+              </a:ext>
+            </a:extLst>
+          </p:cNvPr>
+          <p:cNvSpPr>
+            <a:spLocks noGrp="1"/>
+          </p:cNvSpPr>
+          <p:nvPr>
+            <p:ph type="body" sz="quarter" idx="13"/>
+          </p:nvPr>
+        </p:nvSpPr>
+        <p:spPr/>
+        <p:txBody>
+          <a:bodyPr/>
+          <a:lstStyle/>
+          <a:p>
+            <a:r>
+              <a:rPr lang="ru-RU" dirty="0"/>
+              <a:t>Индексация</a:t>
+            </a:r>
+          </a:p>
+          <a:p>
+            <a:pPr lvl="1"/>
+            <a:r>
+              <a:rPr lang="ru-RU" dirty="0"/>
+              <a:t>Система загружает PDF-файлы и разбивает их на логические фрагменты в реальном времени. Для восстановления макета документа используется CRF-модель, обученная на разметке научных статей. Затем применяется алгоритм семантического </a:t>
+            </a:r>
+            <a:r>
+              <a:rPr lang="ru-RU" dirty="0" err="1"/>
+              <a:t>чанкинга</a:t>
+            </a:r>
+            <a:r>
+              <a:rPr lang="ru-RU" dirty="0"/>
+              <a:t> для формирования базы знаний</a:t>
+            </a:r>
+          </a:p>
+          <a:p>
+            <a:r>
+              <a:rPr lang="ru-RU" dirty="0"/>
+              <a:t>Скорость загрузки документов</a:t>
+            </a:r>
+          </a:p>
+          <a:p>
+            <a:pPr lvl="1"/>
+            <a:r>
+              <a:rPr lang="ru-RU" dirty="0"/>
+              <a:t>Книга </a:t>
+            </a:r>
+            <a:r>
+              <a:rPr lang="en-US" dirty="0"/>
+              <a:t>“Deep Learning” (Goodfellow et al., ~</a:t>
+            </a:r>
+            <a:r>
+              <a:rPr lang="ru-RU" dirty="0"/>
+              <a:t>800 страниц</a:t>
+            </a:r>
+            <a:r>
+              <a:rPr lang="en-US" dirty="0"/>
+              <a:t>)</a:t>
+            </a:r>
+            <a:r>
+              <a:rPr lang="ru-RU" dirty="0"/>
+              <a:t> индексируется за</a:t>
+            </a:r>
+            <a:r>
+              <a:rPr lang="en-US" dirty="0"/>
+              <a:t> ~7 </a:t>
+            </a:r>
+            <a:r>
+              <a:rPr lang="ru-RU" dirty="0"/>
+              <a:t>минут</a:t>
+            </a:r>
+          </a:p>
+          <a:p>
+            <a:pPr lvl="1"/>
+            <a:r>
+              <a:rPr lang="ru-RU" dirty="0"/>
+              <a:t>Научная статья (15 стр.) индексируется за </a:t>
+            </a:r>
+            <a:r>
+              <a:rPr lang="en-US" dirty="0"/>
+              <a:t>~2 </a:t>
+            </a:r>
+            <a:r>
+              <a:rPr lang="ru-RU" dirty="0"/>
+              <a:t>секунды</a:t>
+            </a:r>
+          </a:p>
+          <a:p>
+            <a:pPr lvl="1"/>
+            <a:r>
+              <a:rPr lang="ru-RU" dirty="0"/>
+              <a:t>Система оптимизирована для работы в интерактивном режиме</a:t>
+            </a:r>
+            <a:r>
+              <a:rPr lang="en-US" dirty="0"/>
+              <a:t>: </a:t>
+            </a:r>
+            <a:r>
+              <a:rPr lang="ru-RU" dirty="0"/>
+              <a:t>индексация начинается сразу после загрузки документа</a:t>
+            </a:r>
+          </a:p>
+        </p:txBody>
+      </p:sp>
+    </p:spTree>
+    <p:extLst>
+      <p:ext uri="{BB962C8B-B14F-4D97-AF65-F5344CB8AC3E}">
+        <p14:creationId xmlns:p14="http://schemas.microsoft.com/office/powerpoint/2010/main" val="4257535218"/>
+      </p:ext>
+    </p:extLst>
+  </p:cSld>
+  <p:clrMapOvr>
+    <a:masterClrMapping/>
+  </p:clrMapOvr>
+</p:sld>
+</file>
+
 <file path=ppt/slides/slide8.xml><?xml version="1.0" encoding="utf-8"?>
 <p:sld xmlns:a="http://schemas.openxmlformats.org/drawingml/2006/main" xmlns:r="http://schemas.openxmlformats.org/officeDocument/2006/relationships" xmlns:p="http://schemas.openxmlformats.org/presentationml/2006/main">
   <p:cSld>
@@ -7228,146 +8317,70 @@
       </p:grpSpPr>
       <p:sp>
         <p:nvSpPr>
-          <p:cNvPr id="6" name="Заголовок 5">
-            <a:extLst>
-              <a:ext uri="{FF2B5EF4-FFF2-40B4-BE49-F238E27FC236}">
-                <a16:creationId xmlns:a16="http://schemas.microsoft.com/office/drawing/2014/main" id="{C2161C10-9AF8-4DE9-8D02-8CBACFB694D7}"/>
-              </a:ext>
-            </a:extLst>
-          </p:cNvPr>
-          <p:cNvSpPr>
-            <a:spLocks noGrp="1"/>
-          </p:cNvSpPr>
-          <p:nvPr>
-            <p:ph type="title"/>
-          </p:nvPr>
-        </p:nvSpPr>
-        <p:spPr/>
+          <p:cNvPr id="4" name="Текст 3">
+            <a:extLst>
+              <a:ext uri="{FF2B5EF4-FFF2-40B4-BE49-F238E27FC236}">
+                <a16:creationId xmlns:a16="http://schemas.microsoft.com/office/drawing/2014/main" id="{68CC08F9-5801-4FF6-829D-92F87DF7991B}"/>
+              </a:ext>
+            </a:extLst>
+          </p:cNvPr>
+          <p:cNvSpPr>
+            <a:spLocks noGrp="1"/>
+          </p:cNvSpPr>
+          <p:nvPr>
+            <p:ph type="body" sz="quarter" idx="14"/>
+          </p:nvPr>
+        </p:nvSpPr>
+        <p:spPr>
+          <a:xfrm>
+            <a:off x="1860105" y="5597719"/>
+            <a:ext cx="8471790" cy="561603"/>
+          </a:xfrm>
+        </p:spPr>
         <p:txBody>
           <a:bodyPr/>
           <a:lstStyle/>
           <a:p>
             <a:r>
               <a:rPr lang="ru-RU" dirty="0"/>
-              <a:t>Работа с </a:t>
-            </a:r>
-            <a:r>
-              <a:rPr lang="en-US" dirty="0"/>
-              <a:t>PDF-</a:t>
-            </a:r>
-            <a:r>
-              <a:rPr lang="ru-RU" dirty="0"/>
-              <a:t>файлами</a:t>
-            </a:r>
-          </a:p>
-        </p:txBody>
-      </p:sp>
-      <p:sp>
-        <p:nvSpPr>
-          <p:cNvPr id="7" name="Текст 6">
-            <a:extLst>
-              <a:ext uri="{FF2B5EF4-FFF2-40B4-BE49-F238E27FC236}">
-                <a16:creationId xmlns:a16="http://schemas.microsoft.com/office/drawing/2014/main" id="{30365AA0-D7D8-44C6-97ED-296E9E340B56}"/>
-              </a:ext>
-            </a:extLst>
-          </p:cNvPr>
-          <p:cNvSpPr>
-            <a:spLocks noGrp="1"/>
-          </p:cNvSpPr>
-          <p:nvPr>
-            <p:ph type="body" sz="quarter" idx="13"/>
-          </p:nvPr>
-        </p:nvSpPr>
-        <p:spPr/>
-        <p:txBody>
-          <a:bodyPr/>
-          <a:lstStyle/>
-          <a:p>
-            <a:r>
-              <a:rPr lang="ru-RU" dirty="0"/>
-              <a:t>Процесс индексации</a:t>
-            </a:r>
-          </a:p>
-          <a:p>
-            <a:pPr lvl="1"/>
-            <a:r>
-              <a:rPr lang="ru-RU" dirty="0"/>
-              <a:t>Система загружает PDF-файлы и разбивает их на логические фрагменты в реальном времени. Для восстановления макета документа используется CRF-модель, обученная на разметке научных статей. </a:t>
-            </a:r>
-          </a:p>
-          <a:p>
-            <a:r>
-              <a:rPr lang="ru-RU" dirty="0"/>
-              <a:t>Скорость работы</a:t>
-            </a:r>
-          </a:p>
-          <a:p>
-            <a:pPr lvl="1"/>
-            <a:r>
-              <a:rPr lang="ru-RU" dirty="0"/>
-              <a:t>Книга </a:t>
-            </a:r>
-            <a:r>
-              <a:rPr lang="en-US" dirty="0"/>
-              <a:t>“Deep Learning” (Goodfellow et al., ~</a:t>
-            </a:r>
-            <a:r>
-              <a:rPr lang="ru-RU" dirty="0"/>
-              <a:t>800 страниц</a:t>
-            </a:r>
-            <a:r>
-              <a:rPr lang="en-US" dirty="0"/>
-              <a:t>)</a:t>
-            </a:r>
-            <a:r>
-              <a:rPr lang="ru-RU" dirty="0"/>
-              <a:t> индексируется за</a:t>
-            </a:r>
-            <a:r>
-              <a:rPr lang="en-US" dirty="0"/>
-              <a:t> ~7 </a:t>
-            </a:r>
-            <a:r>
-              <a:rPr lang="ru-RU" dirty="0"/>
-              <a:t>минут</a:t>
-            </a:r>
-          </a:p>
-          <a:p>
-            <a:pPr lvl="1"/>
-            <a:r>
-              <a:rPr lang="ru-RU" dirty="0"/>
-              <a:t>Научная статья (15 стр.) индексируется за </a:t>
-            </a:r>
-            <a:r>
-              <a:rPr lang="en-US" dirty="0"/>
-              <a:t>~2 </a:t>
-            </a:r>
-            <a:r>
-              <a:rPr lang="ru-RU" dirty="0"/>
-              <a:t>секунды</a:t>
-            </a:r>
-          </a:p>
-          <a:p>
-            <a:pPr lvl="1"/>
-            <a:r>
-              <a:rPr lang="ru-RU" dirty="0"/>
-              <a:t>Система оптимизирована для работы в интерактивном режиме</a:t>
-            </a:r>
-            <a:r>
-              <a:rPr lang="en-US" dirty="0"/>
-              <a:t>: </a:t>
-            </a:r>
-            <a:r>
-              <a:rPr lang="ru-RU" dirty="0"/>
-              <a:t>индексация начинается сразу после загрузки документа</a:t>
-            </a:r>
-          </a:p>
-        </p:txBody>
-      </p:sp>
+              <a:t>Схема работы этапа индексации </a:t>
+            </a:r>
+          </a:p>
+        </p:txBody>
+      </p:sp>
+      <p:pic>
+        <p:nvPicPr>
+          <p:cNvPr id="11" name="Объект 10">
+            <a:extLst>
+              <a:ext uri="{FF2B5EF4-FFF2-40B4-BE49-F238E27FC236}">
+                <a16:creationId xmlns:a16="http://schemas.microsoft.com/office/drawing/2014/main" id="{5644C83C-8AA8-4B80-8F82-F14FFFA0178E}"/>
+              </a:ext>
+            </a:extLst>
+          </p:cNvPr>
+          <p:cNvPicPr>
+            <a:picLocks noGrp="1" noChangeAspect="1"/>
+          </p:cNvPicPr>
+          <p:nvPr>
+            <p:ph sz="quarter" idx="15"/>
+          </p:nvPr>
+        </p:nvPicPr>
+        <p:blipFill>
+          <a:blip r:embed="rId2"/>
+          <a:stretch>
+            <a:fillRect/>
+          </a:stretch>
+        </p:blipFill>
+        <p:spPr>
+          <a:xfrm>
+            <a:off x="4130415" y="403225"/>
+            <a:ext cx="3931169" cy="5194300"/>
+          </a:xfrm>
+        </p:spPr>
+      </p:pic>
     </p:spTree>
     <p:extLst>
       <p:ext uri="{BB962C8B-B14F-4D97-AF65-F5344CB8AC3E}">
-        <p14:creationId xmlns:p14="http://schemas.microsoft.com/office/powerpoint/2010/main" val="4257535218"/>
+        <p14:creationId xmlns:p14="http://schemas.microsoft.com/office/powerpoint/2010/main" val="1453366708"/>
       </p:ext>
     </p:extLst>
   </p:cSld>
@@ -7410,12 +8423,7 @@
             <p:ph type="sldNum" sz="quarter" idx="12"/>
           </p:nvPr>
         </p:nvSpPr>
-        <p:spPr>
-          <a:xfrm>
-            <a:off x="131618" y="6356350"/>
-            <a:ext cx="459509" cy="365125"/>
-          </a:xfrm>
-        </p:spPr>
+        <p:spPr/>
         <p:txBody>
           <a:bodyPr/>
           <a:lstStyle/>
@@ -7445,12 +8453,7 @@
             <p:ph type="title"/>
           </p:nvPr>
         </p:nvSpPr>
-        <p:spPr>
-          <a:xfrm>
-            <a:off x="718457" y="0"/>
-            <a:ext cx="10755088" cy="1520890"/>
-          </a:xfrm>
-        </p:spPr>
+        <p:spPr/>
         <p:txBody>
           <a:bodyPr/>
           <a:lstStyle/>
@@ -7478,34 +8481,37 @@
             <p:ph type="body" sz="quarter" idx="13"/>
           </p:nvPr>
         </p:nvSpPr>
-        <p:spPr>
-          <a:xfrm>
-            <a:off x="718456" y="1520890"/>
-            <a:ext cx="10755088" cy="4835460"/>
-          </a:xfrm>
-        </p:spPr>
+        <p:spPr/>
         <p:txBody>
           <a:bodyPr/>
           <a:lstStyle/>
           <a:p>
             <a:r>
-              <a:rPr lang="en-US" dirty="0"/>
-              <a:t>FRAMES</a:t>
-            </a:r>
-            <a:endParaRPr lang="ru-RU" dirty="0"/>
-          </a:p>
-          <a:p>
-            <a:pPr lvl="1"/>
-            <a:r>
               <a:rPr lang="ru-RU" dirty="0" err="1"/>
               <a:t>Датасет</a:t>
             </a:r>
             <a:r>
+              <a:rPr lang="en-US" dirty="0"/>
+              <a:t>: FRAMES</a:t>
+            </a:r>
+            <a:endParaRPr lang="ru-RU" dirty="0"/>
+          </a:p>
+          <a:p>
+            <a:pPr lvl="1"/>
+            <a:r>
               <a:rPr lang="ru-RU" dirty="0"/>
-              <a:t> для задач вопросно-ответного поиска (QA) на научных статьях в области обработки естественного языка (NLP). Он включает 5,049 вопросов, относящихся к 1,585 научным статьям по NLP. </a:t>
-            </a:r>
-          </a:p>
-          <a:p>
+              <a:t>Содержит 824 вопроса, требующих информации из 2-15 статей из Wikipedia. Для каждого вопроса представлен эталонный ответ, а также список релевантных статей из Wikipedia</a:t>
+            </a:r>
+          </a:p>
+          <a:p>
+            <a:r>
+              <a:rPr lang="ru-RU" dirty="0"/>
+              <a:t>Метрики</a:t>
+            </a:r>
+            <a:r>
+              <a:rPr lang="en-US" dirty="0"/>
+              <a:t>: </a:t>
+            </a:r>
             <a:r>
               <a:rPr lang="ru-RU" dirty="0"/>
               <a:t>RAGAS</a:t>
@@ -7517,9 +8523,27 @@
               <a:rPr lang="ru-RU" dirty="0"/>
               <a:t>Использованы метрики </a:t>
             </a:r>
-          </a:p>
-          <a:p>
-            <a:endParaRPr lang="ru-RU" dirty="0"/>
+            <a:r>
+              <a:rPr lang="en-US" dirty="0"/>
+              <a:t>LLM-as-Judge </a:t>
+            </a:r>
+            <a:r>
+              <a:rPr lang="ru-RU" dirty="0"/>
+              <a:t>для оценки качества генерации, а также релевантности найденных для ответа фрагментов</a:t>
+            </a:r>
+          </a:p>
+          <a:p>
+            <a:r>
+              <a:rPr lang="ru-RU" dirty="0"/>
+              <a:t>Пилотное тестирование</a:t>
+            </a:r>
+          </a:p>
+          <a:p>
+            <a:pPr lvl="1"/>
+            <a:r>
+              <a:rPr lang="ru-RU" dirty="0"/>
+              <a:t>Приложение было развернуто и передано 6 студентам НГУ для сбора обратной связи о работе системы. Собрана обратная связь по качеству ответов, удобству интерфейса и скорости работы системы</a:t>
+            </a:r>
           </a:p>
         </p:txBody>
       </p:sp>

--- a/report_20.05/21930_Сыренный.pptx
+++ b/report_20.05/21930_Сыренный.pptx
@@ -5,10 +5,10 @@
     <p:sldMasterId id="2147483648" r:id="rId1"/>
   </p:sldMasterIdLst>
   <p:notesMasterIdLst>
-    <p:notesMasterId r:id="rId13"/>
+    <p:notesMasterId r:id="rId14"/>
   </p:notesMasterIdLst>
   <p:handoutMasterIdLst>
-    <p:handoutMasterId r:id="rId14"/>
+    <p:handoutMasterId r:id="rId15"/>
   </p:handoutMasterIdLst>
   <p:sldIdLst>
     <p:sldId id="258" r:id="rId2"/>
@@ -17,11 +17,12 @@
     <p:sldId id="297" r:id="rId5"/>
     <p:sldId id="295" r:id="rId6"/>
     <p:sldId id="296" r:id="rId7"/>
-    <p:sldId id="300" r:id="rId8"/>
-    <p:sldId id="301" r:id="rId9"/>
+    <p:sldId id="303" r:id="rId8"/>
+    <p:sldId id="304" r:id="rId9"/>
     <p:sldId id="291" r:id="rId10"/>
     <p:sldId id="298" r:id="rId11"/>
-    <p:sldId id="299" r:id="rId12"/>
+    <p:sldId id="302" r:id="rId12"/>
+    <p:sldId id="305" r:id="rId13"/>
   </p:sldIdLst>
   <p:sldSz cx="12192000" cy="6858000"/>
   <p:notesSz cx="6858000" cy="9144000"/>
@@ -131,11 +132,12 @@
             <p14:sldId id="297"/>
             <p14:sldId id="295"/>
             <p14:sldId id="296"/>
-            <p14:sldId id="300"/>
-            <p14:sldId id="301"/>
+            <p14:sldId id="303"/>
+            <p14:sldId id="304"/>
             <p14:sldId id="291"/>
             <p14:sldId id="298"/>
-            <p14:sldId id="299"/>
+            <p14:sldId id="302"/>
+            <p14:sldId id="305"/>
           </p14:sldIdLst>
         </p14:section>
       </p14:sectionLst>
@@ -4344,8 +4346,8 @@
         </p:nvSpPr>
         <p:spPr>
           <a:xfrm>
-            <a:off x="718455" y="1520890"/>
-            <a:ext cx="10755088" cy="4835460"/>
+            <a:off x="718455" y="3649716"/>
+            <a:ext cx="10755088" cy="2706633"/>
           </a:xfrm>
           <a:ln>
             <a:solidFill>
@@ -4367,174 +4369,26 @@
           </a:p>
         </p:txBody>
       </p:sp>
-    </p:spTree>
-    <p:extLst>
-      <p:ext uri="{BB962C8B-B14F-4D97-AF65-F5344CB8AC3E}">
-        <p14:creationId xmlns:p14="http://schemas.microsoft.com/office/powerpoint/2010/main" val="21218119"/>
-      </p:ext>
-    </p:extLst>
-  </p:cSld>
-  <p:clrMapOvr>
-    <a:masterClrMapping/>
-  </p:clrMapOvr>
-</p:sldLayout>
-</file>
-
-<file path=ppt/slideLayouts/slideLayout8.xml><?xml version="1.0" encoding="utf-8"?>
-<p:sldLayout xmlns:a="http://schemas.openxmlformats.org/drawingml/2006/main" xmlns:r="http://schemas.openxmlformats.org/officeDocument/2006/relationships" xmlns:p="http://schemas.openxmlformats.org/presentationml/2006/main" preserve="1" userDrawn="1">
-  <p:cSld name="Стандартный">
-    <p:spTree>
-      <p:nvGrpSpPr>
-        <p:cNvPr id="1" name=""/>
-        <p:cNvGrpSpPr/>
-        <p:nvPr/>
-      </p:nvGrpSpPr>
-      <p:grpSpPr>
-        <a:xfrm>
-          <a:off x="0" y="0"/>
-          <a:ext cx="0" cy="0"/>
-          <a:chOff x="0" y="0"/>
-          <a:chExt cx="0" cy="0"/>
-        </a:xfrm>
-      </p:grpSpPr>
-      <p:sp>
-        <p:nvSpPr>
-          <p:cNvPr id="3" name="Нижний колонтитул 2">
-            <a:extLst>
-              <a:ext uri="{FF2B5EF4-FFF2-40B4-BE49-F238E27FC236}">
-                <a16:creationId xmlns:a16="http://schemas.microsoft.com/office/drawing/2014/main" id="{D6A0C8A1-7928-4113-8B3C-AD276F438A9E}"/>
-              </a:ext>
-            </a:extLst>
-          </p:cNvPr>
-          <p:cNvSpPr>
-            <a:spLocks noGrp="1"/>
-          </p:cNvSpPr>
-          <p:nvPr>
-            <p:ph type="ftr" sz="quarter" idx="11"/>
-          </p:nvPr>
-        </p:nvSpPr>
-        <p:spPr/>
-        <p:txBody>
-          <a:bodyPr/>
-          <a:lstStyle>
-            <a:lvl1pPr>
-              <a:defRPr>
-                <a:latin typeface="+mj-lt"/>
-              </a:defRPr>
-            </a:lvl1pPr>
-          </a:lstStyle>
-          <a:p>
-            <a:endParaRPr lang="ru-RU" dirty="0"/>
-          </a:p>
-        </p:txBody>
-      </p:sp>
-      <p:sp>
-        <p:nvSpPr>
-          <p:cNvPr id="4" name="Номер слайда 3">
-            <a:extLst>
-              <a:ext uri="{FF2B5EF4-FFF2-40B4-BE49-F238E27FC236}">
-                <a16:creationId xmlns:a16="http://schemas.microsoft.com/office/drawing/2014/main" id="{A659E81C-8F3C-4CBD-BFDE-2F278A95EC17}"/>
-              </a:ext>
-            </a:extLst>
-          </p:cNvPr>
-          <p:cNvSpPr>
-            <a:spLocks noGrp="1"/>
-          </p:cNvSpPr>
-          <p:nvPr>
-            <p:ph type="sldNum" sz="quarter" idx="12"/>
-          </p:nvPr>
-        </p:nvSpPr>
-        <p:spPr>
-          <a:xfrm>
-            <a:off x="131618" y="6356350"/>
-            <a:ext cx="459509" cy="365125"/>
-          </a:xfrm>
-        </p:spPr>
-        <p:txBody>
-          <a:bodyPr/>
-          <a:lstStyle>
-            <a:lvl1pPr>
-              <a:defRPr sz="1400">
-                <a:solidFill>
-                  <a:schemeClr val="tx1"/>
-                </a:solidFill>
-                <a:latin typeface="Times New Roman" panose="02020603050405020304" pitchFamily="18" charset="0"/>
-                <a:cs typeface="Times New Roman" panose="02020603050405020304" pitchFamily="18" charset="0"/>
-              </a:defRPr>
-            </a:lvl1pPr>
-          </a:lstStyle>
-          <a:p>
-            <a:fld id="{252DB28E-DCFC-49D3-A30D-8262F7022753}" type="slidenum">
-              <a:rPr lang="ru-RU" smtClean="0"/>
-              <a:pPr/>
-              <a:t>‹#›</a:t>
-            </a:fld>
-            <a:endParaRPr lang="ru-RU" dirty="0"/>
-          </a:p>
-        </p:txBody>
-      </p:sp>
-      <p:sp>
-        <p:nvSpPr>
-          <p:cNvPr id="2" name="Заголовок 1">
-            <a:extLst>
-              <a:ext uri="{FF2B5EF4-FFF2-40B4-BE49-F238E27FC236}">
-                <a16:creationId xmlns:a16="http://schemas.microsoft.com/office/drawing/2014/main" id="{5243E274-CE30-44F5-8112-17F8C12E7DBD}"/>
-              </a:ext>
-            </a:extLst>
-          </p:cNvPr>
-          <p:cNvSpPr>
-            <a:spLocks noGrp="1"/>
-          </p:cNvSpPr>
-          <p:nvPr>
-            <p:ph type="title"/>
-          </p:nvPr>
-        </p:nvSpPr>
-        <p:spPr>
-          <a:xfrm>
-            <a:off x="718457" y="0"/>
-            <a:ext cx="10755088" cy="1520890"/>
-          </a:xfrm>
-        </p:spPr>
-        <p:txBody>
-          <a:bodyPr>
-            <a:normAutofit/>
-          </a:bodyPr>
-          <a:lstStyle>
-            <a:lvl1pPr>
-              <a:lnSpc>
-                <a:spcPct val="130000"/>
-              </a:lnSpc>
-              <a:defRPr sz="3600"/>
-            </a:lvl1pPr>
-          </a:lstStyle>
-          <a:p>
-            <a:r>
-              <a:rPr lang="ru-RU" dirty="0"/>
-              <a:t>Образец заголовка</a:t>
-            </a:r>
-          </a:p>
-        </p:txBody>
-      </p:sp>
-      <p:sp>
-        <p:nvSpPr>
-          <p:cNvPr id="8" name="Текст 7">
-            <a:extLst>
-              <a:ext uri="{FF2B5EF4-FFF2-40B4-BE49-F238E27FC236}">
-                <a16:creationId xmlns:a16="http://schemas.microsoft.com/office/drawing/2014/main" id="{F376B999-296B-4AA6-A7E9-C1B23D026D03}"/>
-              </a:ext>
-            </a:extLst>
-          </p:cNvPr>
-          <p:cNvSpPr>
-            <a:spLocks noGrp="1"/>
-          </p:cNvSpPr>
-          <p:nvPr>
-            <p:ph type="body" sz="quarter" idx="13"/>
+      <p:sp>
+        <p:nvSpPr>
+          <p:cNvPr id="10" name="Текст 7">
+            <a:extLst>
+              <a:ext uri="{FF2B5EF4-FFF2-40B4-BE49-F238E27FC236}">
+                <a16:creationId xmlns:a16="http://schemas.microsoft.com/office/drawing/2014/main" id="{E9524B86-F0BA-42CE-9084-639D5A1456A6}"/>
+              </a:ext>
+            </a:extLst>
+          </p:cNvPr>
+          <p:cNvSpPr>
+            <a:spLocks noGrp="1"/>
+          </p:cNvSpPr>
+          <p:nvPr>
+            <p:ph type="body" sz="quarter" idx="14"/>
           </p:nvPr>
         </p:nvSpPr>
         <p:spPr>
           <a:xfrm>
             <a:off x="718456" y="1520890"/>
-            <a:ext cx="10755088" cy="4835460"/>
+            <a:ext cx="10695778" cy="2128825"/>
           </a:xfrm>
         </p:spPr>
         <p:txBody>
@@ -4592,6 +4446,234 @@
               <a:rPr lang="ru-RU" dirty="0"/>
               <a:t>Второй уровень</a:t>
             </a:r>
+          </a:p>
+        </p:txBody>
+      </p:sp>
+    </p:spTree>
+    <p:extLst>
+      <p:ext uri="{BB962C8B-B14F-4D97-AF65-F5344CB8AC3E}">
+        <p14:creationId xmlns:p14="http://schemas.microsoft.com/office/powerpoint/2010/main" val="21218119"/>
+      </p:ext>
+    </p:extLst>
+  </p:cSld>
+  <p:clrMapOvr>
+    <a:masterClrMapping/>
+  </p:clrMapOvr>
+</p:sldLayout>
+</file>
+
+<file path=ppt/slideLayouts/slideLayout8.xml><?xml version="1.0" encoding="utf-8"?>
+<p:sldLayout xmlns:a="http://schemas.openxmlformats.org/drawingml/2006/main" xmlns:r="http://schemas.openxmlformats.org/officeDocument/2006/relationships" xmlns:p="http://schemas.openxmlformats.org/presentationml/2006/main" preserve="1" userDrawn="1">
+  <p:cSld name="Стандартный">
+    <p:spTree>
+      <p:nvGrpSpPr>
+        <p:cNvPr id="1" name=""/>
+        <p:cNvGrpSpPr/>
+        <p:nvPr/>
+      </p:nvGrpSpPr>
+      <p:grpSpPr>
+        <a:xfrm>
+          <a:off x="0" y="0"/>
+          <a:ext cx="0" cy="0"/>
+          <a:chOff x="0" y="0"/>
+          <a:chExt cx="0" cy="0"/>
+        </a:xfrm>
+      </p:grpSpPr>
+      <p:sp>
+        <p:nvSpPr>
+          <p:cNvPr id="3" name="Нижний колонтитул 2">
+            <a:extLst>
+              <a:ext uri="{FF2B5EF4-FFF2-40B4-BE49-F238E27FC236}">
+                <a16:creationId xmlns:a16="http://schemas.microsoft.com/office/drawing/2014/main" id="{D6A0C8A1-7928-4113-8B3C-AD276F438A9E}"/>
+              </a:ext>
+            </a:extLst>
+          </p:cNvPr>
+          <p:cNvSpPr>
+            <a:spLocks noGrp="1"/>
+          </p:cNvSpPr>
+          <p:nvPr>
+            <p:ph type="ftr" sz="quarter" idx="11"/>
+          </p:nvPr>
+        </p:nvSpPr>
+        <p:spPr/>
+        <p:txBody>
+          <a:bodyPr/>
+          <a:lstStyle>
+            <a:lvl1pPr>
+              <a:defRPr>
+                <a:latin typeface="+mj-lt"/>
+              </a:defRPr>
+            </a:lvl1pPr>
+          </a:lstStyle>
+          <a:p>
+            <a:endParaRPr lang="ru-RU" dirty="0"/>
+          </a:p>
+        </p:txBody>
+      </p:sp>
+      <p:sp>
+        <p:nvSpPr>
+          <p:cNvPr id="2" name="Заголовок 1">
+            <a:extLst>
+              <a:ext uri="{FF2B5EF4-FFF2-40B4-BE49-F238E27FC236}">
+                <a16:creationId xmlns:a16="http://schemas.microsoft.com/office/drawing/2014/main" id="{5243E274-CE30-44F5-8112-17F8C12E7DBD}"/>
+              </a:ext>
+            </a:extLst>
+          </p:cNvPr>
+          <p:cNvSpPr>
+            <a:spLocks noGrp="1"/>
+          </p:cNvSpPr>
+          <p:nvPr>
+            <p:ph type="title"/>
+          </p:nvPr>
+        </p:nvSpPr>
+        <p:spPr>
+          <a:xfrm>
+            <a:off x="718457" y="0"/>
+            <a:ext cx="10755088" cy="1520890"/>
+          </a:xfrm>
+        </p:spPr>
+        <p:txBody>
+          <a:bodyPr>
+            <a:normAutofit/>
+          </a:bodyPr>
+          <a:lstStyle>
+            <a:lvl1pPr>
+              <a:lnSpc>
+                <a:spcPct val="130000"/>
+              </a:lnSpc>
+              <a:defRPr sz="3600"/>
+            </a:lvl1pPr>
+          </a:lstStyle>
+          <a:p>
+            <a:r>
+              <a:rPr lang="ru-RU" dirty="0"/>
+              <a:t>Образец заголовка</a:t>
+            </a:r>
+          </a:p>
+        </p:txBody>
+      </p:sp>
+      <p:sp>
+        <p:nvSpPr>
+          <p:cNvPr id="8" name="Текст 7">
+            <a:extLst>
+              <a:ext uri="{FF2B5EF4-FFF2-40B4-BE49-F238E27FC236}">
+                <a16:creationId xmlns:a16="http://schemas.microsoft.com/office/drawing/2014/main" id="{F376B999-296B-4AA6-A7E9-C1B23D026D03}"/>
+              </a:ext>
+            </a:extLst>
+          </p:cNvPr>
+          <p:cNvSpPr>
+            <a:spLocks noGrp="1"/>
+          </p:cNvSpPr>
+          <p:nvPr>
+            <p:ph type="body" sz="quarter" idx="13"/>
+          </p:nvPr>
+        </p:nvSpPr>
+        <p:spPr>
+          <a:xfrm>
+            <a:off x="718456" y="1520890"/>
+            <a:ext cx="10755088" cy="4604013"/>
+          </a:xfrm>
+        </p:spPr>
+        <p:txBody>
+          <a:bodyPr/>
+          <a:lstStyle>
+            <a:lvl1pPr marL="0" indent="0">
+              <a:lnSpc>
+                <a:spcPct val="114000"/>
+              </a:lnSpc>
+              <a:spcAft>
+                <a:spcPts val="600"/>
+              </a:spcAft>
+              <a:buFontTx/>
+              <a:buNone/>
+              <a:defRPr sz="2400" b="0">
+                <a:latin typeface="+mj-lt"/>
+              </a:defRPr>
+            </a:lvl1pPr>
+            <a:lvl2pPr marL="457200" indent="0">
+              <a:lnSpc>
+                <a:spcPct val="130000"/>
+              </a:lnSpc>
+              <a:buFontTx/>
+              <a:buNone/>
+              <a:defRPr sz="2000">
+                <a:latin typeface="+mj-lt"/>
+              </a:defRPr>
+            </a:lvl2pPr>
+            <a:lvl3pPr>
+              <a:defRPr>
+                <a:latin typeface="+mj-lt"/>
+              </a:defRPr>
+            </a:lvl3pPr>
+            <a:lvl4pPr>
+              <a:defRPr>
+                <a:latin typeface="+mj-lt"/>
+              </a:defRPr>
+            </a:lvl4pPr>
+            <a:lvl5pPr>
+              <a:defRPr>
+                <a:latin typeface="+mj-lt"/>
+              </a:defRPr>
+            </a:lvl5pPr>
+          </a:lstStyle>
+          <a:p>
+            <a:pPr lvl="0"/>
+            <a:r>
+              <a:rPr lang="ru-RU" dirty="0"/>
+              <a:t>Образец текста</a:t>
+            </a:r>
+          </a:p>
+          <a:p>
+            <a:pPr lvl="1"/>
+            <a:r>
+              <a:rPr lang="ru-RU" dirty="0"/>
+              <a:t>Второй уровень</a:t>
+            </a:r>
+          </a:p>
+        </p:txBody>
+      </p:sp>
+      <p:sp>
+        <p:nvSpPr>
+          <p:cNvPr id="4" name="Номер слайда 3">
+            <a:extLst>
+              <a:ext uri="{FF2B5EF4-FFF2-40B4-BE49-F238E27FC236}">
+                <a16:creationId xmlns:a16="http://schemas.microsoft.com/office/drawing/2014/main" id="{A659E81C-8F3C-4CBD-BFDE-2F278A95EC17}"/>
+              </a:ext>
+            </a:extLst>
+          </p:cNvPr>
+          <p:cNvSpPr>
+            <a:spLocks noGrp="1"/>
+          </p:cNvSpPr>
+          <p:nvPr>
+            <p:ph type="sldNum" sz="quarter" idx="12"/>
+          </p:nvPr>
+        </p:nvSpPr>
+        <p:spPr>
+          <a:xfrm>
+            <a:off x="131618" y="6356350"/>
+            <a:ext cx="459509" cy="365125"/>
+          </a:xfrm>
+        </p:spPr>
+        <p:txBody>
+          <a:bodyPr/>
+          <a:lstStyle>
+            <a:lvl1pPr>
+              <a:defRPr sz="1400">
+                <a:solidFill>
+                  <a:schemeClr val="tx1"/>
+                </a:solidFill>
+                <a:latin typeface="Times New Roman" panose="02020603050405020304" pitchFamily="18" charset="0"/>
+                <a:cs typeface="Times New Roman" panose="02020603050405020304" pitchFamily="18" charset="0"/>
+              </a:defRPr>
+            </a:lvl1pPr>
+          </a:lstStyle>
+          <a:p>
+            <a:fld id="{252DB28E-DCFC-49D3-A30D-8262F7022753}" type="slidenum">
+              <a:rPr lang="ru-RU" smtClean="0"/>
+              <a:pPr/>
+              <a:t>‹#›</a:t>
+            </a:fld>
+            <a:endParaRPr lang="ru-RU" dirty="0"/>
           </a:p>
         </p:txBody>
       </p:sp>
@@ -5909,7 +5991,12 @@
             <p:ph type="sldNum" sz="quarter" idx="12"/>
           </p:nvPr>
         </p:nvSpPr>
-        <p:spPr/>
+        <p:spPr>
+          <a:xfrm>
+            <a:off x="131618" y="6356350"/>
+            <a:ext cx="459509" cy="365125"/>
+          </a:xfrm>
+        </p:spPr>
         <p:txBody>
           <a:bodyPr/>
           <a:lstStyle/>
@@ -5939,16 +6026,20 @@
             <p:ph type="title"/>
           </p:nvPr>
         </p:nvSpPr>
-        <p:spPr/>
+        <p:spPr>
+          <a:xfrm>
+            <a:off x="718457" y="0"/>
+            <a:ext cx="10755088" cy="1520890"/>
+          </a:xfrm>
+        </p:spPr>
         <p:txBody>
           <a:bodyPr/>
           <a:lstStyle/>
           <a:p>
             <a:r>
-              <a:rPr lang="ru-RU"/>
-              <a:t>Метрики разных конфигураций</a:t>
-            </a:r>
-            <a:endParaRPr lang="ru-RU" dirty="0"/>
+              <a:rPr lang="ru-RU" dirty="0"/>
+              <a:t>Метрики системы</a:t>
+            </a:r>
           </a:p>
         </p:txBody>
       </p:sp>
@@ -5968,14 +6059,14 @@
             <p:ph type="tbl" sz="quarter" idx="13"/>
             <p:extLst>
               <p:ext uri="{D42A27DB-BD31-4B8C-83A1-F6EECF244321}">
-                <p14:modId xmlns:p14="http://schemas.microsoft.com/office/powerpoint/2010/main" val="2217195361"/>
+                <p14:modId xmlns:p14="http://schemas.microsoft.com/office/powerpoint/2010/main" val="2849071166"/>
               </p:ext>
             </p:extLst>
           </p:nvPr>
         </p:nvGraphicFramePr>
         <p:xfrm>
-          <a:off x="719138" y="1520825"/>
-          <a:ext cx="10753724" cy="3040700"/>
+          <a:off x="719138" y="3649663"/>
+          <a:ext cx="10753724" cy="1981200"/>
         </p:xfrm>
         <a:graphic>
           <a:graphicData uri="http://schemas.openxmlformats.org/drawingml/2006/table">
@@ -6021,7 +6112,7 @@
                     <a:p>
                       <a:pPr>
                         <a:lnSpc>
-                          <a:spcPct val="200000"/>
+                          <a:spcPct val="100000"/>
                         </a:lnSpc>
                       </a:pPr>
                       <a:r>
@@ -6078,7 +6169,7 @@
                     <a:p>
                       <a:pPr>
                         <a:lnSpc>
-                          <a:spcPct val="200000"/>
+                          <a:spcPct val="100000"/>
                         </a:lnSpc>
                       </a:pPr>
                       <a:r>
@@ -6138,7 +6229,7 @@
                     <a:p>
                       <a:pPr>
                         <a:lnSpc>
-                          <a:spcPct val="200000"/>
+                          <a:spcPct val="100000"/>
                         </a:lnSpc>
                       </a:pPr>
                       <a:r>
@@ -6198,7 +6289,7 @@
                     <a:p>
                       <a:pPr>
                         <a:lnSpc>
-                          <a:spcPct val="200000"/>
+                          <a:spcPct val="100000"/>
                         </a:lnSpc>
                       </a:pPr>
                       <a:r>
@@ -6265,7 +6356,7 @@
                     <a:p>
                       <a:pPr>
                         <a:lnSpc>
-                          <a:spcPct val="200000"/>
+                          <a:spcPct val="100000"/>
                         </a:lnSpc>
                       </a:pPr>
                       <a:r>
@@ -6322,7 +6413,7 @@
                     <a:p>
                       <a:pPr>
                         <a:lnSpc>
-                          <a:spcPct val="200000"/>
+                          <a:spcPct val="100000"/>
                         </a:lnSpc>
                       </a:pPr>
                       <a:r>
@@ -6382,7 +6473,7 @@
                     <a:p>
                       <a:pPr>
                         <a:lnSpc>
-                          <a:spcPct val="200000"/>
+                          <a:spcPct val="100000"/>
                         </a:lnSpc>
                       </a:pPr>
                       <a:r>
@@ -6442,7 +6533,7 @@
                     <a:p>
                       <a:pPr>
                         <a:lnSpc>
-                          <a:spcPct val="200000"/>
+                          <a:spcPct val="100000"/>
                         </a:lnSpc>
                       </a:pPr>
                       <a:r>
@@ -6509,7 +6600,7 @@
                     <a:p>
                       <a:pPr>
                         <a:lnSpc>
-                          <a:spcPct val="200000"/>
+                          <a:spcPct val="100000"/>
                         </a:lnSpc>
                       </a:pPr>
                       <a:r>
@@ -6566,7 +6657,7 @@
                     <a:p>
                       <a:pPr>
                         <a:lnSpc>
-                          <a:spcPct val="200000"/>
+                          <a:spcPct val="100000"/>
                         </a:lnSpc>
                       </a:pPr>
                       <a:r>
@@ -6626,7 +6717,7 @@
                     <a:p>
                       <a:pPr>
                         <a:lnSpc>
-                          <a:spcPct val="200000"/>
+                          <a:spcPct val="100000"/>
                         </a:lnSpc>
                       </a:pPr>
                       <a:r>
@@ -6686,7 +6777,7 @@
                     <a:p>
                       <a:pPr>
                         <a:lnSpc>
-                          <a:spcPct val="200000"/>
+                          <a:spcPct val="100000"/>
                         </a:lnSpc>
                       </a:pPr>
                       <a:r>
@@ -6753,7 +6844,7 @@
                     <a:p>
                       <a:pPr>
                         <a:lnSpc>
-                          <a:spcPct val="200000"/>
+                          <a:spcPct val="100000"/>
                         </a:lnSpc>
                       </a:pPr>
                       <a:r>
@@ -6810,7 +6901,7 @@
                     <a:p>
                       <a:pPr>
                         <a:lnSpc>
-                          <a:spcPct val="200000"/>
+                          <a:spcPct val="100000"/>
                         </a:lnSpc>
                       </a:pPr>
                       <a:r>
@@ -6870,7 +6961,7 @@
                     <a:p>
                       <a:pPr>
                         <a:lnSpc>
-                          <a:spcPct val="200000"/>
+                          <a:spcPct val="100000"/>
                         </a:lnSpc>
                       </a:pPr>
                       <a:r>
@@ -6930,7 +7021,7 @@
                     <a:p>
                       <a:pPr>
                         <a:lnSpc>
-                          <a:spcPct val="200000"/>
+                          <a:spcPct val="100000"/>
                         </a:lnSpc>
                       </a:pPr>
                       <a:r>
@@ -6997,7 +7088,7 @@
                     <a:p>
                       <a:pPr>
                         <a:lnSpc>
-                          <a:spcPct val="200000"/>
+                          <a:spcPct val="100000"/>
                         </a:lnSpc>
                       </a:pPr>
                       <a:r>
@@ -7054,7 +7145,7 @@
                     <a:p>
                       <a:pPr>
                         <a:lnSpc>
-                          <a:spcPct val="200000"/>
+                          <a:spcPct val="100000"/>
                         </a:lnSpc>
                       </a:pPr>
                       <a:r>
@@ -7114,7 +7205,7 @@
                     <a:p>
                       <a:pPr>
                         <a:lnSpc>
-                          <a:spcPct val="200000"/>
+                          <a:spcPct val="100000"/>
                         </a:lnSpc>
                       </a:pPr>
                       <a:r>
@@ -7174,7 +7265,7 @@
                     <a:p>
                       <a:pPr>
                         <a:lnSpc>
-                          <a:spcPct val="200000"/>
+                          <a:spcPct val="100000"/>
                         </a:lnSpc>
                       </a:pPr>
                       <a:r>
@@ -7237,6 +7328,88 @@
           </a:graphicData>
         </a:graphic>
       </p:graphicFrame>
+      <p:sp>
+        <p:nvSpPr>
+          <p:cNvPr id="7" name="Текст 6">
+            <a:extLst>
+              <a:ext uri="{FF2B5EF4-FFF2-40B4-BE49-F238E27FC236}">
+                <a16:creationId xmlns:a16="http://schemas.microsoft.com/office/drawing/2014/main" id="{7CE6A7ED-9E94-4CDC-BE04-DA230BE08198}"/>
+              </a:ext>
+            </a:extLst>
+          </p:cNvPr>
+          <p:cNvSpPr>
+            <a:spLocks noGrp="1"/>
+          </p:cNvSpPr>
+          <p:nvPr>
+            <p:ph type="body" sz="quarter" idx="14"/>
+          </p:nvPr>
+        </p:nvSpPr>
+        <p:spPr>
+          <a:xfrm>
+            <a:off x="718456" y="1520890"/>
+            <a:ext cx="10695778" cy="2128825"/>
+          </a:xfrm>
+        </p:spPr>
+        <p:txBody>
+          <a:bodyPr>
+            <a:normAutofit/>
+          </a:bodyPr>
+          <a:lstStyle/>
+          <a:p>
+            <a:r>
+              <a:rPr lang="ru-RU" dirty="0"/>
+              <a:t>Сравнение метрик на разных конфигурациях</a:t>
+            </a:r>
+          </a:p>
+          <a:p>
+            <a:pPr lvl="1"/>
+            <a:r>
+              <a:rPr lang="ru-RU" dirty="0"/>
+              <a:t>В таблице приведены метрики, рассчитанные на основе </a:t>
+            </a:r>
+            <a:r>
+              <a:rPr lang="ru-RU" dirty="0" err="1"/>
+              <a:t>датасета</a:t>
+            </a:r>
+            <a:r>
+              <a:rPr lang="ru-RU" dirty="0"/>
+              <a:t> </a:t>
+            </a:r>
+            <a:r>
+              <a:rPr lang="en-US" dirty="0"/>
+              <a:t>FRAMES </a:t>
+            </a:r>
+            <a:r>
+              <a:rPr lang="ru-RU" dirty="0"/>
+              <a:t>и метрик </a:t>
+            </a:r>
+            <a:r>
+              <a:rPr lang="en-US" dirty="0"/>
+              <a:t>LLM-as-Judge </a:t>
+            </a:r>
+            <a:r>
+              <a:rPr lang="ru-RU" dirty="0"/>
+              <a:t>из библиотеки </a:t>
+            </a:r>
+            <a:r>
+              <a:rPr lang="en-US" dirty="0"/>
+              <a:t>RAGAS. </a:t>
+            </a:r>
+            <a:r>
+              <a:rPr lang="ru-RU" dirty="0"/>
+              <a:t>Метрики рассчитаны на выборке из 50 вопросов и 330 статей из </a:t>
+            </a:r>
+            <a:r>
+              <a:rPr lang="en-US" dirty="0"/>
+              <a:t>Wikipedia</a:t>
+            </a:r>
+            <a:r>
+              <a:rPr lang="ru-RU" dirty="0"/>
+              <a:t>.</a:t>
+            </a:r>
+          </a:p>
+        </p:txBody>
+      </p:sp>
     </p:spTree>
     <p:extLst>
       <p:ext uri="{BB962C8B-B14F-4D97-AF65-F5344CB8AC3E}">
@@ -7269,56 +7442,1585 @@
       </p:grpSpPr>
       <p:sp>
         <p:nvSpPr>
-          <p:cNvPr id="4" name="Заголовок 3">
-            <a:extLst>
-              <a:ext uri="{FF2B5EF4-FFF2-40B4-BE49-F238E27FC236}">
-                <a16:creationId xmlns:a16="http://schemas.microsoft.com/office/drawing/2014/main" id="{06CC650A-FAE8-47EC-8E5F-91A349D574F9}"/>
-              </a:ext>
-            </a:extLst>
-          </p:cNvPr>
-          <p:cNvSpPr>
-            <a:spLocks noGrp="1"/>
-          </p:cNvSpPr>
-          <p:nvPr>
-            <p:ph type="title"/>
-          </p:nvPr>
-        </p:nvSpPr>
-        <p:spPr/>
+          <p:cNvPr id="2" name="Номер слайда 1">
+            <a:extLst>
+              <a:ext uri="{FF2B5EF4-FFF2-40B4-BE49-F238E27FC236}">
+                <a16:creationId xmlns:a16="http://schemas.microsoft.com/office/drawing/2014/main" id="{A064B2E0-43A4-48B7-9DAC-7654950086CF}"/>
+              </a:ext>
+            </a:extLst>
+          </p:cNvPr>
+          <p:cNvSpPr>
+            <a:spLocks noGrp="1"/>
+          </p:cNvSpPr>
+          <p:nvPr>
+            <p:ph type="sldNum" sz="quarter" idx="12"/>
+          </p:nvPr>
+        </p:nvSpPr>
+        <p:spPr>
+          <a:xfrm>
+            <a:off x="131618" y="6356350"/>
+            <a:ext cx="459509" cy="365125"/>
+          </a:xfrm>
+        </p:spPr>
         <p:txBody>
           <a:bodyPr/>
           <a:lstStyle/>
           <a:p>
-            <a:r>
-              <a:rPr lang="ru-RU" dirty="0"/>
-              <a:t>Выводы</a:t>
-            </a:r>
-          </a:p>
-        </p:txBody>
-      </p:sp>
-      <p:sp>
-        <p:nvSpPr>
-          <p:cNvPr id="5" name="Текст 4">
-            <a:extLst>
-              <a:ext uri="{FF2B5EF4-FFF2-40B4-BE49-F238E27FC236}">
-                <a16:creationId xmlns:a16="http://schemas.microsoft.com/office/drawing/2014/main" id="{B2B97F77-6173-445A-9CB3-1859FC89BE2E}"/>
-              </a:ext>
-            </a:extLst>
-          </p:cNvPr>
-          <p:cNvSpPr>
-            <a:spLocks noGrp="1"/>
-          </p:cNvSpPr>
-          <p:nvPr>
-            <p:ph type="body" sz="quarter" idx="13"/>
-          </p:nvPr>
-        </p:nvSpPr>
-        <p:spPr/>
+            <a:fld id="{252DB28E-DCFC-49D3-A30D-8262F7022753}" type="slidenum">
+              <a:rPr lang="ru-RU" smtClean="0"/>
+              <a:pPr/>
+              <a:t>11</a:t>
+            </a:fld>
+            <a:endParaRPr lang="ru-RU" dirty="0"/>
+          </a:p>
+        </p:txBody>
+      </p:sp>
+      <p:sp>
+        <p:nvSpPr>
+          <p:cNvPr id="3" name="Заголовок 2">
+            <a:extLst>
+              <a:ext uri="{FF2B5EF4-FFF2-40B4-BE49-F238E27FC236}">
+                <a16:creationId xmlns:a16="http://schemas.microsoft.com/office/drawing/2014/main" id="{7DBCD647-9B4B-46F7-93A4-02E2906668D3}"/>
+              </a:ext>
+            </a:extLst>
+          </p:cNvPr>
+          <p:cNvSpPr>
+            <a:spLocks noGrp="1"/>
+          </p:cNvSpPr>
+          <p:nvPr>
+            <p:ph type="title"/>
+          </p:nvPr>
+        </p:nvSpPr>
+        <p:spPr>
+          <a:xfrm>
+            <a:off x="718457" y="0"/>
+            <a:ext cx="10755088" cy="1520890"/>
+          </a:xfrm>
+        </p:spPr>
         <p:txBody>
           <a:bodyPr/>
           <a:lstStyle/>
           <a:p>
             <a:r>
               <a:rPr lang="ru-RU" dirty="0"/>
-              <a:t>В итоге получилась система, которая эффективно работает с большими PDF-документами и позволяет в реальном времени находить и формировать релевантные ответы на вопросы</a:t>
+              <a:t>Метрики пилотного тестирования</a:t>
+            </a:r>
+          </a:p>
+        </p:txBody>
+      </p:sp>
+      <p:graphicFrame>
+        <p:nvGraphicFramePr>
+          <p:cNvPr id="5" name="Таблица 5">
+            <a:extLst>
+              <a:ext uri="{FF2B5EF4-FFF2-40B4-BE49-F238E27FC236}">
+                <a16:creationId xmlns:a16="http://schemas.microsoft.com/office/drawing/2014/main" id="{94CB8578-A529-4C50-964A-67AF7925DA3D}"/>
+              </a:ext>
+            </a:extLst>
+          </p:cNvPr>
+          <p:cNvGraphicFramePr>
+            <a:graphicFrameLocks noGrp="1"/>
+          </p:cNvGraphicFramePr>
+          <p:nvPr>
+            <p:ph type="tbl" sz="quarter" idx="13"/>
+            <p:extLst>
+              <p:ext uri="{D42A27DB-BD31-4B8C-83A1-F6EECF244321}">
+                <p14:modId xmlns:p14="http://schemas.microsoft.com/office/powerpoint/2010/main" val="1669800243"/>
+              </p:ext>
+            </p:extLst>
+          </p:nvPr>
+        </p:nvGraphicFramePr>
+        <p:xfrm>
+          <a:off x="719138" y="3649663"/>
+          <a:ext cx="10753724" cy="2377440"/>
+        </p:xfrm>
+        <a:graphic>
+          <a:graphicData uri="http://schemas.openxmlformats.org/drawingml/2006/table">
+            <a:tbl>
+              <a:tblPr firstRow="1" bandRow="1">
+                <a:tableStyleId>{2D5ABB26-0587-4C30-8999-92F81FD0307C}</a:tableStyleId>
+              </a:tblPr>
+              <a:tblGrid>
+                <a:gridCol w="2688431">
+                  <a:extLst>
+                    <a:ext uri="{9D8B030D-6E8A-4147-A177-3AD203B41FA5}">
+                      <a16:colId xmlns:a16="http://schemas.microsoft.com/office/drawing/2014/main" val="374250688"/>
+                    </a:ext>
+                  </a:extLst>
+                </a:gridCol>
+                <a:gridCol w="2688431">
+                  <a:extLst>
+                    <a:ext uri="{9D8B030D-6E8A-4147-A177-3AD203B41FA5}">
+                      <a16:colId xmlns:a16="http://schemas.microsoft.com/office/drawing/2014/main" val="1151963721"/>
+                    </a:ext>
+                  </a:extLst>
+                </a:gridCol>
+                <a:gridCol w="2688431">
+                  <a:extLst>
+                    <a:ext uri="{9D8B030D-6E8A-4147-A177-3AD203B41FA5}">
+                      <a16:colId xmlns:a16="http://schemas.microsoft.com/office/drawing/2014/main" val="1947442447"/>
+                    </a:ext>
+                  </a:extLst>
+                </a:gridCol>
+                <a:gridCol w="2688431">
+                  <a:extLst>
+                    <a:ext uri="{9D8B030D-6E8A-4147-A177-3AD203B41FA5}">
+                      <a16:colId xmlns:a16="http://schemas.microsoft.com/office/drawing/2014/main" val="936572101"/>
+                    </a:ext>
+                  </a:extLst>
+                </a:gridCol>
+              </a:tblGrid>
+              <a:tr h="370840">
+                <a:tc>
+                  <a:txBody>
+                    <a:bodyPr/>
+                    <a:lstStyle/>
+                    <a:p>
+                      <a:pPr>
+                        <a:lnSpc>
+                          <a:spcPct val="100000"/>
+                        </a:lnSpc>
+                      </a:pPr>
+                      <a:r>
+                        <a:rPr lang="ru-RU" sz="2000" dirty="0">
+                          <a:latin typeface="+mj-lt"/>
+                        </a:rPr>
+                        <a:t>Аспект приложения</a:t>
+                      </a:r>
+                    </a:p>
+                  </a:txBody>
+                  <a:tcPr>
+                    <a:lnL w="12700" cap="flat" cmpd="sng" algn="ctr">
+                      <a:solidFill>
+                        <a:schemeClr val="tx1"/>
+                      </a:solidFill>
+                      <a:prstDash val="solid"/>
+                      <a:round/>
+                      <a:headEnd type="none" w="med" len="med"/>
+                      <a:tailEnd type="none" w="med" len="med"/>
+                    </a:lnL>
+                    <a:lnR w="12700" cap="flat" cmpd="sng" algn="ctr">
+                      <a:solidFill>
+                        <a:schemeClr val="tx1"/>
+                      </a:solidFill>
+                      <a:prstDash val="solid"/>
+                      <a:round/>
+                      <a:headEnd type="none" w="med" len="med"/>
+                      <a:tailEnd type="none" w="med" len="med"/>
+                    </a:lnR>
+                    <a:lnT w="12700" cap="flat" cmpd="sng" algn="ctr">
+                      <a:solidFill>
+                        <a:schemeClr val="tx1"/>
+                      </a:solidFill>
+                      <a:prstDash val="solid"/>
+                      <a:round/>
+                      <a:headEnd type="none" w="med" len="med"/>
+                      <a:tailEnd type="none" w="med" len="med"/>
+                    </a:lnT>
+                    <a:lnB w="12700" cap="flat" cmpd="sng" algn="ctr">
+                      <a:solidFill>
+                        <a:schemeClr val="tx1"/>
+                      </a:solidFill>
+                      <a:prstDash val="solid"/>
+                      <a:round/>
+                      <a:headEnd type="none" w="med" len="med"/>
+                      <a:tailEnd type="none" w="med" len="med"/>
+                    </a:lnB>
+                  </a:tcPr>
+                </a:tc>
+                <a:tc>
+                  <a:txBody>
+                    <a:bodyPr/>
+                    <a:lstStyle/>
+                    <a:p>
+                      <a:pPr>
+                        <a:lnSpc>
+                          <a:spcPct val="100000"/>
+                        </a:lnSpc>
+                      </a:pPr>
+                      <a:r>
+                        <a:rPr lang="ru-RU" sz="2000" dirty="0">
+                          <a:latin typeface="+mj-lt"/>
+                        </a:rPr>
+                        <a:t>Среднее</a:t>
+                      </a:r>
+                    </a:p>
+                  </a:txBody>
+                  <a:tcPr>
+                    <a:lnL w="12700" cap="flat" cmpd="sng" algn="ctr">
+                      <a:solidFill>
+                        <a:schemeClr val="tx1"/>
+                      </a:solidFill>
+                      <a:prstDash val="solid"/>
+                      <a:round/>
+                      <a:headEnd type="none" w="med" len="med"/>
+                      <a:tailEnd type="none" w="med" len="med"/>
+                    </a:lnL>
+                    <a:lnR w="12700" cap="flat" cmpd="sng" algn="ctr">
+                      <a:solidFill>
+                        <a:schemeClr val="tx1"/>
+                      </a:solidFill>
+                      <a:prstDash val="solid"/>
+                      <a:round/>
+                      <a:headEnd type="none" w="med" len="med"/>
+                      <a:tailEnd type="none" w="med" len="med"/>
+                    </a:lnR>
+                    <a:lnT w="12700" cap="flat" cmpd="sng" algn="ctr">
+                      <a:solidFill>
+                        <a:schemeClr val="tx1"/>
+                      </a:solidFill>
+                      <a:prstDash val="solid"/>
+                      <a:round/>
+                      <a:headEnd type="none" w="med" len="med"/>
+                      <a:tailEnd type="none" w="med" len="med"/>
+                    </a:lnT>
+                    <a:lnB w="12700" cap="flat" cmpd="sng" algn="ctr">
+                      <a:solidFill>
+                        <a:schemeClr val="tx1"/>
+                      </a:solidFill>
+                      <a:prstDash val="solid"/>
+                      <a:round/>
+                      <a:headEnd type="none" w="med" len="med"/>
+                      <a:tailEnd type="none" w="med" len="med"/>
+                    </a:lnB>
+                  </a:tcPr>
+                </a:tc>
+                <a:tc>
+                  <a:txBody>
+                    <a:bodyPr/>
+                    <a:lstStyle/>
+                    <a:p>
+                      <a:pPr>
+                        <a:lnSpc>
+                          <a:spcPct val="100000"/>
+                        </a:lnSpc>
+                      </a:pPr>
+                      <a:r>
+                        <a:rPr lang="ru-RU" sz="2000" dirty="0">
+                          <a:latin typeface="+mj-lt"/>
+                        </a:rPr>
+                        <a:t>Нижняя оценка</a:t>
+                      </a:r>
+                    </a:p>
+                  </a:txBody>
+                  <a:tcPr>
+                    <a:lnL w="12700" cap="flat" cmpd="sng" algn="ctr">
+                      <a:solidFill>
+                        <a:schemeClr val="tx1"/>
+                      </a:solidFill>
+                      <a:prstDash val="solid"/>
+                      <a:round/>
+                      <a:headEnd type="none" w="med" len="med"/>
+                      <a:tailEnd type="none" w="med" len="med"/>
+                    </a:lnL>
+                    <a:lnR w="12700" cap="flat" cmpd="sng" algn="ctr">
+                      <a:solidFill>
+                        <a:schemeClr val="tx1"/>
+                      </a:solidFill>
+                      <a:prstDash val="solid"/>
+                      <a:round/>
+                      <a:headEnd type="none" w="med" len="med"/>
+                      <a:tailEnd type="none" w="med" len="med"/>
+                    </a:lnR>
+                    <a:lnT w="12700" cap="flat" cmpd="sng" algn="ctr">
+                      <a:solidFill>
+                        <a:schemeClr val="tx1"/>
+                      </a:solidFill>
+                      <a:prstDash val="solid"/>
+                      <a:round/>
+                      <a:headEnd type="none" w="med" len="med"/>
+                      <a:tailEnd type="none" w="med" len="med"/>
+                    </a:lnT>
+                    <a:lnB w="12700" cap="flat" cmpd="sng" algn="ctr">
+                      <a:solidFill>
+                        <a:schemeClr val="tx1"/>
+                      </a:solidFill>
+                      <a:prstDash val="solid"/>
+                      <a:round/>
+                      <a:headEnd type="none" w="med" len="med"/>
+                      <a:tailEnd type="none" w="med" len="med"/>
+                    </a:lnB>
+                  </a:tcPr>
+                </a:tc>
+                <a:tc>
+                  <a:txBody>
+                    <a:bodyPr/>
+                    <a:lstStyle/>
+                    <a:p>
+                      <a:pPr>
+                        <a:lnSpc>
+                          <a:spcPct val="100000"/>
+                        </a:lnSpc>
+                      </a:pPr>
+                      <a:r>
+                        <a:rPr lang="ru-RU" sz="2000" dirty="0">
+                          <a:latin typeface="+mj-lt"/>
+                        </a:rPr>
+                        <a:t>Верхняя оценка</a:t>
+                      </a:r>
+                    </a:p>
+                  </a:txBody>
+                  <a:tcPr>
+                    <a:lnL w="12700" cap="flat" cmpd="sng" algn="ctr">
+                      <a:solidFill>
+                        <a:schemeClr val="tx1"/>
+                      </a:solidFill>
+                      <a:prstDash val="solid"/>
+                      <a:round/>
+                      <a:headEnd type="none" w="med" len="med"/>
+                      <a:tailEnd type="none" w="med" len="med"/>
+                    </a:lnL>
+                    <a:lnR w="12700" cap="flat" cmpd="sng" algn="ctr">
+                      <a:solidFill>
+                        <a:schemeClr val="tx1"/>
+                      </a:solidFill>
+                      <a:prstDash val="solid"/>
+                      <a:round/>
+                      <a:headEnd type="none" w="med" len="med"/>
+                      <a:tailEnd type="none" w="med" len="med"/>
+                    </a:lnR>
+                    <a:lnT w="12700" cap="flat" cmpd="sng" algn="ctr">
+                      <a:solidFill>
+                        <a:schemeClr val="tx1"/>
+                      </a:solidFill>
+                      <a:prstDash val="solid"/>
+                      <a:round/>
+                      <a:headEnd type="none" w="med" len="med"/>
+                      <a:tailEnd type="none" w="med" len="med"/>
+                    </a:lnT>
+                    <a:lnB w="12700" cap="flat" cmpd="sng" algn="ctr">
+                      <a:solidFill>
+                        <a:schemeClr val="tx1"/>
+                      </a:solidFill>
+                      <a:prstDash val="solid"/>
+                      <a:round/>
+                      <a:headEnd type="none" w="med" len="med"/>
+                      <a:tailEnd type="none" w="med" len="med"/>
+                    </a:lnB>
+                  </a:tcPr>
+                </a:tc>
+                <a:extLst>
+                  <a:ext uri="{0D108BD9-81ED-4DB2-BD59-A6C34878D82A}">
+                    <a16:rowId xmlns:a16="http://schemas.microsoft.com/office/drawing/2014/main" val="4098157602"/>
+                  </a:ext>
+                </a:extLst>
+              </a:tr>
+              <a:tr h="370840">
+                <a:tc>
+                  <a:txBody>
+                    <a:bodyPr/>
+                    <a:lstStyle/>
+                    <a:p>
+                      <a:pPr>
+                        <a:lnSpc>
+                          <a:spcPct val="100000"/>
+                        </a:lnSpc>
+                      </a:pPr>
+                      <a:r>
+                        <a:rPr lang="ru-RU" sz="2000" dirty="0">
+                          <a:latin typeface="+mj-lt"/>
+                        </a:rPr>
+                        <a:t>Точность ответов</a:t>
+                      </a:r>
+                    </a:p>
+                  </a:txBody>
+                  <a:tcPr>
+                    <a:lnL w="12700" cap="flat" cmpd="sng" algn="ctr">
+                      <a:solidFill>
+                        <a:schemeClr val="tx1"/>
+                      </a:solidFill>
+                      <a:prstDash val="solid"/>
+                      <a:round/>
+                      <a:headEnd type="none" w="med" len="med"/>
+                      <a:tailEnd type="none" w="med" len="med"/>
+                    </a:lnL>
+                    <a:lnR w="12700" cap="flat" cmpd="sng" algn="ctr">
+                      <a:solidFill>
+                        <a:schemeClr val="tx1"/>
+                      </a:solidFill>
+                      <a:prstDash val="solid"/>
+                      <a:round/>
+                      <a:headEnd type="none" w="med" len="med"/>
+                      <a:tailEnd type="none" w="med" len="med"/>
+                    </a:lnR>
+                    <a:lnT w="12700" cap="flat" cmpd="sng" algn="ctr">
+                      <a:solidFill>
+                        <a:schemeClr val="tx1"/>
+                      </a:solidFill>
+                      <a:prstDash val="solid"/>
+                      <a:round/>
+                      <a:headEnd type="none" w="med" len="med"/>
+                      <a:tailEnd type="none" w="med" len="med"/>
+                    </a:lnT>
+                    <a:lnB w="12700" cap="flat" cmpd="sng" algn="ctr">
+                      <a:solidFill>
+                        <a:schemeClr val="tx1"/>
+                      </a:solidFill>
+                      <a:prstDash val="solid"/>
+                      <a:round/>
+                      <a:headEnd type="none" w="med" len="med"/>
+                      <a:tailEnd type="none" w="med" len="med"/>
+                    </a:lnB>
+                  </a:tcPr>
+                </a:tc>
+                <a:tc>
+                  <a:txBody>
+                    <a:bodyPr/>
+                    <a:lstStyle/>
+                    <a:p>
+                      <a:pPr>
+                        <a:lnSpc>
+                          <a:spcPct val="100000"/>
+                        </a:lnSpc>
+                      </a:pPr>
+                      <a:r>
+                        <a:rPr lang="ru-RU" sz="2000" dirty="0">
+                          <a:latin typeface="+mj-lt"/>
+                        </a:rPr>
+                        <a:t>4.16</a:t>
+                      </a:r>
+                    </a:p>
+                  </a:txBody>
+                  <a:tcPr>
+                    <a:lnL w="12700" cap="flat" cmpd="sng" algn="ctr">
+                      <a:solidFill>
+                        <a:schemeClr val="tx1"/>
+                      </a:solidFill>
+                      <a:prstDash val="solid"/>
+                      <a:round/>
+                      <a:headEnd type="none" w="med" len="med"/>
+                      <a:tailEnd type="none" w="med" len="med"/>
+                    </a:lnL>
+                    <a:lnR w="12700" cap="flat" cmpd="sng" algn="ctr">
+                      <a:solidFill>
+                        <a:schemeClr val="tx1"/>
+                      </a:solidFill>
+                      <a:prstDash val="solid"/>
+                      <a:round/>
+                      <a:headEnd type="none" w="med" len="med"/>
+                      <a:tailEnd type="none" w="med" len="med"/>
+                    </a:lnR>
+                    <a:lnT w="12700" cap="flat" cmpd="sng" algn="ctr">
+                      <a:solidFill>
+                        <a:schemeClr val="tx1"/>
+                      </a:solidFill>
+                      <a:prstDash val="solid"/>
+                      <a:round/>
+                      <a:headEnd type="none" w="med" len="med"/>
+                      <a:tailEnd type="none" w="med" len="med"/>
+                    </a:lnT>
+                    <a:lnB w="12700" cap="flat" cmpd="sng" algn="ctr">
+                      <a:solidFill>
+                        <a:schemeClr val="tx1"/>
+                      </a:solidFill>
+                      <a:prstDash val="solid"/>
+                      <a:round/>
+                      <a:headEnd type="none" w="med" len="med"/>
+                      <a:tailEnd type="none" w="med" len="med"/>
+                    </a:lnB>
+                  </a:tcPr>
+                </a:tc>
+                <a:tc>
+                  <a:txBody>
+                    <a:bodyPr/>
+                    <a:lstStyle/>
+                    <a:p>
+                      <a:pPr>
+                        <a:lnSpc>
+                          <a:spcPct val="100000"/>
+                        </a:lnSpc>
+                      </a:pPr>
+                      <a:r>
+                        <a:rPr lang="ru-RU" sz="2000" dirty="0">
+                          <a:latin typeface="+mj-lt"/>
+                        </a:rPr>
+                        <a:t>2.93</a:t>
+                      </a:r>
+                    </a:p>
+                  </a:txBody>
+                  <a:tcPr>
+                    <a:lnL w="12700" cap="flat" cmpd="sng" algn="ctr">
+                      <a:solidFill>
+                        <a:schemeClr val="tx1"/>
+                      </a:solidFill>
+                      <a:prstDash val="solid"/>
+                      <a:round/>
+                      <a:headEnd type="none" w="med" len="med"/>
+                      <a:tailEnd type="none" w="med" len="med"/>
+                    </a:lnL>
+                    <a:lnR w="12700" cap="flat" cmpd="sng" algn="ctr">
+                      <a:solidFill>
+                        <a:schemeClr val="tx1"/>
+                      </a:solidFill>
+                      <a:prstDash val="solid"/>
+                      <a:round/>
+                      <a:headEnd type="none" w="med" len="med"/>
+                      <a:tailEnd type="none" w="med" len="med"/>
+                    </a:lnR>
+                    <a:lnT w="12700" cap="flat" cmpd="sng" algn="ctr">
+                      <a:solidFill>
+                        <a:schemeClr val="tx1"/>
+                      </a:solidFill>
+                      <a:prstDash val="solid"/>
+                      <a:round/>
+                      <a:headEnd type="none" w="med" len="med"/>
+                      <a:tailEnd type="none" w="med" len="med"/>
+                    </a:lnT>
+                    <a:lnB w="12700" cap="flat" cmpd="sng" algn="ctr">
+                      <a:solidFill>
+                        <a:schemeClr val="tx1"/>
+                      </a:solidFill>
+                      <a:prstDash val="solid"/>
+                      <a:round/>
+                      <a:headEnd type="none" w="med" len="med"/>
+                      <a:tailEnd type="none" w="med" len="med"/>
+                    </a:lnB>
+                  </a:tcPr>
+                </a:tc>
+                <a:tc>
+                  <a:txBody>
+                    <a:bodyPr/>
+                    <a:lstStyle/>
+                    <a:p>
+                      <a:pPr>
+                        <a:lnSpc>
+                          <a:spcPct val="100000"/>
+                        </a:lnSpc>
+                      </a:pPr>
+                      <a:r>
+                        <a:rPr lang="ru-RU" sz="2000" dirty="0">
+                          <a:latin typeface="+mj-lt"/>
+                        </a:rPr>
+                        <a:t>5.39</a:t>
+                      </a:r>
+                    </a:p>
+                  </a:txBody>
+                  <a:tcPr>
+                    <a:lnL w="12700" cap="flat" cmpd="sng" algn="ctr">
+                      <a:solidFill>
+                        <a:schemeClr val="tx1"/>
+                      </a:solidFill>
+                      <a:prstDash val="solid"/>
+                      <a:round/>
+                      <a:headEnd type="none" w="med" len="med"/>
+                      <a:tailEnd type="none" w="med" len="med"/>
+                    </a:lnL>
+                    <a:lnR w="12700" cap="flat" cmpd="sng" algn="ctr">
+                      <a:solidFill>
+                        <a:schemeClr val="tx1"/>
+                      </a:solidFill>
+                      <a:prstDash val="solid"/>
+                      <a:round/>
+                      <a:headEnd type="none" w="med" len="med"/>
+                      <a:tailEnd type="none" w="med" len="med"/>
+                    </a:lnR>
+                    <a:lnT w="12700" cap="flat" cmpd="sng" algn="ctr">
+                      <a:solidFill>
+                        <a:schemeClr val="tx1"/>
+                      </a:solidFill>
+                      <a:prstDash val="solid"/>
+                      <a:round/>
+                      <a:headEnd type="none" w="med" len="med"/>
+                      <a:tailEnd type="none" w="med" len="med"/>
+                    </a:lnT>
+                    <a:lnB w="12700" cap="flat" cmpd="sng" algn="ctr">
+                      <a:solidFill>
+                        <a:schemeClr val="tx1"/>
+                      </a:solidFill>
+                      <a:prstDash val="solid"/>
+                      <a:round/>
+                      <a:headEnd type="none" w="med" len="med"/>
+                      <a:tailEnd type="none" w="med" len="med"/>
+                    </a:lnB>
+                  </a:tcPr>
+                </a:tc>
+                <a:extLst>
+                  <a:ext uri="{0D108BD9-81ED-4DB2-BD59-A6C34878D82A}">
+                    <a16:rowId xmlns:a16="http://schemas.microsoft.com/office/drawing/2014/main" val="1064435041"/>
+                  </a:ext>
+                </a:extLst>
+              </a:tr>
+              <a:tr h="370840">
+                <a:tc>
+                  <a:txBody>
+                    <a:bodyPr/>
+                    <a:lstStyle/>
+                    <a:p>
+                      <a:pPr>
+                        <a:lnSpc>
+                          <a:spcPct val="100000"/>
+                        </a:lnSpc>
+                      </a:pPr>
+                      <a:r>
+                        <a:rPr lang="ru-RU" sz="2000" dirty="0">
+                          <a:latin typeface="+mj-lt"/>
+                        </a:rPr>
+                        <a:t>Скорость работы</a:t>
+                      </a:r>
+                    </a:p>
+                  </a:txBody>
+                  <a:tcPr>
+                    <a:lnL w="12700" cap="flat" cmpd="sng" algn="ctr">
+                      <a:solidFill>
+                        <a:schemeClr val="tx1"/>
+                      </a:solidFill>
+                      <a:prstDash val="solid"/>
+                      <a:round/>
+                      <a:headEnd type="none" w="med" len="med"/>
+                      <a:tailEnd type="none" w="med" len="med"/>
+                    </a:lnL>
+                    <a:lnR w="12700" cap="flat" cmpd="sng" algn="ctr">
+                      <a:solidFill>
+                        <a:schemeClr val="tx1"/>
+                      </a:solidFill>
+                      <a:prstDash val="solid"/>
+                      <a:round/>
+                      <a:headEnd type="none" w="med" len="med"/>
+                      <a:tailEnd type="none" w="med" len="med"/>
+                    </a:lnR>
+                    <a:lnT w="12700" cap="flat" cmpd="sng" algn="ctr">
+                      <a:solidFill>
+                        <a:schemeClr val="tx1"/>
+                      </a:solidFill>
+                      <a:prstDash val="solid"/>
+                      <a:round/>
+                      <a:headEnd type="none" w="med" len="med"/>
+                      <a:tailEnd type="none" w="med" len="med"/>
+                    </a:lnT>
+                    <a:lnB w="12700" cap="flat" cmpd="sng" algn="ctr">
+                      <a:solidFill>
+                        <a:schemeClr val="tx1"/>
+                      </a:solidFill>
+                      <a:prstDash val="solid"/>
+                      <a:round/>
+                      <a:headEnd type="none" w="med" len="med"/>
+                      <a:tailEnd type="none" w="med" len="med"/>
+                    </a:lnB>
+                  </a:tcPr>
+                </a:tc>
+                <a:tc>
+                  <a:txBody>
+                    <a:bodyPr/>
+                    <a:lstStyle/>
+                    <a:p>
+                      <a:pPr>
+                        <a:lnSpc>
+                          <a:spcPct val="100000"/>
+                        </a:lnSpc>
+                      </a:pPr>
+                      <a:r>
+                        <a:rPr lang="ru-RU" sz="2000" dirty="0">
+                          <a:latin typeface="+mj-lt"/>
+                        </a:rPr>
+                        <a:t>5.83</a:t>
+                      </a:r>
+                    </a:p>
+                  </a:txBody>
+                  <a:tcPr>
+                    <a:lnL w="12700" cap="flat" cmpd="sng" algn="ctr">
+                      <a:solidFill>
+                        <a:schemeClr val="tx1"/>
+                      </a:solidFill>
+                      <a:prstDash val="solid"/>
+                      <a:round/>
+                      <a:headEnd type="none" w="med" len="med"/>
+                      <a:tailEnd type="none" w="med" len="med"/>
+                    </a:lnL>
+                    <a:lnR w="12700" cap="flat" cmpd="sng" algn="ctr">
+                      <a:solidFill>
+                        <a:schemeClr val="tx1"/>
+                      </a:solidFill>
+                      <a:prstDash val="solid"/>
+                      <a:round/>
+                      <a:headEnd type="none" w="med" len="med"/>
+                      <a:tailEnd type="none" w="med" len="med"/>
+                    </a:lnR>
+                    <a:lnT w="12700" cap="flat" cmpd="sng" algn="ctr">
+                      <a:solidFill>
+                        <a:schemeClr val="tx1"/>
+                      </a:solidFill>
+                      <a:prstDash val="solid"/>
+                      <a:round/>
+                      <a:headEnd type="none" w="med" len="med"/>
+                      <a:tailEnd type="none" w="med" len="med"/>
+                    </a:lnT>
+                    <a:lnB w="12700" cap="flat" cmpd="sng" algn="ctr">
+                      <a:solidFill>
+                        <a:schemeClr val="tx1"/>
+                      </a:solidFill>
+                      <a:prstDash val="solid"/>
+                      <a:round/>
+                      <a:headEnd type="none" w="med" len="med"/>
+                      <a:tailEnd type="none" w="med" len="med"/>
+                    </a:lnB>
+                  </a:tcPr>
+                </a:tc>
+                <a:tc>
+                  <a:txBody>
+                    <a:bodyPr/>
+                    <a:lstStyle/>
+                    <a:p>
+                      <a:pPr>
+                        <a:lnSpc>
+                          <a:spcPct val="100000"/>
+                        </a:lnSpc>
+                      </a:pPr>
+                      <a:r>
+                        <a:rPr lang="ru-RU" sz="2000" dirty="0">
+                          <a:latin typeface="+mj-lt"/>
+                        </a:rPr>
+                        <a:t>5.04</a:t>
+                      </a:r>
+                    </a:p>
+                  </a:txBody>
+                  <a:tcPr>
+                    <a:lnL w="12700" cap="flat" cmpd="sng" algn="ctr">
+                      <a:solidFill>
+                        <a:schemeClr val="tx1"/>
+                      </a:solidFill>
+                      <a:prstDash val="solid"/>
+                      <a:round/>
+                      <a:headEnd type="none" w="med" len="med"/>
+                      <a:tailEnd type="none" w="med" len="med"/>
+                    </a:lnL>
+                    <a:lnR w="12700" cap="flat" cmpd="sng" algn="ctr">
+                      <a:solidFill>
+                        <a:schemeClr val="tx1"/>
+                      </a:solidFill>
+                      <a:prstDash val="solid"/>
+                      <a:round/>
+                      <a:headEnd type="none" w="med" len="med"/>
+                      <a:tailEnd type="none" w="med" len="med"/>
+                    </a:lnR>
+                    <a:lnT w="12700" cap="flat" cmpd="sng" algn="ctr">
+                      <a:solidFill>
+                        <a:schemeClr val="tx1"/>
+                      </a:solidFill>
+                      <a:prstDash val="solid"/>
+                      <a:round/>
+                      <a:headEnd type="none" w="med" len="med"/>
+                      <a:tailEnd type="none" w="med" len="med"/>
+                    </a:lnT>
+                    <a:lnB w="12700" cap="flat" cmpd="sng" algn="ctr">
+                      <a:solidFill>
+                        <a:schemeClr val="tx1"/>
+                      </a:solidFill>
+                      <a:prstDash val="solid"/>
+                      <a:round/>
+                      <a:headEnd type="none" w="med" len="med"/>
+                      <a:tailEnd type="none" w="med" len="med"/>
+                    </a:lnB>
+                  </a:tcPr>
+                </a:tc>
+                <a:tc>
+                  <a:txBody>
+                    <a:bodyPr/>
+                    <a:lstStyle/>
+                    <a:p>
+                      <a:pPr>
+                        <a:lnSpc>
+                          <a:spcPct val="100000"/>
+                        </a:lnSpc>
+                      </a:pPr>
+                      <a:r>
+                        <a:rPr lang="ru-RU" sz="2000" dirty="0">
+                          <a:latin typeface="+mj-lt"/>
+                        </a:rPr>
+                        <a:t>6.62</a:t>
+                      </a:r>
+                    </a:p>
+                  </a:txBody>
+                  <a:tcPr>
+                    <a:lnL w="12700" cap="flat" cmpd="sng" algn="ctr">
+                      <a:solidFill>
+                        <a:schemeClr val="tx1"/>
+                      </a:solidFill>
+                      <a:prstDash val="solid"/>
+                      <a:round/>
+                      <a:headEnd type="none" w="med" len="med"/>
+                      <a:tailEnd type="none" w="med" len="med"/>
+                    </a:lnL>
+                    <a:lnR w="12700" cap="flat" cmpd="sng" algn="ctr">
+                      <a:solidFill>
+                        <a:schemeClr val="tx1"/>
+                      </a:solidFill>
+                      <a:prstDash val="solid"/>
+                      <a:round/>
+                      <a:headEnd type="none" w="med" len="med"/>
+                      <a:tailEnd type="none" w="med" len="med"/>
+                    </a:lnR>
+                    <a:lnT w="12700" cap="flat" cmpd="sng" algn="ctr">
+                      <a:solidFill>
+                        <a:schemeClr val="tx1"/>
+                      </a:solidFill>
+                      <a:prstDash val="solid"/>
+                      <a:round/>
+                      <a:headEnd type="none" w="med" len="med"/>
+                      <a:tailEnd type="none" w="med" len="med"/>
+                    </a:lnT>
+                    <a:lnB w="12700" cap="flat" cmpd="sng" algn="ctr">
+                      <a:solidFill>
+                        <a:schemeClr val="tx1"/>
+                      </a:solidFill>
+                      <a:prstDash val="solid"/>
+                      <a:round/>
+                      <a:headEnd type="none" w="med" len="med"/>
+                      <a:tailEnd type="none" w="med" len="med"/>
+                    </a:lnB>
+                  </a:tcPr>
+                </a:tc>
+                <a:extLst>
+                  <a:ext uri="{0D108BD9-81ED-4DB2-BD59-A6C34878D82A}">
+                    <a16:rowId xmlns:a16="http://schemas.microsoft.com/office/drawing/2014/main" val="3971041610"/>
+                  </a:ext>
+                </a:extLst>
+              </a:tr>
+              <a:tr h="370840">
+                <a:tc>
+                  <a:txBody>
+                    <a:bodyPr/>
+                    <a:lstStyle/>
+                    <a:p>
+                      <a:pPr>
+                        <a:lnSpc>
+                          <a:spcPct val="100000"/>
+                        </a:lnSpc>
+                      </a:pPr>
+                      <a:r>
+                        <a:rPr lang="ru-RU" sz="2000" dirty="0">
+                          <a:latin typeface="+mj-lt"/>
+                        </a:rPr>
+                        <a:t>Удобство</a:t>
+                      </a:r>
+                    </a:p>
+                  </a:txBody>
+                  <a:tcPr>
+                    <a:lnL w="12700" cap="flat" cmpd="sng" algn="ctr">
+                      <a:solidFill>
+                        <a:schemeClr val="tx1"/>
+                      </a:solidFill>
+                      <a:prstDash val="solid"/>
+                      <a:round/>
+                      <a:headEnd type="none" w="med" len="med"/>
+                      <a:tailEnd type="none" w="med" len="med"/>
+                    </a:lnL>
+                    <a:lnR w="12700" cap="flat" cmpd="sng" algn="ctr">
+                      <a:solidFill>
+                        <a:schemeClr val="tx1"/>
+                      </a:solidFill>
+                      <a:prstDash val="solid"/>
+                      <a:round/>
+                      <a:headEnd type="none" w="med" len="med"/>
+                      <a:tailEnd type="none" w="med" len="med"/>
+                    </a:lnR>
+                    <a:lnT w="12700" cap="flat" cmpd="sng" algn="ctr">
+                      <a:solidFill>
+                        <a:schemeClr val="tx1"/>
+                      </a:solidFill>
+                      <a:prstDash val="solid"/>
+                      <a:round/>
+                      <a:headEnd type="none" w="med" len="med"/>
+                      <a:tailEnd type="none" w="med" len="med"/>
+                    </a:lnT>
+                    <a:lnB w="12700" cap="flat" cmpd="sng" algn="ctr">
+                      <a:solidFill>
+                        <a:schemeClr val="tx1"/>
+                      </a:solidFill>
+                      <a:prstDash val="solid"/>
+                      <a:round/>
+                      <a:headEnd type="none" w="med" len="med"/>
+                      <a:tailEnd type="none" w="med" len="med"/>
+                    </a:lnB>
+                  </a:tcPr>
+                </a:tc>
+                <a:tc>
+                  <a:txBody>
+                    <a:bodyPr/>
+                    <a:lstStyle/>
+                    <a:p>
+                      <a:pPr>
+                        <a:lnSpc>
+                          <a:spcPct val="100000"/>
+                        </a:lnSpc>
+                      </a:pPr>
+                      <a:r>
+                        <a:rPr lang="ru-RU" sz="2000" dirty="0">
+                          <a:latin typeface="+mj-lt"/>
+                        </a:rPr>
+                        <a:t>4.5</a:t>
+                      </a:r>
+                    </a:p>
+                  </a:txBody>
+                  <a:tcPr>
+                    <a:lnL w="12700" cap="flat" cmpd="sng" algn="ctr">
+                      <a:solidFill>
+                        <a:schemeClr val="tx1"/>
+                      </a:solidFill>
+                      <a:prstDash val="solid"/>
+                      <a:round/>
+                      <a:headEnd type="none" w="med" len="med"/>
+                      <a:tailEnd type="none" w="med" len="med"/>
+                    </a:lnL>
+                    <a:lnR w="12700" cap="flat" cmpd="sng" algn="ctr">
+                      <a:solidFill>
+                        <a:schemeClr val="tx1"/>
+                      </a:solidFill>
+                      <a:prstDash val="solid"/>
+                      <a:round/>
+                      <a:headEnd type="none" w="med" len="med"/>
+                      <a:tailEnd type="none" w="med" len="med"/>
+                    </a:lnR>
+                    <a:lnT w="12700" cap="flat" cmpd="sng" algn="ctr">
+                      <a:solidFill>
+                        <a:schemeClr val="tx1"/>
+                      </a:solidFill>
+                      <a:prstDash val="solid"/>
+                      <a:round/>
+                      <a:headEnd type="none" w="med" len="med"/>
+                      <a:tailEnd type="none" w="med" len="med"/>
+                    </a:lnT>
+                    <a:lnB w="12700" cap="flat" cmpd="sng" algn="ctr">
+                      <a:solidFill>
+                        <a:schemeClr val="tx1"/>
+                      </a:solidFill>
+                      <a:prstDash val="solid"/>
+                      <a:round/>
+                      <a:headEnd type="none" w="med" len="med"/>
+                      <a:tailEnd type="none" w="med" len="med"/>
+                    </a:lnB>
+                  </a:tcPr>
+                </a:tc>
+                <a:tc>
+                  <a:txBody>
+                    <a:bodyPr/>
+                    <a:lstStyle/>
+                    <a:p>
+                      <a:pPr>
+                        <a:lnSpc>
+                          <a:spcPct val="100000"/>
+                        </a:lnSpc>
+                      </a:pPr>
+                      <a:r>
+                        <a:rPr lang="ru-RU" sz="2000" dirty="0">
+                          <a:latin typeface="+mj-lt"/>
+                        </a:rPr>
+                        <a:t>3.39</a:t>
+                      </a:r>
+                    </a:p>
+                  </a:txBody>
+                  <a:tcPr>
+                    <a:lnL w="12700" cap="flat" cmpd="sng" algn="ctr">
+                      <a:solidFill>
+                        <a:schemeClr val="tx1"/>
+                      </a:solidFill>
+                      <a:prstDash val="solid"/>
+                      <a:round/>
+                      <a:headEnd type="none" w="med" len="med"/>
+                      <a:tailEnd type="none" w="med" len="med"/>
+                    </a:lnL>
+                    <a:lnR w="12700" cap="flat" cmpd="sng" algn="ctr">
+                      <a:solidFill>
+                        <a:schemeClr val="tx1"/>
+                      </a:solidFill>
+                      <a:prstDash val="solid"/>
+                      <a:round/>
+                      <a:headEnd type="none" w="med" len="med"/>
+                      <a:tailEnd type="none" w="med" len="med"/>
+                    </a:lnR>
+                    <a:lnT w="12700" cap="flat" cmpd="sng" algn="ctr">
+                      <a:solidFill>
+                        <a:schemeClr val="tx1"/>
+                      </a:solidFill>
+                      <a:prstDash val="solid"/>
+                      <a:round/>
+                      <a:headEnd type="none" w="med" len="med"/>
+                      <a:tailEnd type="none" w="med" len="med"/>
+                    </a:lnT>
+                    <a:lnB w="12700" cap="flat" cmpd="sng" algn="ctr">
+                      <a:solidFill>
+                        <a:schemeClr val="tx1"/>
+                      </a:solidFill>
+                      <a:prstDash val="solid"/>
+                      <a:round/>
+                      <a:headEnd type="none" w="med" len="med"/>
+                      <a:tailEnd type="none" w="med" len="med"/>
+                    </a:lnB>
+                  </a:tcPr>
+                </a:tc>
+                <a:tc>
+                  <a:txBody>
+                    <a:bodyPr/>
+                    <a:lstStyle/>
+                    <a:p>
+                      <a:pPr>
+                        <a:lnSpc>
+                          <a:spcPct val="100000"/>
+                        </a:lnSpc>
+                      </a:pPr>
+                      <a:r>
+                        <a:rPr lang="ru-RU" sz="2000" dirty="0">
+                          <a:latin typeface="+mj-lt"/>
+                        </a:rPr>
+                        <a:t>5.6</a:t>
+                      </a:r>
+                    </a:p>
+                  </a:txBody>
+                  <a:tcPr>
+                    <a:lnL w="12700" cap="flat" cmpd="sng" algn="ctr">
+                      <a:solidFill>
+                        <a:schemeClr val="tx1"/>
+                      </a:solidFill>
+                      <a:prstDash val="solid"/>
+                      <a:round/>
+                      <a:headEnd type="none" w="med" len="med"/>
+                      <a:tailEnd type="none" w="med" len="med"/>
+                    </a:lnL>
+                    <a:lnR w="12700" cap="flat" cmpd="sng" algn="ctr">
+                      <a:solidFill>
+                        <a:schemeClr val="tx1"/>
+                      </a:solidFill>
+                      <a:prstDash val="solid"/>
+                      <a:round/>
+                      <a:headEnd type="none" w="med" len="med"/>
+                      <a:tailEnd type="none" w="med" len="med"/>
+                    </a:lnR>
+                    <a:lnT w="12700" cap="flat" cmpd="sng" algn="ctr">
+                      <a:solidFill>
+                        <a:schemeClr val="tx1"/>
+                      </a:solidFill>
+                      <a:prstDash val="solid"/>
+                      <a:round/>
+                      <a:headEnd type="none" w="med" len="med"/>
+                      <a:tailEnd type="none" w="med" len="med"/>
+                    </a:lnT>
+                    <a:lnB w="12700" cap="flat" cmpd="sng" algn="ctr">
+                      <a:solidFill>
+                        <a:schemeClr val="tx1"/>
+                      </a:solidFill>
+                      <a:prstDash val="solid"/>
+                      <a:round/>
+                      <a:headEnd type="none" w="med" len="med"/>
+                      <a:tailEnd type="none" w="med" len="med"/>
+                    </a:lnB>
+                  </a:tcPr>
+                </a:tc>
+                <a:extLst>
+                  <a:ext uri="{0D108BD9-81ED-4DB2-BD59-A6C34878D82A}">
+                    <a16:rowId xmlns:a16="http://schemas.microsoft.com/office/drawing/2014/main" val="500197434"/>
+                  </a:ext>
+                </a:extLst>
+              </a:tr>
+              <a:tr h="370840">
+                <a:tc>
+                  <a:txBody>
+                    <a:bodyPr/>
+                    <a:lstStyle/>
+                    <a:p>
+                      <a:pPr>
+                        <a:lnSpc>
+                          <a:spcPct val="100000"/>
+                        </a:lnSpc>
+                      </a:pPr>
+                      <a:r>
+                        <a:rPr lang="ru-RU" sz="2000" dirty="0">
+                          <a:latin typeface="+mj-lt"/>
+                        </a:rPr>
+                        <a:t>Полезность</a:t>
+                      </a:r>
+                    </a:p>
+                  </a:txBody>
+                  <a:tcPr>
+                    <a:lnL w="12700" cap="flat" cmpd="sng" algn="ctr">
+                      <a:solidFill>
+                        <a:schemeClr val="tx1"/>
+                      </a:solidFill>
+                      <a:prstDash val="solid"/>
+                      <a:round/>
+                      <a:headEnd type="none" w="med" len="med"/>
+                      <a:tailEnd type="none" w="med" len="med"/>
+                    </a:lnL>
+                    <a:lnR w="12700" cap="flat" cmpd="sng" algn="ctr">
+                      <a:solidFill>
+                        <a:schemeClr val="tx1"/>
+                      </a:solidFill>
+                      <a:prstDash val="solid"/>
+                      <a:round/>
+                      <a:headEnd type="none" w="med" len="med"/>
+                      <a:tailEnd type="none" w="med" len="med"/>
+                    </a:lnR>
+                    <a:lnT w="12700" cap="flat" cmpd="sng" algn="ctr">
+                      <a:solidFill>
+                        <a:schemeClr val="tx1"/>
+                      </a:solidFill>
+                      <a:prstDash val="solid"/>
+                      <a:round/>
+                      <a:headEnd type="none" w="med" len="med"/>
+                      <a:tailEnd type="none" w="med" len="med"/>
+                    </a:lnT>
+                    <a:lnB w="12700" cap="flat" cmpd="sng" algn="ctr">
+                      <a:solidFill>
+                        <a:schemeClr val="tx1"/>
+                      </a:solidFill>
+                      <a:prstDash val="solid"/>
+                      <a:round/>
+                      <a:headEnd type="none" w="med" len="med"/>
+                      <a:tailEnd type="none" w="med" len="med"/>
+                    </a:lnB>
+                  </a:tcPr>
+                </a:tc>
+                <a:tc>
+                  <a:txBody>
+                    <a:bodyPr/>
+                    <a:lstStyle/>
+                    <a:p>
+                      <a:pPr>
+                        <a:lnSpc>
+                          <a:spcPct val="100000"/>
+                        </a:lnSpc>
+                      </a:pPr>
+                      <a:r>
+                        <a:rPr lang="ru-RU" sz="2000" dirty="0">
+                          <a:latin typeface="+mj-lt"/>
+                        </a:rPr>
+                        <a:t>4.0</a:t>
+                      </a:r>
+                    </a:p>
+                  </a:txBody>
+                  <a:tcPr>
+                    <a:lnL w="12700" cap="flat" cmpd="sng" algn="ctr">
+                      <a:solidFill>
+                        <a:schemeClr val="tx1"/>
+                      </a:solidFill>
+                      <a:prstDash val="solid"/>
+                      <a:round/>
+                      <a:headEnd type="none" w="med" len="med"/>
+                      <a:tailEnd type="none" w="med" len="med"/>
+                    </a:lnL>
+                    <a:lnR w="12700" cap="flat" cmpd="sng" algn="ctr">
+                      <a:solidFill>
+                        <a:schemeClr val="tx1"/>
+                      </a:solidFill>
+                      <a:prstDash val="solid"/>
+                      <a:round/>
+                      <a:headEnd type="none" w="med" len="med"/>
+                      <a:tailEnd type="none" w="med" len="med"/>
+                    </a:lnR>
+                    <a:lnT w="12700" cap="flat" cmpd="sng" algn="ctr">
+                      <a:solidFill>
+                        <a:schemeClr val="tx1"/>
+                      </a:solidFill>
+                      <a:prstDash val="solid"/>
+                      <a:round/>
+                      <a:headEnd type="none" w="med" len="med"/>
+                      <a:tailEnd type="none" w="med" len="med"/>
+                    </a:lnT>
+                    <a:lnB w="12700" cap="flat" cmpd="sng" algn="ctr">
+                      <a:solidFill>
+                        <a:schemeClr val="tx1"/>
+                      </a:solidFill>
+                      <a:prstDash val="solid"/>
+                      <a:round/>
+                      <a:headEnd type="none" w="med" len="med"/>
+                      <a:tailEnd type="none" w="med" len="med"/>
+                    </a:lnB>
+                  </a:tcPr>
+                </a:tc>
+                <a:tc>
+                  <a:txBody>
+                    <a:bodyPr/>
+                    <a:lstStyle/>
+                    <a:p>
+                      <a:pPr>
+                        <a:lnSpc>
+                          <a:spcPct val="100000"/>
+                        </a:lnSpc>
+                      </a:pPr>
+                      <a:r>
+                        <a:rPr lang="ru-RU" sz="2000" dirty="0">
+                          <a:latin typeface="+mj-lt"/>
+                        </a:rPr>
+                        <a:t>2.51</a:t>
+                      </a:r>
+                    </a:p>
+                  </a:txBody>
+                  <a:tcPr>
+                    <a:lnL w="12700" cap="flat" cmpd="sng" algn="ctr">
+                      <a:solidFill>
+                        <a:schemeClr val="tx1"/>
+                      </a:solidFill>
+                      <a:prstDash val="solid"/>
+                      <a:round/>
+                      <a:headEnd type="none" w="med" len="med"/>
+                      <a:tailEnd type="none" w="med" len="med"/>
+                    </a:lnL>
+                    <a:lnR w="12700" cap="flat" cmpd="sng" algn="ctr">
+                      <a:solidFill>
+                        <a:schemeClr val="tx1"/>
+                      </a:solidFill>
+                      <a:prstDash val="solid"/>
+                      <a:round/>
+                      <a:headEnd type="none" w="med" len="med"/>
+                      <a:tailEnd type="none" w="med" len="med"/>
+                    </a:lnR>
+                    <a:lnT w="12700" cap="flat" cmpd="sng" algn="ctr">
+                      <a:solidFill>
+                        <a:schemeClr val="tx1"/>
+                      </a:solidFill>
+                      <a:prstDash val="solid"/>
+                      <a:round/>
+                      <a:headEnd type="none" w="med" len="med"/>
+                      <a:tailEnd type="none" w="med" len="med"/>
+                    </a:lnT>
+                    <a:lnB w="12700" cap="flat" cmpd="sng" algn="ctr">
+                      <a:solidFill>
+                        <a:schemeClr val="tx1"/>
+                      </a:solidFill>
+                      <a:prstDash val="solid"/>
+                      <a:round/>
+                      <a:headEnd type="none" w="med" len="med"/>
+                      <a:tailEnd type="none" w="med" len="med"/>
+                    </a:lnB>
+                  </a:tcPr>
+                </a:tc>
+                <a:tc>
+                  <a:txBody>
+                    <a:bodyPr/>
+                    <a:lstStyle/>
+                    <a:p>
+                      <a:pPr>
+                        <a:lnSpc>
+                          <a:spcPct val="100000"/>
+                        </a:lnSpc>
+                      </a:pPr>
+                      <a:r>
+                        <a:rPr lang="ru-RU" sz="2000" dirty="0">
+                          <a:latin typeface="+mj-lt"/>
+                        </a:rPr>
+                        <a:t>5.48</a:t>
+                      </a:r>
+                    </a:p>
+                  </a:txBody>
+                  <a:tcPr>
+                    <a:lnL w="12700" cap="flat" cmpd="sng" algn="ctr">
+                      <a:solidFill>
+                        <a:schemeClr val="tx1"/>
+                      </a:solidFill>
+                      <a:prstDash val="solid"/>
+                      <a:round/>
+                      <a:headEnd type="none" w="med" len="med"/>
+                      <a:tailEnd type="none" w="med" len="med"/>
+                    </a:lnL>
+                    <a:lnR w="12700" cap="flat" cmpd="sng" algn="ctr">
+                      <a:solidFill>
+                        <a:schemeClr val="tx1"/>
+                      </a:solidFill>
+                      <a:prstDash val="solid"/>
+                      <a:round/>
+                      <a:headEnd type="none" w="med" len="med"/>
+                      <a:tailEnd type="none" w="med" len="med"/>
+                    </a:lnR>
+                    <a:lnT w="12700" cap="flat" cmpd="sng" algn="ctr">
+                      <a:solidFill>
+                        <a:schemeClr val="tx1"/>
+                      </a:solidFill>
+                      <a:prstDash val="solid"/>
+                      <a:round/>
+                      <a:headEnd type="none" w="med" len="med"/>
+                      <a:tailEnd type="none" w="med" len="med"/>
+                    </a:lnT>
+                    <a:lnB w="12700" cap="flat" cmpd="sng" algn="ctr">
+                      <a:solidFill>
+                        <a:schemeClr val="tx1"/>
+                      </a:solidFill>
+                      <a:prstDash val="solid"/>
+                      <a:round/>
+                      <a:headEnd type="none" w="med" len="med"/>
+                      <a:tailEnd type="none" w="med" len="med"/>
+                    </a:lnB>
+                  </a:tcPr>
+                </a:tc>
+                <a:extLst>
+                  <a:ext uri="{0D108BD9-81ED-4DB2-BD59-A6C34878D82A}">
+                    <a16:rowId xmlns:a16="http://schemas.microsoft.com/office/drawing/2014/main" val="3264948543"/>
+                  </a:ext>
+                </a:extLst>
+              </a:tr>
+              <a:tr h="370840">
+                <a:tc>
+                  <a:txBody>
+                    <a:bodyPr/>
+                    <a:lstStyle/>
+                    <a:p>
+                      <a:pPr>
+                        <a:lnSpc>
+                          <a:spcPct val="100000"/>
+                        </a:lnSpc>
+                      </a:pPr>
+                      <a:r>
+                        <a:rPr lang="ru-RU" sz="2000" dirty="0">
+                          <a:latin typeface="+mj-lt"/>
+                        </a:rPr>
+                        <a:t>Общая оценка</a:t>
+                      </a:r>
+                    </a:p>
+                  </a:txBody>
+                  <a:tcPr>
+                    <a:lnL w="12700" cap="flat" cmpd="sng" algn="ctr">
+                      <a:solidFill>
+                        <a:schemeClr val="tx1"/>
+                      </a:solidFill>
+                      <a:prstDash val="solid"/>
+                      <a:round/>
+                      <a:headEnd type="none" w="med" len="med"/>
+                      <a:tailEnd type="none" w="med" len="med"/>
+                    </a:lnL>
+                    <a:lnR w="12700" cap="flat" cmpd="sng" algn="ctr">
+                      <a:solidFill>
+                        <a:schemeClr val="tx1"/>
+                      </a:solidFill>
+                      <a:prstDash val="solid"/>
+                      <a:round/>
+                      <a:headEnd type="none" w="med" len="med"/>
+                      <a:tailEnd type="none" w="med" len="med"/>
+                    </a:lnR>
+                    <a:lnT w="12700" cap="flat" cmpd="sng" algn="ctr">
+                      <a:solidFill>
+                        <a:schemeClr val="tx1"/>
+                      </a:solidFill>
+                      <a:prstDash val="solid"/>
+                      <a:round/>
+                      <a:headEnd type="none" w="med" len="med"/>
+                      <a:tailEnd type="none" w="med" len="med"/>
+                    </a:lnT>
+                    <a:lnB w="12700" cap="flat" cmpd="sng" algn="ctr">
+                      <a:solidFill>
+                        <a:schemeClr val="tx1"/>
+                      </a:solidFill>
+                      <a:prstDash val="solid"/>
+                      <a:round/>
+                      <a:headEnd type="none" w="med" len="med"/>
+                      <a:tailEnd type="none" w="med" len="med"/>
+                    </a:lnB>
+                  </a:tcPr>
+                </a:tc>
+                <a:tc>
+                  <a:txBody>
+                    <a:bodyPr/>
+                    <a:lstStyle/>
+                    <a:p>
+                      <a:pPr>
+                        <a:lnSpc>
+                          <a:spcPct val="100000"/>
+                        </a:lnSpc>
+                      </a:pPr>
+                      <a:r>
+                        <a:rPr lang="ru-RU" sz="2000" dirty="0">
+                          <a:latin typeface="+mj-lt"/>
+                        </a:rPr>
+                        <a:t>4.83</a:t>
+                      </a:r>
+                    </a:p>
+                  </a:txBody>
+                  <a:tcPr>
+                    <a:lnL w="12700" cap="flat" cmpd="sng" algn="ctr">
+                      <a:solidFill>
+                        <a:schemeClr val="tx1"/>
+                      </a:solidFill>
+                      <a:prstDash val="solid"/>
+                      <a:round/>
+                      <a:headEnd type="none" w="med" len="med"/>
+                      <a:tailEnd type="none" w="med" len="med"/>
+                    </a:lnL>
+                    <a:lnR w="12700" cap="flat" cmpd="sng" algn="ctr">
+                      <a:solidFill>
+                        <a:schemeClr val="tx1"/>
+                      </a:solidFill>
+                      <a:prstDash val="solid"/>
+                      <a:round/>
+                      <a:headEnd type="none" w="med" len="med"/>
+                      <a:tailEnd type="none" w="med" len="med"/>
+                    </a:lnR>
+                    <a:lnT w="12700" cap="flat" cmpd="sng" algn="ctr">
+                      <a:solidFill>
+                        <a:schemeClr val="tx1"/>
+                      </a:solidFill>
+                      <a:prstDash val="solid"/>
+                      <a:round/>
+                      <a:headEnd type="none" w="med" len="med"/>
+                      <a:tailEnd type="none" w="med" len="med"/>
+                    </a:lnT>
+                    <a:lnB w="12700" cap="flat" cmpd="sng" algn="ctr">
+                      <a:solidFill>
+                        <a:schemeClr val="tx1"/>
+                      </a:solidFill>
+                      <a:prstDash val="solid"/>
+                      <a:round/>
+                      <a:headEnd type="none" w="med" len="med"/>
+                      <a:tailEnd type="none" w="med" len="med"/>
+                    </a:lnB>
+                  </a:tcPr>
+                </a:tc>
+                <a:tc>
+                  <a:txBody>
+                    <a:bodyPr/>
+                    <a:lstStyle/>
+                    <a:p>
+                      <a:pPr>
+                        <a:lnSpc>
+                          <a:spcPct val="100000"/>
+                        </a:lnSpc>
+                      </a:pPr>
+                      <a:r>
+                        <a:rPr lang="ru-RU" sz="2000" dirty="0">
+                          <a:latin typeface="+mj-lt"/>
+                        </a:rPr>
+                        <a:t>3.6</a:t>
+                      </a:r>
+                    </a:p>
+                  </a:txBody>
+                  <a:tcPr>
+                    <a:lnL w="12700" cap="flat" cmpd="sng" algn="ctr">
+                      <a:solidFill>
+                        <a:schemeClr val="tx1"/>
+                      </a:solidFill>
+                      <a:prstDash val="solid"/>
+                      <a:round/>
+                      <a:headEnd type="none" w="med" len="med"/>
+                      <a:tailEnd type="none" w="med" len="med"/>
+                    </a:lnL>
+                    <a:lnR w="12700" cap="flat" cmpd="sng" algn="ctr">
+                      <a:solidFill>
+                        <a:schemeClr val="tx1"/>
+                      </a:solidFill>
+                      <a:prstDash val="solid"/>
+                      <a:round/>
+                      <a:headEnd type="none" w="med" len="med"/>
+                      <a:tailEnd type="none" w="med" len="med"/>
+                    </a:lnR>
+                    <a:lnT w="12700" cap="flat" cmpd="sng" algn="ctr">
+                      <a:solidFill>
+                        <a:schemeClr val="tx1"/>
+                      </a:solidFill>
+                      <a:prstDash val="solid"/>
+                      <a:round/>
+                      <a:headEnd type="none" w="med" len="med"/>
+                      <a:tailEnd type="none" w="med" len="med"/>
+                    </a:lnT>
+                    <a:lnB w="12700" cap="flat" cmpd="sng" algn="ctr">
+                      <a:solidFill>
+                        <a:schemeClr val="tx1"/>
+                      </a:solidFill>
+                      <a:prstDash val="solid"/>
+                      <a:round/>
+                      <a:headEnd type="none" w="med" len="med"/>
+                      <a:tailEnd type="none" w="med" len="med"/>
+                    </a:lnB>
+                  </a:tcPr>
+                </a:tc>
+                <a:tc>
+                  <a:txBody>
+                    <a:bodyPr/>
+                    <a:lstStyle/>
+                    <a:p>
+                      <a:pPr>
+                        <a:lnSpc>
+                          <a:spcPct val="100000"/>
+                        </a:lnSpc>
+                      </a:pPr>
+                      <a:r>
+                        <a:rPr lang="ru-RU" sz="2000" dirty="0">
+                          <a:latin typeface="+mj-lt"/>
+                        </a:rPr>
+                        <a:t>6.06</a:t>
+                      </a:r>
+                    </a:p>
+                  </a:txBody>
+                  <a:tcPr>
+                    <a:lnL w="12700" cap="flat" cmpd="sng" algn="ctr">
+                      <a:solidFill>
+                        <a:schemeClr val="tx1"/>
+                      </a:solidFill>
+                      <a:prstDash val="solid"/>
+                      <a:round/>
+                      <a:headEnd type="none" w="med" len="med"/>
+                      <a:tailEnd type="none" w="med" len="med"/>
+                    </a:lnL>
+                    <a:lnR w="12700" cap="flat" cmpd="sng" algn="ctr">
+                      <a:solidFill>
+                        <a:schemeClr val="tx1"/>
+                      </a:solidFill>
+                      <a:prstDash val="solid"/>
+                      <a:round/>
+                      <a:headEnd type="none" w="med" len="med"/>
+                      <a:tailEnd type="none" w="med" len="med"/>
+                    </a:lnR>
+                    <a:lnT w="12700" cap="flat" cmpd="sng" algn="ctr">
+                      <a:solidFill>
+                        <a:schemeClr val="tx1"/>
+                      </a:solidFill>
+                      <a:prstDash val="solid"/>
+                      <a:round/>
+                      <a:headEnd type="none" w="med" len="med"/>
+                      <a:tailEnd type="none" w="med" len="med"/>
+                    </a:lnT>
+                    <a:lnB w="12700" cap="flat" cmpd="sng" algn="ctr">
+                      <a:solidFill>
+                        <a:schemeClr val="tx1"/>
+                      </a:solidFill>
+                      <a:prstDash val="solid"/>
+                      <a:round/>
+                      <a:headEnd type="none" w="med" len="med"/>
+                      <a:tailEnd type="none" w="med" len="med"/>
+                    </a:lnB>
+                  </a:tcPr>
+                </a:tc>
+                <a:extLst>
+                  <a:ext uri="{0D108BD9-81ED-4DB2-BD59-A6C34878D82A}">
+                    <a16:rowId xmlns:a16="http://schemas.microsoft.com/office/drawing/2014/main" val="2535669301"/>
+                  </a:ext>
+                </a:extLst>
+              </a:tr>
+            </a:tbl>
+          </a:graphicData>
+        </a:graphic>
+      </p:graphicFrame>
+      <p:sp>
+        <p:nvSpPr>
+          <p:cNvPr id="9" name="Текст 8">
+            <a:extLst>
+              <a:ext uri="{FF2B5EF4-FFF2-40B4-BE49-F238E27FC236}">
+                <a16:creationId xmlns:a16="http://schemas.microsoft.com/office/drawing/2014/main" id="{569B907F-23D1-4004-8378-5FBB7BA2140D}"/>
+              </a:ext>
+            </a:extLst>
+          </p:cNvPr>
+          <p:cNvSpPr>
+            <a:spLocks noGrp="1"/>
+          </p:cNvSpPr>
+          <p:nvPr>
+            <p:ph type="body" sz="quarter" idx="14"/>
+          </p:nvPr>
+        </p:nvSpPr>
+        <p:spPr>
+          <a:xfrm>
+            <a:off x="718456" y="1520890"/>
+            <a:ext cx="10695778" cy="2128825"/>
+          </a:xfrm>
+        </p:spPr>
+        <p:txBody>
+          <a:bodyPr>
+            <a:normAutofit/>
+          </a:bodyPr>
+          <a:lstStyle/>
+          <a:p>
+            <a:r>
+              <a:rPr lang="ru-RU" dirty="0"/>
+              <a:t>Доверительные интервалы оценок пользователей</a:t>
+            </a:r>
+          </a:p>
+          <a:p>
+            <a:pPr lvl="1"/>
+            <a:r>
+              <a:rPr lang="ru-RU" dirty="0"/>
+              <a:t>Поскольку выборка из 6 человек маленькая, были рассчитаны доверительные интервалы, которые помогли определить, в каком диапазоне с вероятностью 95 процентов лежат истинные значения для всей выборки.</a:t>
             </a:r>
           </a:p>
         </p:txBody>
@@ -7326,7 +9028,141 @@
     </p:spTree>
     <p:extLst>
       <p:ext uri="{BB962C8B-B14F-4D97-AF65-F5344CB8AC3E}">
-        <p14:creationId xmlns:p14="http://schemas.microsoft.com/office/powerpoint/2010/main" val="1495679054"/>
+        <p14:creationId xmlns:p14="http://schemas.microsoft.com/office/powerpoint/2010/main" val="3171646750"/>
+      </p:ext>
+    </p:extLst>
+  </p:cSld>
+  <p:clrMapOvr>
+    <a:masterClrMapping/>
+  </p:clrMapOvr>
+</p:sld>
+</file>
+
+<file path=ppt/slides/slide12.xml><?xml version="1.0" encoding="utf-8"?>
+<p:sld xmlns:a="http://schemas.openxmlformats.org/drawingml/2006/main" xmlns:r="http://schemas.openxmlformats.org/officeDocument/2006/relationships" xmlns:p="http://schemas.openxmlformats.org/presentationml/2006/main">
+  <p:cSld>
+    <p:spTree>
+      <p:nvGrpSpPr>
+        <p:cNvPr id="1" name=""/>
+        <p:cNvGrpSpPr/>
+        <p:nvPr/>
+      </p:nvGrpSpPr>
+      <p:grpSpPr>
+        <a:xfrm>
+          <a:off x="0" y="0"/>
+          <a:ext cx="0" cy="0"/>
+          <a:chOff x="0" y="0"/>
+          <a:chExt cx="0" cy="0"/>
+        </a:xfrm>
+      </p:grpSpPr>
+      <p:sp>
+        <p:nvSpPr>
+          <p:cNvPr id="2" name="Заголовок 1">
+            <a:extLst>
+              <a:ext uri="{FF2B5EF4-FFF2-40B4-BE49-F238E27FC236}">
+                <a16:creationId xmlns:a16="http://schemas.microsoft.com/office/drawing/2014/main" id="{B9FECFB1-52F9-48E4-99D4-3219895682A9}"/>
+              </a:ext>
+            </a:extLst>
+          </p:cNvPr>
+          <p:cNvSpPr>
+            <a:spLocks noGrp="1"/>
+          </p:cNvSpPr>
+          <p:nvPr>
+            <p:ph type="title"/>
+          </p:nvPr>
+        </p:nvSpPr>
+        <p:spPr/>
+        <p:txBody>
+          <a:bodyPr/>
+          <a:lstStyle/>
+          <a:p>
+            <a:r>
+              <a:rPr lang="ru-RU" dirty="0"/>
+              <a:t>Результаты и выводы</a:t>
+            </a:r>
+          </a:p>
+        </p:txBody>
+      </p:sp>
+      <p:sp>
+        <p:nvSpPr>
+          <p:cNvPr id="3" name="Текст 2">
+            <a:extLst>
+              <a:ext uri="{FF2B5EF4-FFF2-40B4-BE49-F238E27FC236}">
+                <a16:creationId xmlns:a16="http://schemas.microsoft.com/office/drawing/2014/main" id="{36FB1FA6-EF89-4265-B52B-8D822E5A896D}"/>
+              </a:ext>
+            </a:extLst>
+          </p:cNvPr>
+          <p:cNvSpPr>
+            <a:spLocks noGrp="1"/>
+          </p:cNvSpPr>
+          <p:nvPr>
+            <p:ph type="body" sz="quarter" idx="13"/>
+          </p:nvPr>
+        </p:nvSpPr>
+        <p:spPr/>
+        <p:txBody>
+          <a:bodyPr/>
+          <a:lstStyle/>
+          <a:p>
+            <a:r>
+              <a:rPr lang="ru-RU" dirty="0"/>
+              <a:t>Использование RAG позволяет существенно повысить качество ответов, подключая внешние проверенные источники знаний.</a:t>
+            </a:r>
+          </a:p>
+          <a:p>
+            <a:r>
+              <a:rPr lang="ru-RU" dirty="0"/>
+              <a:t>Разработана модульная и масштабируемая RAG-система с возможностью индексации документов и генерации ответов в реальном времени.</a:t>
+            </a:r>
+          </a:p>
+          <a:p>
+            <a:r>
+              <a:rPr lang="ru-RU" dirty="0"/>
+              <a:t>Система успешно прошла пилотное испытание и готова к практическому применению.</a:t>
+            </a:r>
+          </a:p>
+          <a:p>
+            <a:endParaRPr lang="ru-RU" dirty="0"/>
+          </a:p>
+          <a:p>
+            <a:endParaRPr lang="ru-RU" dirty="0"/>
+          </a:p>
+        </p:txBody>
+      </p:sp>
+      <p:sp>
+        <p:nvSpPr>
+          <p:cNvPr id="4" name="Номер слайда 3">
+            <a:extLst>
+              <a:ext uri="{FF2B5EF4-FFF2-40B4-BE49-F238E27FC236}">
+                <a16:creationId xmlns:a16="http://schemas.microsoft.com/office/drawing/2014/main" id="{C5E40529-543B-40E1-86AA-5F1BF2D4668C}"/>
+              </a:ext>
+            </a:extLst>
+          </p:cNvPr>
+          <p:cNvSpPr>
+            <a:spLocks noGrp="1"/>
+          </p:cNvSpPr>
+          <p:nvPr>
+            <p:ph type="sldNum" sz="quarter" idx="12"/>
+          </p:nvPr>
+        </p:nvSpPr>
+        <p:spPr/>
+        <p:txBody>
+          <a:bodyPr/>
+          <a:lstStyle/>
+          <a:p>
+            <a:fld id="{252DB28E-DCFC-49D3-A30D-8262F7022753}" type="slidenum">
+              <a:rPr lang="ru-RU" smtClean="0"/>
+              <a:pPr/>
+              <a:t>12</a:t>
+            </a:fld>
+            <a:endParaRPr lang="ru-RU" dirty="0"/>
+          </a:p>
+        </p:txBody>
+      </p:sp>
+    </p:spTree>
+    <p:extLst>
+      <p:ext uri="{BB962C8B-B14F-4D97-AF65-F5344CB8AC3E}">
+        <p14:creationId xmlns:p14="http://schemas.microsoft.com/office/powerpoint/2010/main" val="2781131095"/>
       </p:ext>
     </p:extLst>
   </p:cSld>
@@ -7643,23 +9479,7 @@
             <a:pPr lvl="1"/>
             <a:r>
               <a:rPr lang="ru-RU" dirty="0"/>
-              <a:t>RAG (</a:t>
-            </a:r>
-            <a:r>
-              <a:rPr lang="ru-RU" dirty="0" err="1"/>
-              <a:t>Retrieval</a:t>
-            </a:r>
-            <a:r>
-              <a:rPr lang="en-US" dirty="0"/>
-              <a:t> </a:t>
-            </a:r>
-            <a:r>
-              <a:rPr lang="ru-RU" dirty="0" err="1"/>
-              <a:t>Augmented</a:t>
-            </a:r>
-            <a:r>
-              <a:rPr lang="ru-RU" dirty="0"/>
-              <a:t> Generation) сочетает поиск данных и генерацию текста. Поиск (</a:t>
+              <a:t>RAG сочетает поиск данных и генерацию текста. Поисковая система (</a:t>
             </a:r>
             <a:r>
               <a:rPr lang="ru-RU" dirty="0" err="1"/>
@@ -7787,10 +9607,10 @@
       </p:sp>
       <p:pic>
         <p:nvPicPr>
-          <p:cNvPr id="20" name="Объект 19">
-            <a:extLst>
-              <a:ext uri="{FF2B5EF4-FFF2-40B4-BE49-F238E27FC236}">
-                <a16:creationId xmlns:a16="http://schemas.microsoft.com/office/drawing/2014/main" id="{5A85D4ED-8010-4EC0-B2B4-4B32F4835C62}"/>
+          <p:cNvPr id="10" name="Объект 9">
+            <a:extLst>
+              <a:ext uri="{FF2B5EF4-FFF2-40B4-BE49-F238E27FC236}">
+                <a16:creationId xmlns:a16="http://schemas.microsoft.com/office/drawing/2014/main" id="{AAA16DC2-5EA1-4803-8A60-C6A6020B9048}"/>
               </a:ext>
             </a:extLst>
           </p:cNvPr>
@@ -7809,8 +9629,8 @@
         </p:blipFill>
         <p:spPr>
           <a:xfrm>
-            <a:off x="2570828" y="403225"/>
-            <a:ext cx="7050343" cy="5194300"/>
+            <a:off x="2593094" y="403225"/>
+            <a:ext cx="7005811" cy="5194300"/>
           </a:xfrm>
         </p:spPr>
       </p:pic>
@@ -7921,7 +9741,7 @@
         <p:spPr/>
         <p:txBody>
           <a:bodyPr>
-            <a:normAutofit/>
+            <a:normAutofit lnSpcReduction="10000"/>
           </a:bodyPr>
           <a:lstStyle/>
           <a:p>
@@ -8141,10 +9961,10 @@
       </p:grpSpPr>
       <p:sp>
         <p:nvSpPr>
-          <p:cNvPr id="6" name="Заголовок 5">
-            <a:extLst>
-              <a:ext uri="{FF2B5EF4-FFF2-40B4-BE49-F238E27FC236}">
-                <a16:creationId xmlns:a16="http://schemas.microsoft.com/office/drawing/2014/main" id="{C2161C10-9AF8-4DE9-8D02-8CBACFB694D7}"/>
+          <p:cNvPr id="8" name="Заголовок 7">
+            <a:extLst>
+              <a:ext uri="{FF2B5EF4-FFF2-40B4-BE49-F238E27FC236}">
+                <a16:creationId xmlns:a16="http://schemas.microsoft.com/office/drawing/2014/main" id="{B4DF26DE-4EBD-4AFE-B3FA-010059268969}"/>
               </a:ext>
             </a:extLst>
           </p:cNvPr>
@@ -8177,10 +9997,10 @@
       </p:sp>
       <p:sp>
         <p:nvSpPr>
-          <p:cNvPr id="7" name="Текст 6">
-            <a:extLst>
-              <a:ext uri="{FF2B5EF4-FFF2-40B4-BE49-F238E27FC236}">
-                <a16:creationId xmlns:a16="http://schemas.microsoft.com/office/drawing/2014/main" id="{30365AA0-D7D8-44C6-97ED-296E9E340B56}"/>
+          <p:cNvPr id="9" name="Текст 8">
+            <a:extLst>
+              <a:ext uri="{FF2B5EF4-FFF2-40B4-BE49-F238E27FC236}">
+                <a16:creationId xmlns:a16="http://schemas.microsoft.com/office/drawing/2014/main" id="{90C96E75-20CF-4FC2-8DE7-740ED34D1623}"/>
               </a:ext>
             </a:extLst>
           </p:cNvPr>
@@ -8189,6 +10009,118 @@
           </p:cNvSpPr>
           <p:nvPr>
             <p:ph type="body" sz="quarter" idx="13"/>
+          </p:nvPr>
+        </p:nvSpPr>
+        <p:spPr/>
+        <p:txBody>
+          <a:bodyPr>
+            <a:normAutofit/>
+          </a:bodyPr>
+          <a:lstStyle/>
+          <a:p>
+            <a:r>
+              <a:rPr lang="ru-RU" dirty="0"/>
+              <a:t>Индексация</a:t>
+            </a:r>
+          </a:p>
+          <a:p>
+            <a:pPr lvl="1"/>
+            <a:r>
+              <a:rPr lang="ru-RU" dirty="0"/>
+              <a:t>Система загружает PDF-файлы и разбивает их на логические фрагменты в реальном времени. Для восстановления макета документа используется CRF-модель, обученная на разметке научных статей. Затем применяется алгоритм семантического </a:t>
+            </a:r>
+            <a:r>
+              <a:rPr lang="ru-RU" dirty="0" err="1"/>
+              <a:t>чанкинга</a:t>
+            </a:r>
+            <a:r>
+              <a:rPr lang="ru-RU" dirty="0"/>
+              <a:t> для формирования базы знаний</a:t>
+            </a:r>
+          </a:p>
+          <a:p>
+            <a:r>
+              <a:rPr lang="ru-RU" dirty="0"/>
+              <a:t>Скорость загрузки документов</a:t>
+            </a:r>
+          </a:p>
+          <a:p>
+            <a:pPr lvl="1"/>
+            <a:r>
+              <a:rPr lang="ru-RU" dirty="0"/>
+              <a:t>Книга </a:t>
+            </a:r>
+            <a:r>
+              <a:rPr lang="en-US" dirty="0"/>
+              <a:t>“Deep Learning” (Goodfellow et al., ~</a:t>
+            </a:r>
+            <a:r>
+              <a:rPr lang="ru-RU" dirty="0"/>
+              <a:t>800 страниц</a:t>
+            </a:r>
+            <a:r>
+              <a:rPr lang="en-US" dirty="0"/>
+              <a:t>)</a:t>
+            </a:r>
+            <a:r>
+              <a:rPr lang="ru-RU" dirty="0"/>
+              <a:t> индексируется за</a:t>
+            </a:r>
+            <a:r>
+              <a:rPr lang="en-US" dirty="0"/>
+              <a:t> ~7 </a:t>
+            </a:r>
+            <a:r>
+              <a:rPr lang="ru-RU" dirty="0"/>
+              <a:t>минут</a:t>
+            </a:r>
+          </a:p>
+          <a:p>
+            <a:pPr lvl="1"/>
+            <a:r>
+              <a:rPr lang="ru-RU" dirty="0"/>
+              <a:t>Научная статья (15 стр.) индексируется за </a:t>
+            </a:r>
+            <a:r>
+              <a:rPr lang="en-US" dirty="0"/>
+              <a:t>~2 </a:t>
+            </a:r>
+            <a:r>
+              <a:rPr lang="ru-RU" dirty="0"/>
+              <a:t>секунды</a:t>
+            </a:r>
+          </a:p>
+          <a:p>
+            <a:pPr lvl="1"/>
+            <a:r>
+              <a:rPr lang="ru-RU" dirty="0"/>
+              <a:t>Система оптимизирована для работы в интерактивном режиме</a:t>
+            </a:r>
+            <a:r>
+              <a:rPr lang="en-US" dirty="0"/>
+              <a:t>: </a:t>
+            </a:r>
+            <a:r>
+              <a:rPr lang="ru-RU" dirty="0"/>
+              <a:t>индексация начинается сразу после загрузки документа</a:t>
+            </a:r>
+          </a:p>
+        </p:txBody>
+      </p:sp>
+      <p:sp>
+        <p:nvSpPr>
+          <p:cNvPr id="4" name="Номер слайда 3">
+            <a:extLst>
+              <a:ext uri="{FF2B5EF4-FFF2-40B4-BE49-F238E27FC236}">
+                <a16:creationId xmlns:a16="http://schemas.microsoft.com/office/drawing/2014/main" id="{4D0C0158-E33E-4DD9-B7D1-ABBEF1992E8D}"/>
+              </a:ext>
+            </a:extLst>
+          </p:cNvPr>
+          <p:cNvSpPr>
+            <a:spLocks noGrp="1"/>
+          </p:cNvSpPr>
+          <p:nvPr>
+            <p:ph type="sldNum" sz="quarter" idx="12"/>
           </p:nvPr>
         </p:nvSpPr>
         <p:spPr/>
@@ -8196,99 +10128,19 @@
           <a:bodyPr/>
           <a:lstStyle/>
           <a:p>
-            <a:r>
-              <a:rPr lang="ru-RU" dirty="0"/>
-              <a:t>Индексация</a:t>
-            </a:r>
-          </a:p>
-          <a:p>
-            <a:pPr lvl="1"/>
-            <a:r>
-              <a:rPr lang="ru-RU" dirty="0"/>
-              <a:t>Система загружает PDF-файлы и разбивает их на логические фрагменты в реальном времени. Для восстановления макета документа используется CRF-модель, обученная на разметке научных статей. Затем применяется алгоритм семантического </a:t>
-            </a:r>
-            <a:r>
-              <a:rPr lang="ru-RU" dirty="0" err="1"/>
-              <a:t>чанкинга</a:t>
-            </a:r>
-            <a:r>
-              <a:rPr lang="ru-RU" dirty="0"/>
-              <a:t> для формирования базы знаний</a:t>
-            </a:r>
-          </a:p>
-          <a:p>
-            <a:r>
-              <a:rPr lang="ru-RU" dirty="0"/>
-              <a:t>Скорость загрузки документов</a:t>
-            </a:r>
-          </a:p>
-          <a:p>
-            <a:pPr lvl="1"/>
-            <a:r>
-              <a:rPr lang="ru-RU" dirty="0"/>
-              <a:t>Книга </a:t>
-            </a:r>
-            <a:r>
-              <a:rPr lang="en-US" dirty="0"/>
-              <a:t>“Deep Learning” (Goodfellow et al., ~</a:t>
-            </a:r>
-            <a:r>
-              <a:rPr lang="ru-RU" dirty="0"/>
-              <a:t>800 страниц</a:t>
-            </a:r>
-            <a:r>
-              <a:rPr lang="en-US" dirty="0"/>
-              <a:t>)</a:t>
-            </a:r>
-            <a:r>
-              <a:rPr lang="ru-RU" dirty="0"/>
-              <a:t> индексируется за</a:t>
-            </a:r>
-            <a:r>
-              <a:rPr lang="en-US" dirty="0"/>
-              <a:t> ~7 </a:t>
-            </a:r>
-            <a:r>
-              <a:rPr lang="ru-RU" dirty="0"/>
-              <a:t>минут</a:t>
-            </a:r>
-          </a:p>
-          <a:p>
-            <a:pPr lvl="1"/>
-            <a:r>
-              <a:rPr lang="ru-RU" dirty="0"/>
-              <a:t>Научная статья (15 стр.) индексируется за </a:t>
-            </a:r>
-            <a:r>
-              <a:rPr lang="en-US" dirty="0"/>
-              <a:t>~2 </a:t>
-            </a:r>
-            <a:r>
-              <a:rPr lang="ru-RU" dirty="0"/>
-              <a:t>секунды</a:t>
-            </a:r>
-          </a:p>
-          <a:p>
-            <a:pPr lvl="1"/>
-            <a:r>
-              <a:rPr lang="ru-RU" dirty="0"/>
-              <a:t>Система оптимизирована для работы в интерактивном режиме</a:t>
-            </a:r>
-            <a:r>
-              <a:rPr lang="en-US" dirty="0"/>
-              <a:t>: </a:t>
-            </a:r>
-            <a:r>
-              <a:rPr lang="ru-RU" dirty="0"/>
-              <a:t>индексация начинается сразу после загрузки документа</a:t>
-            </a:r>
+            <a:fld id="{252DB28E-DCFC-49D3-A30D-8262F7022753}" type="slidenum">
+              <a:rPr lang="ru-RU" smtClean="0"/>
+              <a:pPr/>
+              <a:t>7</a:t>
+            </a:fld>
+            <a:endParaRPr lang="ru-RU" dirty="0"/>
           </a:p>
         </p:txBody>
       </p:sp>
     </p:spTree>
     <p:extLst>
       <p:ext uri="{BB962C8B-B14F-4D97-AF65-F5344CB8AC3E}">
-        <p14:creationId xmlns:p14="http://schemas.microsoft.com/office/powerpoint/2010/main" val="4257535218"/>
+        <p14:creationId xmlns:p14="http://schemas.microsoft.com/office/powerpoint/2010/main" val="1778766932"/>
       </p:ext>
     </p:extLst>
   </p:cSld>
@@ -8317,43 +10169,71 @@
       </p:grpSpPr>
       <p:sp>
         <p:nvSpPr>
-          <p:cNvPr id="4" name="Текст 3">
-            <a:extLst>
-              <a:ext uri="{FF2B5EF4-FFF2-40B4-BE49-F238E27FC236}">
-                <a16:creationId xmlns:a16="http://schemas.microsoft.com/office/drawing/2014/main" id="{68CC08F9-5801-4FF6-829D-92F87DF7991B}"/>
-              </a:ext>
-            </a:extLst>
-          </p:cNvPr>
-          <p:cNvSpPr>
-            <a:spLocks noGrp="1"/>
-          </p:cNvSpPr>
-          <p:nvPr>
-            <p:ph type="body" sz="quarter" idx="14"/>
-          </p:nvPr>
-        </p:nvSpPr>
-        <p:spPr>
-          <a:xfrm>
-            <a:off x="1860105" y="5597719"/>
-            <a:ext cx="8471790" cy="561603"/>
-          </a:xfrm>
-        </p:spPr>
+          <p:cNvPr id="2" name="Номер слайда 1">
+            <a:extLst>
+              <a:ext uri="{FF2B5EF4-FFF2-40B4-BE49-F238E27FC236}">
+                <a16:creationId xmlns:a16="http://schemas.microsoft.com/office/drawing/2014/main" id="{D6E581A7-9EA7-412F-935D-42D4884873AF}"/>
+              </a:ext>
+            </a:extLst>
+          </p:cNvPr>
+          <p:cNvSpPr>
+            <a:spLocks noGrp="1"/>
+          </p:cNvSpPr>
+          <p:nvPr>
+            <p:ph type="sldNum" sz="quarter" idx="12"/>
+          </p:nvPr>
+        </p:nvSpPr>
+        <p:spPr/>
         <p:txBody>
           <a:bodyPr/>
           <a:lstStyle/>
           <a:p>
+            <a:fld id="{252DB28E-DCFC-49D3-A30D-8262F7022753}" type="slidenum">
+              <a:rPr lang="ru-RU" smtClean="0"/>
+              <a:pPr/>
+              <a:t>8</a:t>
+            </a:fld>
+            <a:endParaRPr lang="ru-RU" dirty="0"/>
+          </a:p>
+        </p:txBody>
+      </p:sp>
+      <p:sp>
+        <p:nvSpPr>
+          <p:cNvPr id="3" name="Текст 2">
+            <a:extLst>
+              <a:ext uri="{FF2B5EF4-FFF2-40B4-BE49-F238E27FC236}">
+                <a16:creationId xmlns:a16="http://schemas.microsoft.com/office/drawing/2014/main" id="{FA8210ED-2D45-49C5-B320-1D7B014B3DC0}"/>
+              </a:ext>
+            </a:extLst>
+          </p:cNvPr>
+          <p:cNvSpPr>
+            <a:spLocks noGrp="1"/>
+          </p:cNvSpPr>
+          <p:nvPr>
+            <p:ph type="body" sz="quarter" idx="14"/>
+          </p:nvPr>
+        </p:nvSpPr>
+        <p:spPr/>
+        <p:txBody>
+          <a:bodyPr/>
+          <a:lstStyle/>
+          <a:p>
             <a:r>
               <a:rPr lang="ru-RU" dirty="0"/>
               <a:t>Схема работы этапа индексации </a:t>
             </a:r>
           </a:p>
+          <a:p>
+            <a:endParaRPr lang="ru-RU" dirty="0"/>
+          </a:p>
         </p:txBody>
       </p:sp>
       <p:pic>
         <p:nvPicPr>
-          <p:cNvPr id="11" name="Объект 10">
-            <a:extLst>
-              <a:ext uri="{FF2B5EF4-FFF2-40B4-BE49-F238E27FC236}">
-                <a16:creationId xmlns:a16="http://schemas.microsoft.com/office/drawing/2014/main" id="{5644C83C-8AA8-4B80-8F82-F14FFFA0178E}"/>
+          <p:cNvPr id="5" name="Объект 12">
+            <a:extLst>
+              <a:ext uri="{FF2B5EF4-FFF2-40B4-BE49-F238E27FC236}">
+                <a16:creationId xmlns:a16="http://schemas.microsoft.com/office/drawing/2014/main" id="{47D1E07D-B143-4B61-B0B8-AD2002075408}"/>
               </a:ext>
             </a:extLst>
           </p:cNvPr>
@@ -8372,15 +10252,15 @@
         </p:blipFill>
         <p:spPr>
           <a:xfrm>
-            <a:off x="4130415" y="403225"/>
-            <a:ext cx="3931169" cy="5194300"/>
+            <a:off x="4131283" y="403225"/>
+            <a:ext cx="3929433" cy="5194300"/>
           </a:xfrm>
         </p:spPr>
       </p:pic>
     </p:spTree>
     <p:extLst>
       <p:ext uri="{BB962C8B-B14F-4D97-AF65-F5344CB8AC3E}">
-        <p14:creationId xmlns:p14="http://schemas.microsoft.com/office/powerpoint/2010/main" val="1453366708"/>
+        <p14:creationId xmlns:p14="http://schemas.microsoft.com/office/powerpoint/2010/main" val="1579329221"/>
       </p:ext>
     </p:extLst>
   </p:cSld>
@@ -8423,7 +10303,12 @@
             <p:ph type="sldNum" sz="quarter" idx="12"/>
           </p:nvPr>
         </p:nvSpPr>
-        <p:spPr/>
+        <p:spPr>
+          <a:xfrm>
+            <a:off x="131618" y="6356350"/>
+            <a:ext cx="459509" cy="365125"/>
+          </a:xfrm>
+        </p:spPr>
         <p:txBody>
           <a:bodyPr/>
           <a:lstStyle/>
@@ -8433,7 +10318,7 @@
               <a:pPr/>
               <a:t>9</a:t>
             </a:fld>
-            <a:endParaRPr lang="ru-RU"/>
+            <a:endParaRPr lang="ru-RU" dirty="0"/>
           </a:p>
         </p:txBody>
       </p:sp>
@@ -8453,7 +10338,12 @@
             <p:ph type="title"/>
           </p:nvPr>
         </p:nvSpPr>
-        <p:spPr/>
+        <p:spPr>
+          <a:xfrm>
+            <a:off x="718457" y="0"/>
+            <a:ext cx="10755088" cy="1520890"/>
+          </a:xfrm>
+        </p:spPr>
         <p:txBody>
           <a:bodyPr/>
           <a:lstStyle/>
@@ -8481,9 +10371,16 @@
             <p:ph type="body" sz="quarter" idx="13"/>
           </p:nvPr>
         </p:nvSpPr>
-        <p:spPr/>
-        <p:txBody>
-          <a:bodyPr/>
+        <p:spPr>
+          <a:xfrm>
+            <a:off x="718456" y="1520890"/>
+            <a:ext cx="10755088" cy="4604013"/>
+          </a:xfrm>
+        </p:spPr>
+        <p:txBody>
+          <a:bodyPr>
+            <a:normAutofit lnSpcReduction="10000"/>
+          </a:bodyPr>
           <a:lstStyle/>
           <a:p>
             <a:r>
